--- a/Unidad 1/Clases/C1-7/C1-6 Regresión lineal.pptx
+++ b/Unidad 1/Clases/C1-7/C1-6 Regresión lineal.pptx
@@ -7,6 +7,10 @@
   <p:sldIdLst>
     <p:sldId id="256" r:id="rId2"/>
     <p:sldId id="257" r:id="rId3"/>
+    <p:sldId id="258" r:id="rId4"/>
+    <p:sldId id="260" r:id="rId5"/>
+    <p:sldId id="261" r:id="rId6"/>
+    <p:sldId id="262" r:id="rId7"/>
   </p:sldIdLst>
   <p:sldSz cx="12192000" cy="6858000"/>
   <p:notesSz cx="6858000" cy="9144000"/>
@@ -111,6 +115,2465 @@
     </p:ext>
   </p:extLst>
 </p:presentation>
+</file>
+
+<file path=ppt/diagrams/colors1.xml><?xml version="1.0" encoding="utf-8"?>
+<dgm:colorsDef xmlns:dgm="http://schemas.openxmlformats.org/drawingml/2006/diagram" xmlns:a="http://schemas.openxmlformats.org/drawingml/2006/main" uniqueId="urn:microsoft.com/office/officeart/2005/8/colors/accent1_2">
+  <dgm:title val=""/>
+  <dgm:desc val=""/>
+  <dgm:catLst>
+    <dgm:cat type="accent1" pri="11200"/>
+  </dgm:catLst>
+  <dgm:styleLbl name="node0">
+    <dgm:fillClrLst meth="repeat">
+      <a:schemeClr val="accent1"/>
+    </dgm:fillClrLst>
+    <dgm:linClrLst meth="repeat">
+      <a:schemeClr val="lt1"/>
+    </dgm:linClrLst>
+    <dgm:effectClrLst/>
+    <dgm:txLinClrLst/>
+    <dgm:txFillClrLst/>
+    <dgm:txEffectClrLst/>
+  </dgm:styleLbl>
+  <dgm:styleLbl name="alignNode1">
+    <dgm:fillClrLst meth="repeat">
+      <a:schemeClr val="accent1"/>
+    </dgm:fillClrLst>
+    <dgm:linClrLst meth="repeat">
+      <a:schemeClr val="accent1"/>
+    </dgm:linClrLst>
+    <dgm:effectClrLst/>
+    <dgm:txLinClrLst/>
+    <dgm:txFillClrLst/>
+    <dgm:txEffectClrLst/>
+  </dgm:styleLbl>
+  <dgm:styleLbl name="node1">
+    <dgm:fillClrLst meth="repeat">
+      <a:schemeClr val="accent1"/>
+    </dgm:fillClrLst>
+    <dgm:linClrLst meth="repeat">
+      <a:schemeClr val="lt1"/>
+    </dgm:linClrLst>
+    <dgm:effectClrLst/>
+    <dgm:txLinClrLst/>
+    <dgm:txFillClrLst/>
+    <dgm:txEffectClrLst/>
+  </dgm:styleLbl>
+  <dgm:styleLbl name="lnNode1">
+    <dgm:fillClrLst meth="repeat">
+      <a:schemeClr val="accent1"/>
+    </dgm:fillClrLst>
+    <dgm:linClrLst meth="repeat">
+      <a:schemeClr val="lt1"/>
+    </dgm:linClrLst>
+    <dgm:effectClrLst/>
+    <dgm:txLinClrLst/>
+    <dgm:txFillClrLst/>
+    <dgm:txEffectClrLst/>
+  </dgm:styleLbl>
+  <dgm:styleLbl name="vennNode1">
+    <dgm:fillClrLst meth="repeat">
+      <a:schemeClr val="accent1">
+        <a:alpha val="50000"/>
+      </a:schemeClr>
+    </dgm:fillClrLst>
+    <dgm:linClrLst meth="repeat">
+      <a:schemeClr val="lt1"/>
+    </dgm:linClrLst>
+    <dgm:effectClrLst/>
+    <dgm:txLinClrLst/>
+    <dgm:txFillClrLst/>
+    <dgm:txEffectClrLst/>
+  </dgm:styleLbl>
+  <dgm:styleLbl name="node2">
+    <dgm:fillClrLst meth="repeat">
+      <a:schemeClr val="accent1"/>
+    </dgm:fillClrLst>
+    <dgm:linClrLst meth="repeat">
+      <a:schemeClr val="lt1"/>
+    </dgm:linClrLst>
+    <dgm:effectClrLst/>
+    <dgm:txLinClrLst/>
+    <dgm:txFillClrLst/>
+    <dgm:txEffectClrLst/>
+  </dgm:styleLbl>
+  <dgm:styleLbl name="node3">
+    <dgm:fillClrLst meth="repeat">
+      <a:schemeClr val="accent1"/>
+    </dgm:fillClrLst>
+    <dgm:linClrLst meth="repeat">
+      <a:schemeClr val="lt1"/>
+    </dgm:linClrLst>
+    <dgm:effectClrLst/>
+    <dgm:txLinClrLst/>
+    <dgm:txFillClrLst/>
+    <dgm:txEffectClrLst/>
+  </dgm:styleLbl>
+  <dgm:styleLbl name="node4">
+    <dgm:fillClrLst meth="repeat">
+      <a:schemeClr val="accent1"/>
+    </dgm:fillClrLst>
+    <dgm:linClrLst meth="repeat">
+      <a:schemeClr val="lt1"/>
+    </dgm:linClrLst>
+    <dgm:effectClrLst/>
+    <dgm:txLinClrLst/>
+    <dgm:txFillClrLst/>
+    <dgm:txEffectClrLst/>
+  </dgm:styleLbl>
+  <dgm:styleLbl name="fgImgPlace1">
+    <dgm:fillClrLst meth="repeat">
+      <a:schemeClr val="accent1">
+        <a:tint val="50000"/>
+      </a:schemeClr>
+    </dgm:fillClrLst>
+    <dgm:linClrLst meth="repeat">
+      <a:schemeClr val="lt1"/>
+    </dgm:linClrLst>
+    <dgm:effectClrLst/>
+    <dgm:txLinClrLst/>
+    <dgm:txFillClrLst meth="repeat">
+      <a:schemeClr val="lt1"/>
+    </dgm:txFillClrLst>
+    <dgm:txEffectClrLst/>
+  </dgm:styleLbl>
+  <dgm:styleLbl name="alignImgPlace1">
+    <dgm:fillClrLst meth="repeat">
+      <a:schemeClr val="accent1">
+        <a:tint val="50000"/>
+      </a:schemeClr>
+    </dgm:fillClrLst>
+    <dgm:linClrLst meth="repeat">
+      <a:schemeClr val="lt1"/>
+    </dgm:linClrLst>
+    <dgm:effectClrLst/>
+    <dgm:txLinClrLst/>
+    <dgm:txFillClrLst meth="repeat">
+      <a:schemeClr val="lt1"/>
+    </dgm:txFillClrLst>
+    <dgm:txEffectClrLst/>
+  </dgm:styleLbl>
+  <dgm:styleLbl name="bgImgPlace1">
+    <dgm:fillClrLst meth="repeat">
+      <a:schemeClr val="accent1">
+        <a:tint val="50000"/>
+      </a:schemeClr>
+    </dgm:fillClrLst>
+    <dgm:linClrLst meth="repeat">
+      <a:schemeClr val="lt1"/>
+    </dgm:linClrLst>
+    <dgm:effectClrLst/>
+    <dgm:txLinClrLst/>
+    <dgm:txFillClrLst meth="repeat">
+      <a:schemeClr val="lt1"/>
+    </dgm:txFillClrLst>
+    <dgm:txEffectClrLst/>
+  </dgm:styleLbl>
+  <dgm:styleLbl name="sibTrans2D1">
+    <dgm:fillClrLst meth="repeat">
+      <a:schemeClr val="accent1">
+        <a:tint val="60000"/>
+      </a:schemeClr>
+    </dgm:fillClrLst>
+    <dgm:linClrLst meth="repeat">
+      <a:schemeClr val="accent1">
+        <a:tint val="60000"/>
+      </a:schemeClr>
+    </dgm:linClrLst>
+    <dgm:effectClrLst/>
+    <dgm:txLinClrLst/>
+    <dgm:txFillClrLst/>
+    <dgm:txEffectClrLst/>
+  </dgm:styleLbl>
+  <dgm:styleLbl name="fgSibTrans2D1">
+    <dgm:fillClrLst meth="repeat">
+      <a:schemeClr val="accent1">
+        <a:tint val="60000"/>
+      </a:schemeClr>
+    </dgm:fillClrLst>
+    <dgm:linClrLst meth="repeat">
+      <a:schemeClr val="accent1">
+        <a:tint val="60000"/>
+      </a:schemeClr>
+    </dgm:linClrLst>
+    <dgm:effectClrLst/>
+    <dgm:txLinClrLst/>
+    <dgm:txFillClrLst/>
+    <dgm:txEffectClrLst/>
+  </dgm:styleLbl>
+  <dgm:styleLbl name="bgSibTrans2D1">
+    <dgm:fillClrLst meth="repeat">
+      <a:schemeClr val="accent1">
+        <a:tint val="60000"/>
+      </a:schemeClr>
+    </dgm:fillClrLst>
+    <dgm:linClrLst meth="repeat">
+      <a:schemeClr val="accent1">
+        <a:tint val="60000"/>
+      </a:schemeClr>
+    </dgm:linClrLst>
+    <dgm:effectClrLst/>
+    <dgm:txLinClrLst/>
+    <dgm:txFillClrLst/>
+    <dgm:txEffectClrLst/>
+  </dgm:styleLbl>
+  <dgm:styleLbl name="sibTrans1D1">
+    <dgm:fillClrLst meth="repeat">
+      <a:schemeClr val="accent1"/>
+    </dgm:fillClrLst>
+    <dgm:linClrLst meth="repeat">
+      <a:schemeClr val="accent1"/>
+    </dgm:linClrLst>
+    <dgm:effectClrLst/>
+    <dgm:txLinClrLst/>
+    <dgm:txFillClrLst meth="repeat">
+      <a:schemeClr val="tx1"/>
+    </dgm:txFillClrLst>
+    <dgm:txEffectClrLst/>
+  </dgm:styleLbl>
+  <dgm:styleLbl name="callout">
+    <dgm:fillClrLst meth="repeat">
+      <a:schemeClr val="accent1"/>
+    </dgm:fillClrLst>
+    <dgm:linClrLst meth="repeat">
+      <a:schemeClr val="accent1">
+        <a:tint val="50000"/>
+      </a:schemeClr>
+    </dgm:linClrLst>
+    <dgm:effectClrLst/>
+    <dgm:txLinClrLst/>
+    <dgm:txFillClrLst meth="repeat">
+      <a:schemeClr val="tx1"/>
+    </dgm:txFillClrLst>
+    <dgm:txEffectClrLst/>
+  </dgm:styleLbl>
+  <dgm:styleLbl name="asst0">
+    <dgm:fillClrLst meth="repeat">
+      <a:schemeClr val="accent1"/>
+    </dgm:fillClrLst>
+    <dgm:linClrLst meth="repeat">
+      <a:schemeClr val="lt1"/>
+    </dgm:linClrLst>
+    <dgm:effectClrLst/>
+    <dgm:txLinClrLst/>
+    <dgm:txFillClrLst/>
+    <dgm:txEffectClrLst/>
+  </dgm:styleLbl>
+  <dgm:styleLbl name="asst1">
+    <dgm:fillClrLst meth="repeat">
+      <a:schemeClr val="accent1"/>
+    </dgm:fillClrLst>
+    <dgm:linClrLst meth="repeat">
+      <a:schemeClr val="lt1"/>
+    </dgm:linClrLst>
+    <dgm:effectClrLst/>
+    <dgm:txLinClrLst/>
+    <dgm:txFillClrLst/>
+    <dgm:txEffectClrLst/>
+  </dgm:styleLbl>
+  <dgm:styleLbl name="asst2">
+    <dgm:fillClrLst meth="repeat">
+      <a:schemeClr val="accent1"/>
+    </dgm:fillClrLst>
+    <dgm:linClrLst meth="repeat">
+      <a:schemeClr val="lt1"/>
+    </dgm:linClrLst>
+    <dgm:effectClrLst/>
+    <dgm:txLinClrLst/>
+    <dgm:txFillClrLst/>
+    <dgm:txEffectClrLst/>
+  </dgm:styleLbl>
+  <dgm:styleLbl name="asst3">
+    <dgm:fillClrLst meth="repeat">
+      <a:schemeClr val="accent1"/>
+    </dgm:fillClrLst>
+    <dgm:linClrLst meth="repeat">
+      <a:schemeClr val="lt1"/>
+    </dgm:linClrLst>
+    <dgm:effectClrLst/>
+    <dgm:txLinClrLst/>
+    <dgm:txFillClrLst/>
+    <dgm:txEffectClrLst/>
+  </dgm:styleLbl>
+  <dgm:styleLbl name="asst4">
+    <dgm:fillClrLst meth="repeat">
+      <a:schemeClr val="accent1"/>
+    </dgm:fillClrLst>
+    <dgm:linClrLst meth="repeat">
+      <a:schemeClr val="lt1"/>
+    </dgm:linClrLst>
+    <dgm:effectClrLst/>
+    <dgm:txLinClrLst/>
+    <dgm:txFillClrLst/>
+    <dgm:txEffectClrLst/>
+  </dgm:styleLbl>
+  <dgm:styleLbl name="parChTrans2D1">
+    <dgm:fillClrLst meth="repeat">
+      <a:schemeClr val="accent1">
+        <a:tint val="60000"/>
+      </a:schemeClr>
+    </dgm:fillClrLst>
+    <dgm:linClrLst meth="repeat">
+      <a:schemeClr val="accent1">
+        <a:tint val="60000"/>
+      </a:schemeClr>
+    </dgm:linClrLst>
+    <dgm:effectClrLst/>
+    <dgm:txLinClrLst/>
+    <dgm:txFillClrLst meth="repeat">
+      <a:schemeClr val="lt1"/>
+    </dgm:txFillClrLst>
+    <dgm:txEffectClrLst/>
+  </dgm:styleLbl>
+  <dgm:styleLbl name="parChTrans2D2">
+    <dgm:fillClrLst meth="repeat">
+      <a:schemeClr val="accent1"/>
+    </dgm:fillClrLst>
+    <dgm:linClrLst meth="repeat">
+      <a:schemeClr val="accent1"/>
+    </dgm:linClrLst>
+    <dgm:effectClrLst/>
+    <dgm:txLinClrLst/>
+    <dgm:txFillClrLst meth="repeat">
+      <a:schemeClr val="lt1"/>
+    </dgm:txFillClrLst>
+    <dgm:txEffectClrLst/>
+  </dgm:styleLbl>
+  <dgm:styleLbl name="parChTrans2D3">
+    <dgm:fillClrLst meth="repeat">
+      <a:schemeClr val="accent1"/>
+    </dgm:fillClrLst>
+    <dgm:linClrLst meth="repeat">
+      <a:schemeClr val="accent1"/>
+    </dgm:linClrLst>
+    <dgm:effectClrLst/>
+    <dgm:txLinClrLst/>
+    <dgm:txFillClrLst meth="repeat">
+      <a:schemeClr val="lt1"/>
+    </dgm:txFillClrLst>
+    <dgm:txEffectClrLst/>
+  </dgm:styleLbl>
+  <dgm:styleLbl name="parChTrans2D4">
+    <dgm:fillClrLst meth="repeat">
+      <a:schemeClr val="accent1"/>
+    </dgm:fillClrLst>
+    <dgm:linClrLst meth="repeat">
+      <a:schemeClr val="accent1"/>
+    </dgm:linClrLst>
+    <dgm:effectClrLst/>
+    <dgm:txLinClrLst/>
+    <dgm:txFillClrLst meth="repeat">
+      <a:schemeClr val="lt1"/>
+    </dgm:txFillClrLst>
+    <dgm:txEffectClrLst/>
+  </dgm:styleLbl>
+  <dgm:styleLbl name="parChTrans1D1">
+    <dgm:fillClrLst meth="repeat">
+      <a:schemeClr val="accent1"/>
+    </dgm:fillClrLst>
+    <dgm:linClrLst meth="repeat">
+      <a:schemeClr val="accent1">
+        <a:shade val="60000"/>
+      </a:schemeClr>
+    </dgm:linClrLst>
+    <dgm:effectClrLst/>
+    <dgm:txLinClrLst/>
+    <dgm:txFillClrLst meth="repeat">
+      <a:schemeClr val="tx1"/>
+    </dgm:txFillClrLst>
+    <dgm:txEffectClrLst/>
+  </dgm:styleLbl>
+  <dgm:styleLbl name="parChTrans1D2">
+    <dgm:fillClrLst meth="repeat">
+      <a:schemeClr val="accent1"/>
+    </dgm:fillClrLst>
+    <dgm:linClrLst meth="repeat">
+      <a:schemeClr val="accent1">
+        <a:shade val="60000"/>
+      </a:schemeClr>
+    </dgm:linClrLst>
+    <dgm:effectClrLst/>
+    <dgm:txLinClrLst/>
+    <dgm:txFillClrLst meth="repeat">
+      <a:schemeClr val="tx1"/>
+    </dgm:txFillClrLst>
+    <dgm:txEffectClrLst/>
+  </dgm:styleLbl>
+  <dgm:styleLbl name="parChTrans1D3">
+    <dgm:fillClrLst meth="repeat">
+      <a:schemeClr val="accent1"/>
+    </dgm:fillClrLst>
+    <dgm:linClrLst meth="repeat">
+      <a:schemeClr val="accent1">
+        <a:shade val="80000"/>
+      </a:schemeClr>
+    </dgm:linClrLst>
+    <dgm:effectClrLst/>
+    <dgm:txLinClrLst/>
+    <dgm:txFillClrLst meth="repeat">
+      <a:schemeClr val="tx1"/>
+    </dgm:txFillClrLst>
+    <dgm:txEffectClrLst/>
+  </dgm:styleLbl>
+  <dgm:styleLbl name="parChTrans1D4">
+    <dgm:fillClrLst meth="repeat">
+      <a:schemeClr val="accent1"/>
+    </dgm:fillClrLst>
+    <dgm:linClrLst meth="repeat">
+      <a:schemeClr val="accent1">
+        <a:shade val="80000"/>
+      </a:schemeClr>
+    </dgm:linClrLst>
+    <dgm:effectClrLst/>
+    <dgm:txLinClrLst/>
+    <dgm:txFillClrLst meth="repeat">
+      <a:schemeClr val="tx1"/>
+    </dgm:txFillClrLst>
+    <dgm:txEffectClrLst/>
+  </dgm:styleLbl>
+  <dgm:styleLbl name="fgAcc1">
+    <dgm:fillClrLst meth="repeat">
+      <a:schemeClr val="lt1">
+        <a:alpha val="90000"/>
+      </a:schemeClr>
+    </dgm:fillClrLst>
+    <dgm:linClrLst meth="repeat">
+      <a:schemeClr val="accent1"/>
+    </dgm:linClrLst>
+    <dgm:effectClrLst/>
+    <dgm:txLinClrLst/>
+    <dgm:txFillClrLst meth="repeat">
+      <a:schemeClr val="dk1"/>
+    </dgm:txFillClrLst>
+    <dgm:txEffectClrLst/>
+  </dgm:styleLbl>
+  <dgm:styleLbl name="conFgAcc1">
+    <dgm:fillClrLst meth="repeat">
+      <a:schemeClr val="lt1">
+        <a:alpha val="90000"/>
+      </a:schemeClr>
+    </dgm:fillClrLst>
+    <dgm:linClrLst meth="repeat">
+      <a:schemeClr val="accent1"/>
+    </dgm:linClrLst>
+    <dgm:effectClrLst/>
+    <dgm:txLinClrLst/>
+    <dgm:txFillClrLst meth="repeat">
+      <a:schemeClr val="dk1"/>
+    </dgm:txFillClrLst>
+    <dgm:txEffectClrLst/>
+  </dgm:styleLbl>
+  <dgm:styleLbl name="alignAcc1">
+    <dgm:fillClrLst meth="repeat">
+      <a:schemeClr val="lt1">
+        <a:alpha val="90000"/>
+      </a:schemeClr>
+    </dgm:fillClrLst>
+    <dgm:linClrLst meth="repeat">
+      <a:schemeClr val="accent1"/>
+    </dgm:linClrLst>
+    <dgm:effectClrLst/>
+    <dgm:txLinClrLst/>
+    <dgm:txFillClrLst meth="repeat">
+      <a:schemeClr val="dk1"/>
+    </dgm:txFillClrLst>
+    <dgm:txEffectClrLst/>
+  </dgm:styleLbl>
+  <dgm:styleLbl name="trAlignAcc1">
+    <dgm:fillClrLst meth="repeat">
+      <a:schemeClr val="lt1">
+        <a:alpha val="40000"/>
+      </a:schemeClr>
+    </dgm:fillClrLst>
+    <dgm:linClrLst meth="repeat">
+      <a:schemeClr val="accent1"/>
+    </dgm:linClrLst>
+    <dgm:effectClrLst/>
+    <dgm:txLinClrLst/>
+    <dgm:txFillClrLst meth="repeat">
+      <a:schemeClr val="dk1"/>
+    </dgm:txFillClrLst>
+    <dgm:txEffectClrLst/>
+  </dgm:styleLbl>
+  <dgm:styleLbl name="bgAcc1">
+    <dgm:fillClrLst meth="repeat">
+      <a:schemeClr val="lt1">
+        <a:alpha val="90000"/>
+      </a:schemeClr>
+    </dgm:fillClrLst>
+    <dgm:linClrLst meth="repeat">
+      <a:schemeClr val="accent1"/>
+    </dgm:linClrLst>
+    <dgm:effectClrLst/>
+    <dgm:txLinClrLst/>
+    <dgm:txFillClrLst meth="repeat">
+      <a:schemeClr val="dk1"/>
+    </dgm:txFillClrLst>
+    <dgm:txEffectClrLst/>
+  </dgm:styleLbl>
+  <dgm:styleLbl name="solidFgAcc1">
+    <dgm:fillClrLst meth="repeat">
+      <a:schemeClr val="lt1"/>
+    </dgm:fillClrLst>
+    <dgm:linClrLst meth="repeat">
+      <a:schemeClr val="accent1"/>
+    </dgm:linClrLst>
+    <dgm:effectClrLst/>
+    <dgm:txLinClrLst/>
+    <dgm:txFillClrLst meth="repeat">
+      <a:schemeClr val="dk1"/>
+    </dgm:txFillClrLst>
+    <dgm:txEffectClrLst/>
+  </dgm:styleLbl>
+  <dgm:styleLbl name="solidAlignAcc1">
+    <dgm:fillClrLst meth="repeat">
+      <a:schemeClr val="lt1"/>
+    </dgm:fillClrLst>
+    <dgm:linClrLst meth="repeat">
+      <a:schemeClr val="accent1"/>
+    </dgm:linClrLst>
+    <dgm:effectClrLst/>
+    <dgm:txLinClrLst/>
+    <dgm:txFillClrLst meth="repeat">
+      <a:schemeClr val="dk1"/>
+    </dgm:txFillClrLst>
+    <dgm:txEffectClrLst/>
+  </dgm:styleLbl>
+  <dgm:styleLbl name="solidBgAcc1">
+    <dgm:fillClrLst meth="repeat">
+      <a:schemeClr val="lt1"/>
+    </dgm:fillClrLst>
+    <dgm:linClrLst meth="repeat">
+      <a:schemeClr val="accent1"/>
+    </dgm:linClrLst>
+    <dgm:effectClrLst/>
+    <dgm:txLinClrLst/>
+    <dgm:txFillClrLst meth="repeat">
+      <a:schemeClr val="dk1"/>
+    </dgm:txFillClrLst>
+    <dgm:txEffectClrLst/>
+  </dgm:styleLbl>
+  <dgm:styleLbl name="fgAccFollowNode1">
+    <dgm:fillClrLst meth="repeat">
+      <a:schemeClr val="accent1">
+        <a:alpha val="90000"/>
+        <a:tint val="40000"/>
+      </a:schemeClr>
+    </dgm:fillClrLst>
+    <dgm:linClrLst meth="repeat">
+      <a:schemeClr val="accent1">
+        <a:alpha val="90000"/>
+        <a:tint val="40000"/>
+      </a:schemeClr>
+    </dgm:linClrLst>
+    <dgm:effectClrLst/>
+    <dgm:txLinClrLst/>
+    <dgm:txFillClrLst meth="repeat">
+      <a:schemeClr val="dk1"/>
+    </dgm:txFillClrLst>
+    <dgm:txEffectClrLst/>
+  </dgm:styleLbl>
+  <dgm:styleLbl name="alignAccFollowNode1">
+    <dgm:fillClrLst meth="repeat">
+      <a:schemeClr val="accent1">
+        <a:alpha val="90000"/>
+        <a:tint val="40000"/>
+      </a:schemeClr>
+    </dgm:fillClrLst>
+    <dgm:linClrLst meth="repeat">
+      <a:schemeClr val="accent1">
+        <a:alpha val="90000"/>
+        <a:tint val="40000"/>
+      </a:schemeClr>
+    </dgm:linClrLst>
+    <dgm:effectClrLst/>
+    <dgm:txLinClrLst/>
+    <dgm:txFillClrLst meth="repeat">
+      <a:schemeClr val="dk1"/>
+    </dgm:txFillClrLst>
+    <dgm:txEffectClrLst/>
+  </dgm:styleLbl>
+  <dgm:styleLbl name="bgAccFollowNode1">
+    <dgm:fillClrLst meth="repeat">
+      <a:schemeClr val="accent1">
+        <a:alpha val="90000"/>
+        <a:tint val="40000"/>
+      </a:schemeClr>
+    </dgm:fillClrLst>
+    <dgm:linClrLst meth="repeat">
+      <a:schemeClr val="accent1">
+        <a:alpha val="90000"/>
+        <a:tint val="40000"/>
+      </a:schemeClr>
+    </dgm:linClrLst>
+    <dgm:effectClrLst/>
+    <dgm:txLinClrLst/>
+    <dgm:txFillClrLst meth="repeat">
+      <a:schemeClr val="dk1"/>
+    </dgm:txFillClrLst>
+    <dgm:txEffectClrLst/>
+  </dgm:styleLbl>
+  <dgm:styleLbl name="fgAcc0">
+    <dgm:fillClrLst meth="repeat">
+      <a:schemeClr val="lt1">
+        <a:alpha val="90000"/>
+      </a:schemeClr>
+    </dgm:fillClrLst>
+    <dgm:linClrLst meth="repeat">
+      <a:schemeClr val="accent1"/>
+    </dgm:linClrLst>
+    <dgm:effectClrLst/>
+    <dgm:txLinClrLst/>
+    <dgm:txFillClrLst meth="repeat">
+      <a:schemeClr val="dk1"/>
+    </dgm:txFillClrLst>
+    <dgm:txEffectClrLst/>
+  </dgm:styleLbl>
+  <dgm:styleLbl name="fgAcc2">
+    <dgm:fillClrLst meth="repeat">
+      <a:schemeClr val="lt1">
+        <a:alpha val="90000"/>
+      </a:schemeClr>
+    </dgm:fillClrLst>
+    <dgm:linClrLst meth="repeat">
+      <a:schemeClr val="accent1"/>
+    </dgm:linClrLst>
+    <dgm:effectClrLst/>
+    <dgm:txLinClrLst/>
+    <dgm:txFillClrLst meth="repeat">
+      <a:schemeClr val="dk1"/>
+    </dgm:txFillClrLst>
+    <dgm:txEffectClrLst/>
+  </dgm:styleLbl>
+  <dgm:styleLbl name="fgAcc3">
+    <dgm:fillClrLst meth="repeat">
+      <a:schemeClr val="lt1">
+        <a:alpha val="90000"/>
+      </a:schemeClr>
+    </dgm:fillClrLst>
+    <dgm:linClrLst meth="repeat">
+      <a:schemeClr val="accent1"/>
+    </dgm:linClrLst>
+    <dgm:effectClrLst/>
+    <dgm:txLinClrLst/>
+    <dgm:txFillClrLst meth="repeat">
+      <a:schemeClr val="dk1"/>
+    </dgm:txFillClrLst>
+    <dgm:txEffectClrLst/>
+  </dgm:styleLbl>
+  <dgm:styleLbl name="fgAcc4">
+    <dgm:fillClrLst meth="repeat">
+      <a:schemeClr val="lt1">
+        <a:alpha val="90000"/>
+      </a:schemeClr>
+    </dgm:fillClrLst>
+    <dgm:linClrLst meth="repeat">
+      <a:schemeClr val="accent1"/>
+    </dgm:linClrLst>
+    <dgm:effectClrLst/>
+    <dgm:txLinClrLst/>
+    <dgm:txFillClrLst meth="repeat">
+      <a:schemeClr val="dk1"/>
+    </dgm:txFillClrLst>
+    <dgm:txEffectClrLst/>
+  </dgm:styleLbl>
+  <dgm:styleLbl name="bgShp">
+    <dgm:fillClrLst meth="repeat">
+      <a:schemeClr val="accent1">
+        <a:tint val="40000"/>
+      </a:schemeClr>
+    </dgm:fillClrLst>
+    <dgm:linClrLst meth="repeat">
+      <a:schemeClr val="accent1"/>
+    </dgm:linClrLst>
+    <dgm:effectClrLst/>
+    <dgm:txLinClrLst/>
+    <dgm:txFillClrLst meth="repeat">
+      <a:schemeClr val="dk1"/>
+    </dgm:txFillClrLst>
+    <dgm:txEffectClrLst/>
+  </dgm:styleLbl>
+  <dgm:styleLbl name="dkBgShp">
+    <dgm:fillClrLst meth="repeat">
+      <a:schemeClr val="accent1">
+        <a:shade val="80000"/>
+      </a:schemeClr>
+    </dgm:fillClrLst>
+    <dgm:linClrLst meth="repeat">
+      <a:schemeClr val="accent1"/>
+    </dgm:linClrLst>
+    <dgm:effectClrLst/>
+    <dgm:txLinClrLst/>
+    <dgm:txFillClrLst meth="repeat">
+      <a:schemeClr val="lt1"/>
+    </dgm:txFillClrLst>
+    <dgm:txEffectClrLst/>
+  </dgm:styleLbl>
+  <dgm:styleLbl name="trBgShp">
+    <dgm:fillClrLst meth="repeat">
+      <a:schemeClr val="accent1">
+        <a:tint val="50000"/>
+        <a:alpha val="40000"/>
+      </a:schemeClr>
+    </dgm:fillClrLst>
+    <dgm:linClrLst meth="repeat">
+      <a:schemeClr val="accent1"/>
+    </dgm:linClrLst>
+    <dgm:effectClrLst/>
+    <dgm:txLinClrLst/>
+    <dgm:txFillClrLst meth="repeat">
+      <a:schemeClr val="lt1"/>
+    </dgm:txFillClrLst>
+    <dgm:txEffectClrLst/>
+  </dgm:styleLbl>
+  <dgm:styleLbl name="fgShp">
+    <dgm:fillClrLst meth="repeat">
+      <a:schemeClr val="accent1">
+        <a:tint val="60000"/>
+      </a:schemeClr>
+    </dgm:fillClrLst>
+    <dgm:linClrLst meth="repeat">
+      <a:schemeClr val="lt1"/>
+    </dgm:linClrLst>
+    <dgm:effectClrLst/>
+    <dgm:txLinClrLst/>
+    <dgm:txFillClrLst meth="repeat">
+      <a:schemeClr val="dk1"/>
+    </dgm:txFillClrLst>
+    <dgm:txEffectClrLst/>
+  </dgm:styleLbl>
+  <dgm:styleLbl name="revTx">
+    <dgm:fillClrLst meth="repeat">
+      <a:schemeClr val="lt1">
+        <a:alpha val="0"/>
+      </a:schemeClr>
+    </dgm:fillClrLst>
+    <dgm:linClrLst meth="repeat">
+      <a:schemeClr val="dk1">
+        <a:alpha val="0"/>
+      </a:schemeClr>
+    </dgm:linClrLst>
+    <dgm:effectClrLst/>
+    <dgm:txLinClrLst/>
+    <dgm:txFillClrLst meth="repeat">
+      <a:schemeClr val="tx1"/>
+    </dgm:txFillClrLst>
+    <dgm:txEffectClrLst/>
+  </dgm:styleLbl>
+</dgm:colorsDef>
+</file>
+
+<file path=ppt/diagrams/data1.xml><?xml version="1.0" encoding="utf-8"?>
+<dgm:dataModel xmlns:dgm="http://schemas.openxmlformats.org/drawingml/2006/diagram" xmlns:a="http://schemas.openxmlformats.org/drawingml/2006/main">
+  <dgm:ptLst>
+    <dgm:pt modelId="{7D603177-73E4-4481-86F1-595CE9671E72}" type="doc">
+      <dgm:prSet loTypeId="urn:microsoft.com/office/officeart/2005/8/layout/list1" loCatId="list" qsTypeId="urn:microsoft.com/office/officeart/2005/8/quickstyle/simple1" qsCatId="simple" csTypeId="urn:microsoft.com/office/officeart/2005/8/colors/accent1_2" csCatId="accent1" phldr="1"/>
+      <dgm:spPr/>
+      <dgm:t>
+        <a:bodyPr/>
+        <a:lstStyle/>
+        <a:p>
+          <a:endParaRPr lang="es-EC"/>
+        </a:p>
+      </dgm:t>
+    </dgm:pt>
+    <dgm:pt modelId="{C31F1FAD-CFAC-40E4-9D89-FCC709A1EA77}">
+      <dgm:prSet phldrT="[Texto]" custT="1"/>
+      <dgm:spPr>
+        <a:solidFill>
+          <a:srgbClr val="0070C0"/>
+        </a:solidFill>
+      </dgm:spPr>
+      <dgm:t>
+        <a:bodyPr/>
+        <a:lstStyle/>
+        <a:p>
+          <a:r>
+            <a:rPr lang="es-EC" sz="2400" dirty="0"/>
+            <a:t>Matriz de correlaciones</a:t>
+          </a:r>
+        </a:p>
+      </dgm:t>
+    </dgm:pt>
+    <dgm:pt modelId="{04C5FB65-F10B-464D-A470-E84BEF8DA4B0}" type="parTrans" cxnId="{1A9FE2EF-8D81-41E8-A035-59D742D0EA75}">
+      <dgm:prSet/>
+      <dgm:spPr/>
+      <dgm:t>
+        <a:bodyPr/>
+        <a:lstStyle/>
+        <a:p>
+          <a:endParaRPr lang="es-EC" sz="2400"/>
+        </a:p>
+      </dgm:t>
+    </dgm:pt>
+    <dgm:pt modelId="{C296E91C-8A4F-4120-979B-0CA88909392E}" type="sibTrans" cxnId="{1A9FE2EF-8D81-41E8-A035-59D742D0EA75}">
+      <dgm:prSet/>
+      <dgm:spPr/>
+      <dgm:t>
+        <a:bodyPr/>
+        <a:lstStyle/>
+        <a:p>
+          <a:endParaRPr lang="es-EC" sz="2400"/>
+        </a:p>
+      </dgm:t>
+    </dgm:pt>
+    <dgm:pt modelId="{D3D4E821-4BB3-41AD-B8AB-F76B6C0D4490}">
+      <dgm:prSet phldrT="[Texto]" custT="1"/>
+      <dgm:spPr>
+        <a:solidFill>
+          <a:srgbClr val="00B050"/>
+        </a:solidFill>
+      </dgm:spPr>
+      <dgm:t>
+        <a:bodyPr/>
+        <a:lstStyle/>
+        <a:p>
+          <a:r>
+            <a:rPr lang="es-EC" sz="2400" dirty="0"/>
+            <a:t>Pruebas estadísticas</a:t>
+          </a:r>
+        </a:p>
+      </dgm:t>
+    </dgm:pt>
+    <dgm:pt modelId="{CE0A593F-BB07-4142-A994-668C714BC09E}" type="parTrans" cxnId="{2AFC81EF-3349-47C6-8650-F69DA552A1C6}">
+      <dgm:prSet/>
+      <dgm:spPr/>
+      <dgm:t>
+        <a:bodyPr/>
+        <a:lstStyle/>
+        <a:p>
+          <a:endParaRPr lang="es-EC" sz="2400"/>
+        </a:p>
+      </dgm:t>
+    </dgm:pt>
+    <dgm:pt modelId="{43B25958-CEAF-4A01-B070-BC51D5329D73}" type="sibTrans" cxnId="{2AFC81EF-3349-47C6-8650-F69DA552A1C6}">
+      <dgm:prSet/>
+      <dgm:spPr/>
+      <dgm:t>
+        <a:bodyPr/>
+        <a:lstStyle/>
+        <a:p>
+          <a:endParaRPr lang="es-EC" sz="2400"/>
+        </a:p>
+      </dgm:t>
+    </dgm:pt>
+    <dgm:pt modelId="{A84E9603-4E88-4196-83C6-B9974004B253}" type="pres">
+      <dgm:prSet presAssocID="{7D603177-73E4-4481-86F1-595CE9671E72}" presName="linear" presStyleCnt="0">
+        <dgm:presLayoutVars>
+          <dgm:dir/>
+          <dgm:animLvl val="lvl"/>
+          <dgm:resizeHandles val="exact"/>
+        </dgm:presLayoutVars>
+      </dgm:prSet>
+      <dgm:spPr/>
+    </dgm:pt>
+    <dgm:pt modelId="{C22B5FFC-5876-41C7-8EF2-8BE2A8AC8844}" type="pres">
+      <dgm:prSet presAssocID="{C31F1FAD-CFAC-40E4-9D89-FCC709A1EA77}" presName="parentLin" presStyleCnt="0"/>
+      <dgm:spPr/>
+    </dgm:pt>
+    <dgm:pt modelId="{76DE77A1-E1A9-4E02-BBB4-3EC190E2799D}" type="pres">
+      <dgm:prSet presAssocID="{C31F1FAD-CFAC-40E4-9D89-FCC709A1EA77}" presName="parentLeftMargin" presStyleLbl="node1" presStyleIdx="0" presStyleCnt="2"/>
+      <dgm:spPr/>
+    </dgm:pt>
+    <dgm:pt modelId="{F18E2A9B-C0A6-4F09-8FB1-6F39D82942EC}" type="pres">
+      <dgm:prSet presAssocID="{C31F1FAD-CFAC-40E4-9D89-FCC709A1EA77}" presName="parentText" presStyleLbl="node1" presStyleIdx="0" presStyleCnt="2" custScaleX="122809">
+        <dgm:presLayoutVars>
+          <dgm:chMax val="0"/>
+          <dgm:bulletEnabled val="1"/>
+        </dgm:presLayoutVars>
+      </dgm:prSet>
+      <dgm:spPr/>
+    </dgm:pt>
+    <dgm:pt modelId="{22C197C1-C801-4D05-95DB-9BFC643E6906}" type="pres">
+      <dgm:prSet presAssocID="{C31F1FAD-CFAC-40E4-9D89-FCC709A1EA77}" presName="negativeSpace" presStyleCnt="0"/>
+      <dgm:spPr/>
+    </dgm:pt>
+    <dgm:pt modelId="{54B995B8-7584-4911-BAD5-1555A78A2976}" type="pres">
+      <dgm:prSet presAssocID="{C31F1FAD-CFAC-40E4-9D89-FCC709A1EA77}" presName="childText" presStyleLbl="conFgAcc1" presStyleIdx="0" presStyleCnt="2">
+        <dgm:presLayoutVars>
+          <dgm:bulletEnabled val="1"/>
+        </dgm:presLayoutVars>
+      </dgm:prSet>
+      <dgm:spPr/>
+    </dgm:pt>
+    <dgm:pt modelId="{231F5788-FC26-42CE-AF78-C64B2780BBFB}" type="pres">
+      <dgm:prSet presAssocID="{C296E91C-8A4F-4120-979B-0CA88909392E}" presName="spaceBetweenRectangles" presStyleCnt="0"/>
+      <dgm:spPr/>
+    </dgm:pt>
+    <dgm:pt modelId="{DF868DA1-6624-4A66-98F7-B92EBC0F1CF1}" type="pres">
+      <dgm:prSet presAssocID="{D3D4E821-4BB3-41AD-B8AB-F76B6C0D4490}" presName="parentLin" presStyleCnt="0"/>
+      <dgm:spPr/>
+    </dgm:pt>
+    <dgm:pt modelId="{19F35101-AFFF-4ADF-A966-4012C4598445}" type="pres">
+      <dgm:prSet presAssocID="{D3D4E821-4BB3-41AD-B8AB-F76B6C0D4490}" presName="parentLeftMargin" presStyleLbl="node1" presStyleIdx="0" presStyleCnt="2"/>
+      <dgm:spPr/>
+    </dgm:pt>
+    <dgm:pt modelId="{D67D91D0-3729-4044-A57C-FB68650BD0CA}" type="pres">
+      <dgm:prSet presAssocID="{D3D4E821-4BB3-41AD-B8AB-F76B6C0D4490}" presName="parentText" presStyleLbl="node1" presStyleIdx="1" presStyleCnt="2" custScaleX="121640">
+        <dgm:presLayoutVars>
+          <dgm:chMax val="0"/>
+          <dgm:bulletEnabled val="1"/>
+        </dgm:presLayoutVars>
+      </dgm:prSet>
+      <dgm:spPr/>
+    </dgm:pt>
+    <dgm:pt modelId="{D4A4D268-3A9D-4DC9-ADCF-A879B96066FD}" type="pres">
+      <dgm:prSet presAssocID="{D3D4E821-4BB3-41AD-B8AB-F76B6C0D4490}" presName="negativeSpace" presStyleCnt="0"/>
+      <dgm:spPr/>
+    </dgm:pt>
+    <dgm:pt modelId="{F3901536-0002-4CD9-BF18-4686882C837A}" type="pres">
+      <dgm:prSet presAssocID="{D3D4E821-4BB3-41AD-B8AB-F76B6C0D4490}" presName="childText" presStyleLbl="conFgAcc1" presStyleIdx="1" presStyleCnt="2">
+        <dgm:presLayoutVars>
+          <dgm:bulletEnabled val="1"/>
+        </dgm:presLayoutVars>
+      </dgm:prSet>
+      <dgm:spPr/>
+    </dgm:pt>
+  </dgm:ptLst>
+  <dgm:cxnLst>
+    <dgm:cxn modelId="{CFFBC107-60A7-41A5-A6A2-E44A4F8C4473}" type="presOf" srcId="{D3D4E821-4BB3-41AD-B8AB-F76B6C0D4490}" destId="{D67D91D0-3729-4044-A57C-FB68650BD0CA}" srcOrd="1" destOrd="0" presId="urn:microsoft.com/office/officeart/2005/8/layout/list1"/>
+    <dgm:cxn modelId="{842DDC41-0AAA-4EB5-BBD9-DF0463665CB3}" type="presOf" srcId="{D3D4E821-4BB3-41AD-B8AB-F76B6C0D4490}" destId="{19F35101-AFFF-4ADF-A966-4012C4598445}" srcOrd="0" destOrd="0" presId="urn:microsoft.com/office/officeart/2005/8/layout/list1"/>
+    <dgm:cxn modelId="{DA22664C-53B8-40BC-9DC2-AF6A6AFA8B34}" type="presOf" srcId="{C31F1FAD-CFAC-40E4-9D89-FCC709A1EA77}" destId="{76DE77A1-E1A9-4E02-BBB4-3EC190E2799D}" srcOrd="0" destOrd="0" presId="urn:microsoft.com/office/officeart/2005/8/layout/list1"/>
+    <dgm:cxn modelId="{91D9F89E-F236-4158-BB92-76F1E28323B7}" type="presOf" srcId="{7D603177-73E4-4481-86F1-595CE9671E72}" destId="{A84E9603-4E88-4196-83C6-B9974004B253}" srcOrd="0" destOrd="0" presId="urn:microsoft.com/office/officeart/2005/8/layout/list1"/>
+    <dgm:cxn modelId="{2AFC81EF-3349-47C6-8650-F69DA552A1C6}" srcId="{7D603177-73E4-4481-86F1-595CE9671E72}" destId="{D3D4E821-4BB3-41AD-B8AB-F76B6C0D4490}" srcOrd="1" destOrd="0" parTransId="{CE0A593F-BB07-4142-A994-668C714BC09E}" sibTransId="{43B25958-CEAF-4A01-B070-BC51D5329D73}"/>
+    <dgm:cxn modelId="{1A9FE2EF-8D81-41E8-A035-59D742D0EA75}" srcId="{7D603177-73E4-4481-86F1-595CE9671E72}" destId="{C31F1FAD-CFAC-40E4-9D89-FCC709A1EA77}" srcOrd="0" destOrd="0" parTransId="{04C5FB65-F10B-464D-A470-E84BEF8DA4B0}" sibTransId="{C296E91C-8A4F-4120-979B-0CA88909392E}"/>
+    <dgm:cxn modelId="{BC2BE7F2-D08A-4C06-9E51-3D06BE67582A}" type="presOf" srcId="{C31F1FAD-CFAC-40E4-9D89-FCC709A1EA77}" destId="{F18E2A9B-C0A6-4F09-8FB1-6F39D82942EC}" srcOrd="1" destOrd="0" presId="urn:microsoft.com/office/officeart/2005/8/layout/list1"/>
+    <dgm:cxn modelId="{F55B20A0-6EC8-418F-A734-F73F73029C6F}" type="presParOf" srcId="{A84E9603-4E88-4196-83C6-B9974004B253}" destId="{C22B5FFC-5876-41C7-8EF2-8BE2A8AC8844}" srcOrd="0" destOrd="0" presId="urn:microsoft.com/office/officeart/2005/8/layout/list1"/>
+    <dgm:cxn modelId="{D0B86B10-38EC-4966-934C-FDB89F19F6B2}" type="presParOf" srcId="{C22B5FFC-5876-41C7-8EF2-8BE2A8AC8844}" destId="{76DE77A1-E1A9-4E02-BBB4-3EC190E2799D}" srcOrd="0" destOrd="0" presId="urn:microsoft.com/office/officeart/2005/8/layout/list1"/>
+    <dgm:cxn modelId="{A00FBD53-0A59-4E43-AAE0-1653BC4B6299}" type="presParOf" srcId="{C22B5FFC-5876-41C7-8EF2-8BE2A8AC8844}" destId="{F18E2A9B-C0A6-4F09-8FB1-6F39D82942EC}" srcOrd="1" destOrd="0" presId="urn:microsoft.com/office/officeart/2005/8/layout/list1"/>
+    <dgm:cxn modelId="{262B383D-CA33-4F1C-8497-D6367FAE110F}" type="presParOf" srcId="{A84E9603-4E88-4196-83C6-B9974004B253}" destId="{22C197C1-C801-4D05-95DB-9BFC643E6906}" srcOrd="1" destOrd="0" presId="urn:microsoft.com/office/officeart/2005/8/layout/list1"/>
+    <dgm:cxn modelId="{8BE759B1-9641-4EB8-AA51-D644549ED4A6}" type="presParOf" srcId="{A84E9603-4E88-4196-83C6-B9974004B253}" destId="{54B995B8-7584-4911-BAD5-1555A78A2976}" srcOrd="2" destOrd="0" presId="urn:microsoft.com/office/officeart/2005/8/layout/list1"/>
+    <dgm:cxn modelId="{7B0C24FF-2AB6-4903-A83A-B5EF298F15EC}" type="presParOf" srcId="{A84E9603-4E88-4196-83C6-B9974004B253}" destId="{231F5788-FC26-42CE-AF78-C64B2780BBFB}" srcOrd="3" destOrd="0" presId="urn:microsoft.com/office/officeart/2005/8/layout/list1"/>
+    <dgm:cxn modelId="{45CD540B-69E5-4D4C-8CB7-966BA078C717}" type="presParOf" srcId="{A84E9603-4E88-4196-83C6-B9974004B253}" destId="{DF868DA1-6624-4A66-98F7-B92EBC0F1CF1}" srcOrd="4" destOrd="0" presId="urn:microsoft.com/office/officeart/2005/8/layout/list1"/>
+    <dgm:cxn modelId="{5CDDE225-46B8-4C91-AC6F-FE9BD8073128}" type="presParOf" srcId="{DF868DA1-6624-4A66-98F7-B92EBC0F1CF1}" destId="{19F35101-AFFF-4ADF-A966-4012C4598445}" srcOrd="0" destOrd="0" presId="urn:microsoft.com/office/officeart/2005/8/layout/list1"/>
+    <dgm:cxn modelId="{A9AE37B4-BA58-404F-A713-A0E051DFECC2}" type="presParOf" srcId="{DF868DA1-6624-4A66-98F7-B92EBC0F1CF1}" destId="{D67D91D0-3729-4044-A57C-FB68650BD0CA}" srcOrd="1" destOrd="0" presId="urn:microsoft.com/office/officeart/2005/8/layout/list1"/>
+    <dgm:cxn modelId="{4DECBEE0-F53B-45A6-AAA7-EA8B7BA0628C}" type="presParOf" srcId="{A84E9603-4E88-4196-83C6-B9974004B253}" destId="{D4A4D268-3A9D-4DC9-ADCF-A879B96066FD}" srcOrd="5" destOrd="0" presId="urn:microsoft.com/office/officeart/2005/8/layout/list1"/>
+    <dgm:cxn modelId="{6F216F8A-0099-485E-987B-A4C8C8424FB8}" type="presParOf" srcId="{A84E9603-4E88-4196-83C6-B9974004B253}" destId="{F3901536-0002-4CD9-BF18-4686882C837A}" srcOrd="6" destOrd="0" presId="urn:microsoft.com/office/officeart/2005/8/layout/list1"/>
+  </dgm:cxnLst>
+  <dgm:bg/>
+  <dgm:whole/>
+  <dgm:extLst>
+    <a:ext uri="http://schemas.microsoft.com/office/drawing/2008/diagram">
+      <dsp:dataModelExt xmlns:dsp="http://schemas.microsoft.com/office/drawing/2008/diagram" relId="rId9" minVer="http://schemas.openxmlformats.org/drawingml/2006/diagram"/>
+    </a:ext>
+  </dgm:extLst>
+</dgm:dataModel>
+</file>
+
+<file path=ppt/diagrams/drawing1.xml><?xml version="1.0" encoding="utf-8"?>
+<dsp:drawing xmlns:dgm="http://schemas.openxmlformats.org/drawingml/2006/diagram" xmlns:dsp="http://schemas.microsoft.com/office/drawing/2008/diagram" xmlns:a="http://schemas.openxmlformats.org/drawingml/2006/main">
+  <dsp:spTree>
+    <dsp:nvGrpSpPr>
+      <dsp:cNvPr id="0" name=""/>
+      <dsp:cNvGrpSpPr/>
+    </dsp:nvGrpSpPr>
+    <dsp:grpSpPr/>
+    <dsp:sp modelId="{54B995B8-7584-4911-BAD5-1555A78A2976}">
+      <dsp:nvSpPr>
+        <dsp:cNvPr id="0" name=""/>
+        <dsp:cNvSpPr/>
+      </dsp:nvSpPr>
+      <dsp:spPr>
+        <a:xfrm>
+          <a:off x="0" y="468715"/>
+          <a:ext cx="4948813" cy="730800"/>
+        </a:xfrm>
+        <a:prstGeom prst="rect">
+          <a:avLst/>
+        </a:prstGeom>
+        <a:solidFill>
+          <a:schemeClr val="lt1">
+            <a:alpha val="90000"/>
+            <a:hueOff val="0"/>
+            <a:satOff val="0"/>
+            <a:lumOff val="0"/>
+            <a:alphaOff val="0"/>
+          </a:schemeClr>
+        </a:solidFill>
+        <a:ln w="12700" cap="flat" cmpd="sng" algn="ctr">
+          <a:solidFill>
+            <a:schemeClr val="accent1">
+              <a:hueOff val="0"/>
+              <a:satOff val="0"/>
+              <a:lumOff val="0"/>
+              <a:alphaOff val="0"/>
+            </a:schemeClr>
+          </a:solidFill>
+          <a:prstDash val="solid"/>
+          <a:miter lim="800000"/>
+        </a:ln>
+        <a:effectLst/>
+      </dsp:spPr>
+      <dsp:style>
+        <a:lnRef idx="2">
+          <a:scrgbClr r="0" g="0" b="0"/>
+        </a:lnRef>
+        <a:fillRef idx="1">
+          <a:scrgbClr r="0" g="0" b="0"/>
+        </a:fillRef>
+        <a:effectRef idx="0">
+          <a:scrgbClr r="0" g="0" b="0"/>
+        </a:effectRef>
+        <a:fontRef idx="minor"/>
+      </dsp:style>
+    </dsp:sp>
+    <dsp:sp modelId="{F18E2A9B-C0A6-4F09-8FB1-6F39D82942EC}">
+      <dsp:nvSpPr>
+        <dsp:cNvPr id="0" name=""/>
+        <dsp:cNvSpPr/>
+      </dsp:nvSpPr>
+      <dsp:spPr>
+        <a:xfrm>
+          <a:off x="247440" y="40675"/>
+          <a:ext cx="4254311" cy="856080"/>
+        </a:xfrm>
+        <a:prstGeom prst="roundRect">
+          <a:avLst/>
+        </a:prstGeom>
+        <a:solidFill>
+          <a:srgbClr val="0070C0"/>
+        </a:solidFill>
+        <a:ln w="12700" cap="flat" cmpd="sng" algn="ctr">
+          <a:solidFill>
+            <a:schemeClr val="lt1">
+              <a:hueOff val="0"/>
+              <a:satOff val="0"/>
+              <a:lumOff val="0"/>
+              <a:alphaOff val="0"/>
+            </a:schemeClr>
+          </a:solidFill>
+          <a:prstDash val="solid"/>
+          <a:miter lim="800000"/>
+        </a:ln>
+        <a:effectLst/>
+      </dsp:spPr>
+      <dsp:style>
+        <a:lnRef idx="2">
+          <a:scrgbClr r="0" g="0" b="0"/>
+        </a:lnRef>
+        <a:fillRef idx="1">
+          <a:scrgbClr r="0" g="0" b="0"/>
+        </a:fillRef>
+        <a:effectRef idx="0">
+          <a:scrgbClr r="0" g="0" b="0"/>
+        </a:effectRef>
+        <a:fontRef idx="minor">
+          <a:schemeClr val="lt1"/>
+        </a:fontRef>
+      </dsp:style>
+      <dsp:txBody>
+        <a:bodyPr spcFirstLastPara="0" vert="horz" wrap="square" lIns="130937" tIns="0" rIns="130937" bIns="0" numCol="1" spcCol="1270" anchor="ctr" anchorCtr="0">
+          <a:noAutofit/>
+        </a:bodyPr>
+        <a:lstStyle/>
+        <a:p>
+          <a:pPr marL="0" lvl="0" indent="0" algn="l" defTabSz="1066800">
+            <a:lnSpc>
+              <a:spcPct val="90000"/>
+            </a:lnSpc>
+            <a:spcBef>
+              <a:spcPct val="0"/>
+            </a:spcBef>
+            <a:spcAft>
+              <a:spcPct val="35000"/>
+            </a:spcAft>
+            <a:buNone/>
+          </a:pPr>
+          <a:r>
+            <a:rPr lang="es-EC" sz="2400" kern="1200" dirty="0"/>
+            <a:t>Matriz de correlaciones</a:t>
+          </a:r>
+        </a:p>
+      </dsp:txBody>
+      <dsp:txXfrm>
+        <a:off x="289230" y="82465"/>
+        <a:ext cx="4170731" cy="772500"/>
+      </dsp:txXfrm>
+    </dsp:sp>
+    <dsp:sp modelId="{F3901536-0002-4CD9-BF18-4686882C837A}">
+      <dsp:nvSpPr>
+        <dsp:cNvPr id="0" name=""/>
+        <dsp:cNvSpPr/>
+      </dsp:nvSpPr>
+      <dsp:spPr>
+        <a:xfrm>
+          <a:off x="0" y="1784155"/>
+          <a:ext cx="4948813" cy="730800"/>
+        </a:xfrm>
+        <a:prstGeom prst="rect">
+          <a:avLst/>
+        </a:prstGeom>
+        <a:solidFill>
+          <a:schemeClr val="lt1">
+            <a:alpha val="90000"/>
+            <a:hueOff val="0"/>
+            <a:satOff val="0"/>
+            <a:lumOff val="0"/>
+            <a:alphaOff val="0"/>
+          </a:schemeClr>
+        </a:solidFill>
+        <a:ln w="12700" cap="flat" cmpd="sng" algn="ctr">
+          <a:solidFill>
+            <a:schemeClr val="accent1">
+              <a:hueOff val="0"/>
+              <a:satOff val="0"/>
+              <a:lumOff val="0"/>
+              <a:alphaOff val="0"/>
+            </a:schemeClr>
+          </a:solidFill>
+          <a:prstDash val="solid"/>
+          <a:miter lim="800000"/>
+        </a:ln>
+        <a:effectLst/>
+      </dsp:spPr>
+      <dsp:style>
+        <a:lnRef idx="2">
+          <a:scrgbClr r="0" g="0" b="0"/>
+        </a:lnRef>
+        <a:fillRef idx="1">
+          <a:scrgbClr r="0" g="0" b="0"/>
+        </a:fillRef>
+        <a:effectRef idx="0">
+          <a:scrgbClr r="0" g="0" b="0"/>
+        </a:effectRef>
+        <a:fontRef idx="minor"/>
+      </dsp:style>
+    </dsp:sp>
+    <dsp:sp modelId="{D67D91D0-3729-4044-A57C-FB68650BD0CA}">
+      <dsp:nvSpPr>
+        <dsp:cNvPr id="0" name=""/>
+        <dsp:cNvSpPr/>
+      </dsp:nvSpPr>
+      <dsp:spPr>
+        <a:xfrm>
+          <a:off x="247440" y="1356115"/>
+          <a:ext cx="4213815" cy="856080"/>
+        </a:xfrm>
+        <a:prstGeom prst="roundRect">
+          <a:avLst/>
+        </a:prstGeom>
+        <a:solidFill>
+          <a:srgbClr val="00B050"/>
+        </a:solidFill>
+        <a:ln w="12700" cap="flat" cmpd="sng" algn="ctr">
+          <a:solidFill>
+            <a:schemeClr val="lt1">
+              <a:hueOff val="0"/>
+              <a:satOff val="0"/>
+              <a:lumOff val="0"/>
+              <a:alphaOff val="0"/>
+            </a:schemeClr>
+          </a:solidFill>
+          <a:prstDash val="solid"/>
+          <a:miter lim="800000"/>
+        </a:ln>
+        <a:effectLst/>
+      </dsp:spPr>
+      <dsp:style>
+        <a:lnRef idx="2">
+          <a:scrgbClr r="0" g="0" b="0"/>
+        </a:lnRef>
+        <a:fillRef idx="1">
+          <a:scrgbClr r="0" g="0" b="0"/>
+        </a:fillRef>
+        <a:effectRef idx="0">
+          <a:scrgbClr r="0" g="0" b="0"/>
+        </a:effectRef>
+        <a:fontRef idx="minor">
+          <a:schemeClr val="lt1"/>
+        </a:fontRef>
+      </dsp:style>
+      <dsp:txBody>
+        <a:bodyPr spcFirstLastPara="0" vert="horz" wrap="square" lIns="130937" tIns="0" rIns="130937" bIns="0" numCol="1" spcCol="1270" anchor="ctr" anchorCtr="0">
+          <a:noAutofit/>
+        </a:bodyPr>
+        <a:lstStyle/>
+        <a:p>
+          <a:pPr marL="0" lvl="0" indent="0" algn="l" defTabSz="1066800">
+            <a:lnSpc>
+              <a:spcPct val="90000"/>
+            </a:lnSpc>
+            <a:spcBef>
+              <a:spcPct val="0"/>
+            </a:spcBef>
+            <a:spcAft>
+              <a:spcPct val="35000"/>
+            </a:spcAft>
+            <a:buNone/>
+          </a:pPr>
+          <a:r>
+            <a:rPr lang="es-EC" sz="2400" kern="1200" dirty="0"/>
+            <a:t>Pruebas estadísticas</a:t>
+          </a:r>
+        </a:p>
+      </dsp:txBody>
+      <dsp:txXfrm>
+        <a:off x="289230" y="1397905"/>
+        <a:ext cx="4130235" cy="772500"/>
+      </dsp:txXfrm>
+    </dsp:sp>
+  </dsp:spTree>
+</dsp:drawing>
+</file>
+
+<file path=ppt/diagrams/layout1.xml><?xml version="1.0" encoding="utf-8"?>
+<dgm:layoutDef xmlns:dgm="http://schemas.openxmlformats.org/drawingml/2006/diagram" xmlns:a="http://schemas.openxmlformats.org/drawingml/2006/main" uniqueId="urn:microsoft.com/office/officeart/2005/8/layout/list1">
+  <dgm:title val=""/>
+  <dgm:desc val=""/>
+  <dgm:catLst>
+    <dgm:cat type="list" pri="4000"/>
+  </dgm:catLst>
+  <dgm:sampData>
+    <dgm:dataModel>
+      <dgm:ptLst>
+        <dgm:pt modelId="0" type="doc"/>
+        <dgm:pt modelId="1">
+          <dgm:prSet phldr="1"/>
+        </dgm:pt>
+        <dgm:pt modelId="2">
+          <dgm:prSet phldr="1"/>
+        </dgm:pt>
+        <dgm:pt modelId="3">
+          <dgm:prSet phldr="1"/>
+        </dgm:pt>
+      </dgm:ptLst>
+      <dgm:cxnLst>
+        <dgm:cxn modelId="4" srcId="0" destId="1" srcOrd="0" destOrd="0"/>
+        <dgm:cxn modelId="5" srcId="0" destId="2" srcOrd="1" destOrd="0"/>
+        <dgm:cxn modelId="6" srcId="0" destId="3" srcOrd="2" destOrd="0"/>
+      </dgm:cxnLst>
+      <dgm:bg/>
+      <dgm:whole/>
+    </dgm:dataModel>
+  </dgm:sampData>
+  <dgm:styleData>
+    <dgm:dataModel>
+      <dgm:ptLst>
+        <dgm:pt modelId="0" type="doc"/>
+        <dgm:pt modelId="1"/>
+        <dgm:pt modelId="2"/>
+      </dgm:ptLst>
+      <dgm:cxnLst>
+        <dgm:cxn modelId="4" srcId="0" destId="1" srcOrd="0" destOrd="0"/>
+        <dgm:cxn modelId="5" srcId="0" destId="2" srcOrd="1" destOrd="0"/>
+      </dgm:cxnLst>
+      <dgm:bg/>
+      <dgm:whole/>
+    </dgm:dataModel>
+  </dgm:styleData>
+  <dgm:clrData>
+    <dgm:dataModel>
+      <dgm:ptLst>
+        <dgm:pt modelId="0" type="doc"/>
+        <dgm:pt modelId="1"/>
+        <dgm:pt modelId="2"/>
+        <dgm:pt modelId="3"/>
+        <dgm:pt modelId="4"/>
+      </dgm:ptLst>
+      <dgm:cxnLst>
+        <dgm:cxn modelId="5" srcId="0" destId="1" srcOrd="0" destOrd="0"/>
+        <dgm:cxn modelId="6" srcId="0" destId="2" srcOrd="1" destOrd="0"/>
+        <dgm:cxn modelId="7" srcId="0" destId="3" srcOrd="2" destOrd="0"/>
+        <dgm:cxn modelId="8" srcId="0" destId="4" srcOrd="3" destOrd="0"/>
+      </dgm:cxnLst>
+      <dgm:bg/>
+      <dgm:whole/>
+    </dgm:dataModel>
+  </dgm:clrData>
+  <dgm:layoutNode name="linear">
+    <dgm:varLst>
+      <dgm:dir/>
+      <dgm:animLvl val="lvl"/>
+      <dgm:resizeHandles val="exact"/>
+    </dgm:varLst>
+    <dgm:choose name="Name0">
+      <dgm:if name="Name1" func="var" arg="dir" op="equ" val="norm">
+        <dgm:alg type="lin">
+          <dgm:param type="linDir" val="fromT"/>
+          <dgm:param type="vertAlign" val="mid"/>
+          <dgm:param type="horzAlign" val="l"/>
+          <dgm:param type="nodeHorzAlign" val="l"/>
+        </dgm:alg>
+      </dgm:if>
+      <dgm:else name="Name2">
+        <dgm:alg type="lin">
+          <dgm:param type="linDir" val="fromT"/>
+          <dgm:param type="vertAlign" val="mid"/>
+          <dgm:param type="horzAlign" val="r"/>
+          <dgm:param type="nodeHorzAlign" val="r"/>
+        </dgm:alg>
+      </dgm:else>
+    </dgm:choose>
+    <dgm:shape xmlns:r="http://schemas.openxmlformats.org/officeDocument/2006/relationships" r:blip="">
+      <dgm:adjLst/>
+    </dgm:shape>
+    <dgm:presOf/>
+    <dgm:constrLst>
+      <dgm:constr type="w" for="ch" forName="parentLin" refType="w"/>
+      <dgm:constr type="h" for="ch" forName="parentLin" val="INF"/>
+      <dgm:constr type="w" for="des" forName="parentLeftMargin" refType="w" fact="0.05"/>
+      <dgm:constr type="w" for="des" forName="parentText" refType="w" fact="0.7"/>
+      <dgm:constr type="h" for="des" forName="parentText" refType="primFontSz" refFor="des" refForName="parentText" fact="0.82"/>
+      <dgm:constr type="h" for="ch" forName="negativeSpace" refType="primFontSz" refFor="des" refForName="parentText" fact="-0.41"/>
+      <dgm:constr type="h" for="ch" forName="negativeSpace" refType="h" refFor="des" refForName="parentText" op="lte" fact="-0.82"/>
+      <dgm:constr type="h" for="ch" forName="negativeSpace" refType="h" refFor="des" refForName="parentText" op="gte" fact="-0.82"/>
+      <dgm:constr type="w" for="ch" forName="childText" refType="w"/>
+      <dgm:constr type="h" for="ch" forName="childText" refType="primFontSz" refFor="des" refForName="parentText" fact="0.7"/>
+      <dgm:constr type="primFontSz" for="des" forName="parentText" val="65"/>
+      <dgm:constr type="primFontSz" for="ch" forName="childText" refType="primFontSz" refFor="des" refForName="parentText"/>
+      <dgm:constr type="tMarg" for="ch" forName="childText" refType="primFontSz" refFor="des" refForName="parentText" fact="1.64"/>
+      <dgm:constr type="tMarg" for="ch" forName="childText" refType="h" refFor="des" refForName="parentText" op="lte" fact="3.28"/>
+      <dgm:constr type="tMarg" for="ch" forName="childText" refType="h" refFor="des" refForName="parentText" op="gte" fact="3.28"/>
+      <dgm:constr type="lMarg" for="ch" forName="childText" refType="w" fact="0.22"/>
+      <dgm:constr type="rMarg" for="ch" forName="childText" refType="lMarg" refFor="ch" refForName="childText"/>
+      <dgm:constr type="lMarg" for="des" forName="parentText" refType="w" fact="0.075"/>
+      <dgm:constr type="rMarg" for="des" forName="parentText" refType="lMarg" refFor="des" refForName="parentText"/>
+      <dgm:constr type="h" for="ch" forName="spaceBetweenRectangles" refType="primFontSz" refFor="des" refForName="parentText" fact="0.15"/>
+    </dgm:constrLst>
+    <dgm:ruleLst>
+      <dgm:rule type="primFontSz" for="des" forName="parentText" val="5" fact="NaN" max="NaN"/>
+    </dgm:ruleLst>
+    <dgm:forEach name="Name3" axis="ch" ptType="node">
+      <dgm:layoutNode name="parentLin">
+        <dgm:choose name="Name4">
+          <dgm:if name="Name5" func="var" arg="dir" op="equ" val="norm">
+            <dgm:alg type="lin">
+              <dgm:param type="linDir" val="fromL"/>
+              <dgm:param type="horzAlign" val="l"/>
+              <dgm:param type="nodeHorzAlign" val="l"/>
+            </dgm:alg>
+          </dgm:if>
+          <dgm:else name="Name6">
+            <dgm:alg type="lin">
+              <dgm:param type="linDir" val="fromR"/>
+              <dgm:param type="horzAlign" val="r"/>
+              <dgm:param type="nodeHorzAlign" val="r"/>
+            </dgm:alg>
+          </dgm:else>
+        </dgm:choose>
+        <dgm:shape xmlns:r="http://schemas.openxmlformats.org/officeDocument/2006/relationships" r:blip="">
+          <dgm:adjLst/>
+        </dgm:shape>
+        <dgm:presOf/>
+        <dgm:constrLst/>
+        <dgm:ruleLst/>
+        <dgm:layoutNode name="parentLeftMargin">
+          <dgm:alg type="sp"/>
+          <dgm:shape xmlns:r="http://schemas.openxmlformats.org/officeDocument/2006/relationships" type="rect" r:blip="" hideGeom="1">
+            <dgm:adjLst/>
+          </dgm:shape>
+          <dgm:presOf axis="self"/>
+          <dgm:constrLst>
+            <dgm:constr type="h"/>
+          </dgm:constrLst>
+          <dgm:ruleLst/>
+        </dgm:layoutNode>
+        <dgm:layoutNode name="parentText" styleLbl="node1">
+          <dgm:varLst>
+            <dgm:chMax val="0"/>
+            <dgm:bulletEnabled val="1"/>
+          </dgm:varLst>
+          <dgm:choose name="Name7">
+            <dgm:if name="Name8" func="var" arg="dir" op="equ" val="norm">
+              <dgm:alg type="tx">
+                <dgm:param type="parTxLTRAlign" val="l"/>
+                <dgm:param type="parTxRTLAlign" val="l"/>
+              </dgm:alg>
+            </dgm:if>
+            <dgm:else name="Name9">
+              <dgm:alg type="tx">
+                <dgm:param type="parTxLTRAlign" val="r"/>
+                <dgm:param type="parTxRTLAlign" val="r"/>
+              </dgm:alg>
+            </dgm:else>
+          </dgm:choose>
+          <dgm:shape xmlns:r="http://schemas.openxmlformats.org/officeDocument/2006/relationships" type="roundRect" r:blip="">
+            <dgm:adjLst/>
+          </dgm:shape>
+          <dgm:presOf axis="self" ptType="node"/>
+          <dgm:constrLst>
+            <dgm:constr type="tMarg"/>
+            <dgm:constr type="bMarg"/>
+          </dgm:constrLst>
+          <dgm:ruleLst/>
+        </dgm:layoutNode>
+      </dgm:layoutNode>
+      <dgm:layoutNode name="negativeSpace">
+        <dgm:alg type="sp"/>
+        <dgm:shape xmlns:r="http://schemas.openxmlformats.org/officeDocument/2006/relationships" r:blip="">
+          <dgm:adjLst/>
+        </dgm:shape>
+        <dgm:presOf/>
+        <dgm:constrLst/>
+        <dgm:ruleLst/>
+      </dgm:layoutNode>
+      <dgm:layoutNode name="childText" styleLbl="conFgAcc1">
+        <dgm:varLst>
+          <dgm:bulletEnabled val="1"/>
+        </dgm:varLst>
+        <dgm:alg type="tx">
+          <dgm:param type="stBulletLvl" val="1"/>
+        </dgm:alg>
+        <dgm:shape xmlns:r="http://schemas.openxmlformats.org/officeDocument/2006/relationships" type="rect" r:blip="" zOrderOff="-2">
+          <dgm:adjLst/>
+        </dgm:shape>
+        <dgm:presOf axis="des" ptType="node"/>
+        <dgm:constrLst>
+          <dgm:constr type="secFontSz" refType="primFontSz"/>
+        </dgm:constrLst>
+        <dgm:ruleLst>
+          <dgm:rule type="h" val="INF" fact="NaN" max="NaN"/>
+        </dgm:ruleLst>
+      </dgm:layoutNode>
+      <dgm:forEach name="Name10" axis="followSib" ptType="sibTrans" cnt="1">
+        <dgm:layoutNode name="spaceBetweenRectangles">
+          <dgm:alg type="sp"/>
+          <dgm:shape xmlns:r="http://schemas.openxmlformats.org/officeDocument/2006/relationships" r:blip="">
+            <dgm:adjLst/>
+          </dgm:shape>
+          <dgm:presOf/>
+          <dgm:constrLst/>
+          <dgm:ruleLst/>
+        </dgm:layoutNode>
+      </dgm:forEach>
+    </dgm:forEach>
+  </dgm:layoutNode>
+</dgm:layoutDef>
+</file>
+
+<file path=ppt/diagrams/quickStyle1.xml><?xml version="1.0" encoding="utf-8"?>
+<dgm:styleDef xmlns:dgm="http://schemas.openxmlformats.org/drawingml/2006/diagram" xmlns:a="http://schemas.openxmlformats.org/drawingml/2006/main" uniqueId="urn:microsoft.com/office/officeart/2005/8/quickstyle/simple1">
+  <dgm:title val=""/>
+  <dgm:desc val=""/>
+  <dgm:catLst>
+    <dgm:cat type="simple" pri="10100"/>
+  </dgm:catLst>
+  <dgm:scene3d>
+    <a:camera prst="orthographicFront"/>
+    <a:lightRig rig="threePt" dir="t"/>
+  </dgm:scene3d>
+  <dgm:styleLbl name="node0">
+    <dgm:scene3d>
+      <a:camera prst="orthographicFront"/>
+      <a:lightRig rig="threePt" dir="t"/>
+    </dgm:scene3d>
+    <dgm:sp3d/>
+    <dgm:txPr/>
+    <dgm:style>
+      <a:lnRef idx="2">
+        <a:scrgbClr r="0" g="0" b="0"/>
+      </a:lnRef>
+      <a:fillRef idx="1">
+        <a:scrgbClr r="0" g="0" b="0"/>
+      </a:fillRef>
+      <a:effectRef idx="0">
+        <a:scrgbClr r="0" g="0" b="0"/>
+      </a:effectRef>
+      <a:fontRef idx="minor">
+        <a:schemeClr val="lt1"/>
+      </a:fontRef>
+    </dgm:style>
+  </dgm:styleLbl>
+  <dgm:styleLbl name="lnNode1">
+    <dgm:scene3d>
+      <a:camera prst="orthographicFront"/>
+      <a:lightRig rig="threePt" dir="t"/>
+    </dgm:scene3d>
+    <dgm:sp3d/>
+    <dgm:txPr/>
+    <dgm:style>
+      <a:lnRef idx="2">
+        <a:scrgbClr r="0" g="0" b="0"/>
+      </a:lnRef>
+      <a:fillRef idx="1">
+        <a:scrgbClr r="0" g="0" b="0"/>
+      </a:fillRef>
+      <a:effectRef idx="0">
+        <a:scrgbClr r="0" g="0" b="0"/>
+      </a:effectRef>
+      <a:fontRef idx="minor">
+        <a:schemeClr val="lt1"/>
+      </a:fontRef>
+    </dgm:style>
+  </dgm:styleLbl>
+  <dgm:styleLbl name="vennNode1">
+    <dgm:scene3d>
+      <a:camera prst="orthographicFront"/>
+      <a:lightRig rig="threePt" dir="t"/>
+    </dgm:scene3d>
+    <dgm:sp3d/>
+    <dgm:txPr/>
+    <dgm:style>
+      <a:lnRef idx="2">
+        <a:scrgbClr r="0" g="0" b="0"/>
+      </a:lnRef>
+      <a:fillRef idx="1">
+        <a:scrgbClr r="0" g="0" b="0"/>
+      </a:fillRef>
+      <a:effectRef idx="0">
+        <a:scrgbClr r="0" g="0" b="0"/>
+      </a:effectRef>
+      <a:fontRef idx="minor">
+        <a:schemeClr val="tx1"/>
+      </a:fontRef>
+    </dgm:style>
+  </dgm:styleLbl>
+  <dgm:styleLbl name="alignNode1">
+    <dgm:scene3d>
+      <a:camera prst="orthographicFront"/>
+      <a:lightRig rig="threePt" dir="t"/>
+    </dgm:scene3d>
+    <dgm:sp3d/>
+    <dgm:txPr/>
+    <dgm:style>
+      <a:lnRef idx="2">
+        <a:scrgbClr r="0" g="0" b="0"/>
+      </a:lnRef>
+      <a:fillRef idx="1">
+        <a:scrgbClr r="0" g="0" b="0"/>
+      </a:fillRef>
+      <a:effectRef idx="0">
+        <a:scrgbClr r="0" g="0" b="0"/>
+      </a:effectRef>
+      <a:fontRef idx="minor">
+        <a:schemeClr val="lt1"/>
+      </a:fontRef>
+    </dgm:style>
+  </dgm:styleLbl>
+  <dgm:styleLbl name="node1">
+    <dgm:scene3d>
+      <a:camera prst="orthographicFront"/>
+      <a:lightRig rig="threePt" dir="t"/>
+    </dgm:scene3d>
+    <dgm:sp3d/>
+    <dgm:txPr/>
+    <dgm:style>
+      <a:lnRef idx="2">
+        <a:scrgbClr r="0" g="0" b="0"/>
+      </a:lnRef>
+      <a:fillRef idx="1">
+        <a:scrgbClr r="0" g="0" b="0"/>
+      </a:fillRef>
+      <a:effectRef idx="0">
+        <a:scrgbClr r="0" g="0" b="0"/>
+      </a:effectRef>
+      <a:fontRef idx="minor">
+        <a:schemeClr val="lt1"/>
+      </a:fontRef>
+    </dgm:style>
+  </dgm:styleLbl>
+  <dgm:styleLbl name="node2">
+    <dgm:scene3d>
+      <a:camera prst="orthographicFront"/>
+      <a:lightRig rig="threePt" dir="t"/>
+    </dgm:scene3d>
+    <dgm:sp3d/>
+    <dgm:txPr/>
+    <dgm:style>
+      <a:lnRef idx="2">
+        <a:scrgbClr r="0" g="0" b="0"/>
+      </a:lnRef>
+      <a:fillRef idx="1">
+        <a:scrgbClr r="0" g="0" b="0"/>
+      </a:fillRef>
+      <a:effectRef idx="0">
+        <a:scrgbClr r="0" g="0" b="0"/>
+      </a:effectRef>
+      <a:fontRef idx="minor">
+        <a:schemeClr val="lt1"/>
+      </a:fontRef>
+    </dgm:style>
+  </dgm:styleLbl>
+  <dgm:styleLbl name="node3">
+    <dgm:scene3d>
+      <a:camera prst="orthographicFront"/>
+      <a:lightRig rig="threePt" dir="t"/>
+    </dgm:scene3d>
+    <dgm:sp3d/>
+    <dgm:txPr/>
+    <dgm:style>
+      <a:lnRef idx="2">
+        <a:scrgbClr r="0" g="0" b="0"/>
+      </a:lnRef>
+      <a:fillRef idx="1">
+        <a:scrgbClr r="0" g="0" b="0"/>
+      </a:fillRef>
+      <a:effectRef idx="0">
+        <a:scrgbClr r="0" g="0" b="0"/>
+      </a:effectRef>
+      <a:fontRef idx="minor">
+        <a:schemeClr val="lt1"/>
+      </a:fontRef>
+    </dgm:style>
+  </dgm:styleLbl>
+  <dgm:styleLbl name="node4">
+    <dgm:scene3d>
+      <a:camera prst="orthographicFront"/>
+      <a:lightRig rig="threePt" dir="t"/>
+    </dgm:scene3d>
+    <dgm:sp3d/>
+    <dgm:txPr/>
+    <dgm:style>
+      <a:lnRef idx="2">
+        <a:scrgbClr r="0" g="0" b="0"/>
+      </a:lnRef>
+      <a:fillRef idx="1">
+        <a:scrgbClr r="0" g="0" b="0"/>
+      </a:fillRef>
+      <a:effectRef idx="0">
+        <a:scrgbClr r="0" g="0" b="0"/>
+      </a:effectRef>
+      <a:fontRef idx="minor">
+        <a:schemeClr val="lt1"/>
+      </a:fontRef>
+    </dgm:style>
+  </dgm:styleLbl>
+  <dgm:styleLbl name="fgImgPlace1">
+    <dgm:scene3d>
+      <a:camera prst="orthographicFront"/>
+      <a:lightRig rig="threePt" dir="t"/>
+    </dgm:scene3d>
+    <dgm:sp3d/>
+    <dgm:txPr/>
+    <dgm:style>
+      <a:lnRef idx="2">
+        <a:scrgbClr r="0" g="0" b="0"/>
+      </a:lnRef>
+      <a:fillRef idx="1">
+        <a:scrgbClr r="0" g="0" b="0"/>
+      </a:fillRef>
+      <a:effectRef idx="0">
+        <a:scrgbClr r="0" g="0" b="0"/>
+      </a:effectRef>
+      <a:fontRef idx="minor"/>
+    </dgm:style>
+  </dgm:styleLbl>
+  <dgm:styleLbl name="alignImgPlace1">
+    <dgm:scene3d>
+      <a:camera prst="orthographicFront"/>
+      <a:lightRig rig="threePt" dir="t"/>
+    </dgm:scene3d>
+    <dgm:sp3d/>
+    <dgm:txPr/>
+    <dgm:style>
+      <a:lnRef idx="2">
+        <a:scrgbClr r="0" g="0" b="0"/>
+      </a:lnRef>
+      <a:fillRef idx="1">
+        <a:scrgbClr r="0" g="0" b="0"/>
+      </a:fillRef>
+      <a:effectRef idx="0">
+        <a:scrgbClr r="0" g="0" b="0"/>
+      </a:effectRef>
+      <a:fontRef idx="minor"/>
+    </dgm:style>
+  </dgm:styleLbl>
+  <dgm:styleLbl name="bgImgPlace1">
+    <dgm:scene3d>
+      <a:camera prst="orthographicFront"/>
+      <a:lightRig rig="threePt" dir="t"/>
+    </dgm:scene3d>
+    <dgm:sp3d/>
+    <dgm:txPr/>
+    <dgm:style>
+      <a:lnRef idx="2">
+        <a:scrgbClr r="0" g="0" b="0"/>
+      </a:lnRef>
+      <a:fillRef idx="1">
+        <a:scrgbClr r="0" g="0" b="0"/>
+      </a:fillRef>
+      <a:effectRef idx="0">
+        <a:scrgbClr r="0" g="0" b="0"/>
+      </a:effectRef>
+      <a:fontRef idx="minor"/>
+    </dgm:style>
+  </dgm:styleLbl>
+  <dgm:styleLbl name="sibTrans2D1">
+    <dgm:scene3d>
+      <a:camera prst="orthographicFront"/>
+      <a:lightRig rig="threePt" dir="t"/>
+    </dgm:scene3d>
+    <dgm:sp3d/>
+    <dgm:txPr/>
+    <dgm:style>
+      <a:lnRef idx="0">
+        <a:scrgbClr r="0" g="0" b="0"/>
+      </a:lnRef>
+      <a:fillRef idx="1">
+        <a:scrgbClr r="0" g="0" b="0"/>
+      </a:fillRef>
+      <a:effectRef idx="0">
+        <a:scrgbClr r="0" g="0" b="0"/>
+      </a:effectRef>
+      <a:fontRef idx="minor">
+        <a:schemeClr val="lt1"/>
+      </a:fontRef>
+    </dgm:style>
+  </dgm:styleLbl>
+  <dgm:styleLbl name="fgSibTrans2D1">
+    <dgm:scene3d>
+      <a:camera prst="orthographicFront"/>
+      <a:lightRig rig="threePt" dir="t"/>
+    </dgm:scene3d>
+    <dgm:sp3d/>
+    <dgm:txPr/>
+    <dgm:style>
+      <a:lnRef idx="0">
+        <a:scrgbClr r="0" g="0" b="0"/>
+      </a:lnRef>
+      <a:fillRef idx="1">
+        <a:scrgbClr r="0" g="0" b="0"/>
+      </a:fillRef>
+      <a:effectRef idx="0">
+        <a:scrgbClr r="0" g="0" b="0"/>
+      </a:effectRef>
+      <a:fontRef idx="minor">
+        <a:schemeClr val="lt1"/>
+      </a:fontRef>
+    </dgm:style>
+  </dgm:styleLbl>
+  <dgm:styleLbl name="bgSibTrans2D1">
+    <dgm:scene3d>
+      <a:camera prst="orthographicFront"/>
+      <a:lightRig rig="threePt" dir="t"/>
+    </dgm:scene3d>
+    <dgm:sp3d/>
+    <dgm:txPr/>
+    <dgm:style>
+      <a:lnRef idx="0">
+        <a:scrgbClr r="0" g="0" b="0"/>
+      </a:lnRef>
+      <a:fillRef idx="1">
+        <a:scrgbClr r="0" g="0" b="0"/>
+      </a:fillRef>
+      <a:effectRef idx="0">
+        <a:scrgbClr r="0" g="0" b="0"/>
+      </a:effectRef>
+      <a:fontRef idx="minor">
+        <a:schemeClr val="lt1"/>
+      </a:fontRef>
+    </dgm:style>
+  </dgm:styleLbl>
+  <dgm:styleLbl name="sibTrans1D1">
+    <dgm:scene3d>
+      <a:camera prst="orthographicFront"/>
+      <a:lightRig rig="threePt" dir="t"/>
+    </dgm:scene3d>
+    <dgm:sp3d/>
+    <dgm:txPr/>
+    <dgm:style>
+      <a:lnRef idx="1">
+        <a:scrgbClr r="0" g="0" b="0"/>
+      </a:lnRef>
+      <a:fillRef idx="0">
+        <a:scrgbClr r="0" g="0" b="0"/>
+      </a:fillRef>
+      <a:effectRef idx="0">
+        <a:scrgbClr r="0" g="0" b="0"/>
+      </a:effectRef>
+      <a:fontRef idx="minor"/>
+    </dgm:style>
+  </dgm:styleLbl>
+  <dgm:styleLbl name="callout">
+    <dgm:scene3d>
+      <a:camera prst="orthographicFront"/>
+      <a:lightRig rig="threePt" dir="t"/>
+    </dgm:scene3d>
+    <dgm:sp3d/>
+    <dgm:txPr/>
+    <dgm:style>
+      <a:lnRef idx="2">
+        <a:scrgbClr r="0" g="0" b="0"/>
+      </a:lnRef>
+      <a:fillRef idx="1">
+        <a:scrgbClr r="0" g="0" b="0"/>
+      </a:fillRef>
+      <a:effectRef idx="0">
+        <a:scrgbClr r="0" g="0" b="0"/>
+      </a:effectRef>
+      <a:fontRef idx="minor"/>
+    </dgm:style>
+  </dgm:styleLbl>
+  <dgm:styleLbl name="asst0">
+    <dgm:scene3d>
+      <a:camera prst="orthographicFront"/>
+      <a:lightRig rig="threePt" dir="t"/>
+    </dgm:scene3d>
+    <dgm:sp3d/>
+    <dgm:txPr/>
+    <dgm:style>
+      <a:lnRef idx="2">
+        <a:scrgbClr r="0" g="0" b="0"/>
+      </a:lnRef>
+      <a:fillRef idx="1">
+        <a:scrgbClr r="0" g="0" b="0"/>
+      </a:fillRef>
+      <a:effectRef idx="0">
+        <a:scrgbClr r="0" g="0" b="0"/>
+      </a:effectRef>
+      <a:fontRef idx="minor">
+        <a:schemeClr val="lt1"/>
+      </a:fontRef>
+    </dgm:style>
+  </dgm:styleLbl>
+  <dgm:styleLbl name="asst1">
+    <dgm:scene3d>
+      <a:camera prst="orthographicFront"/>
+      <a:lightRig rig="threePt" dir="t"/>
+    </dgm:scene3d>
+    <dgm:sp3d/>
+    <dgm:txPr/>
+    <dgm:style>
+      <a:lnRef idx="2">
+        <a:scrgbClr r="0" g="0" b="0"/>
+      </a:lnRef>
+      <a:fillRef idx="1">
+        <a:scrgbClr r="0" g="0" b="0"/>
+      </a:fillRef>
+      <a:effectRef idx="0">
+        <a:scrgbClr r="0" g="0" b="0"/>
+      </a:effectRef>
+      <a:fontRef idx="minor">
+        <a:schemeClr val="lt1"/>
+      </a:fontRef>
+    </dgm:style>
+  </dgm:styleLbl>
+  <dgm:styleLbl name="asst2">
+    <dgm:scene3d>
+      <a:camera prst="orthographicFront"/>
+      <a:lightRig rig="threePt" dir="t"/>
+    </dgm:scene3d>
+    <dgm:sp3d/>
+    <dgm:txPr/>
+    <dgm:style>
+      <a:lnRef idx="2">
+        <a:scrgbClr r="0" g="0" b="0"/>
+      </a:lnRef>
+      <a:fillRef idx="1">
+        <a:scrgbClr r="0" g="0" b="0"/>
+      </a:fillRef>
+      <a:effectRef idx="0">
+        <a:scrgbClr r="0" g="0" b="0"/>
+      </a:effectRef>
+      <a:fontRef idx="minor">
+        <a:schemeClr val="lt1"/>
+      </a:fontRef>
+    </dgm:style>
+  </dgm:styleLbl>
+  <dgm:styleLbl name="asst3">
+    <dgm:scene3d>
+      <a:camera prst="orthographicFront"/>
+      <a:lightRig rig="threePt" dir="t"/>
+    </dgm:scene3d>
+    <dgm:sp3d/>
+    <dgm:txPr/>
+    <dgm:style>
+      <a:lnRef idx="2">
+        <a:scrgbClr r="0" g="0" b="0"/>
+      </a:lnRef>
+      <a:fillRef idx="1">
+        <a:scrgbClr r="0" g="0" b="0"/>
+      </a:fillRef>
+      <a:effectRef idx="0">
+        <a:scrgbClr r="0" g="0" b="0"/>
+      </a:effectRef>
+      <a:fontRef idx="minor">
+        <a:schemeClr val="lt1"/>
+      </a:fontRef>
+    </dgm:style>
+  </dgm:styleLbl>
+  <dgm:styleLbl name="asst4">
+    <dgm:scene3d>
+      <a:camera prst="orthographicFront"/>
+      <a:lightRig rig="threePt" dir="t"/>
+    </dgm:scene3d>
+    <dgm:sp3d/>
+    <dgm:txPr/>
+    <dgm:style>
+      <a:lnRef idx="2">
+        <a:scrgbClr r="0" g="0" b="0"/>
+      </a:lnRef>
+      <a:fillRef idx="1">
+        <a:scrgbClr r="0" g="0" b="0"/>
+      </a:fillRef>
+      <a:effectRef idx="0">
+        <a:scrgbClr r="0" g="0" b="0"/>
+      </a:effectRef>
+      <a:fontRef idx="minor">
+        <a:schemeClr val="lt1"/>
+      </a:fontRef>
+    </dgm:style>
+  </dgm:styleLbl>
+  <dgm:styleLbl name="parChTrans2D1">
+    <dgm:scene3d>
+      <a:camera prst="orthographicFront"/>
+      <a:lightRig rig="threePt" dir="t"/>
+    </dgm:scene3d>
+    <dgm:sp3d/>
+    <dgm:txPr/>
+    <dgm:style>
+      <a:lnRef idx="2">
+        <a:scrgbClr r="0" g="0" b="0"/>
+      </a:lnRef>
+      <a:fillRef idx="1">
+        <a:scrgbClr r="0" g="0" b="0"/>
+      </a:fillRef>
+      <a:effectRef idx="0">
+        <a:scrgbClr r="0" g="0" b="0"/>
+      </a:effectRef>
+      <a:fontRef idx="minor">
+        <a:schemeClr val="lt1"/>
+      </a:fontRef>
+    </dgm:style>
+  </dgm:styleLbl>
+  <dgm:styleLbl name="parChTrans2D2">
+    <dgm:scene3d>
+      <a:camera prst="orthographicFront"/>
+      <a:lightRig rig="threePt" dir="t"/>
+    </dgm:scene3d>
+    <dgm:sp3d/>
+    <dgm:txPr/>
+    <dgm:style>
+      <a:lnRef idx="2">
+        <a:scrgbClr r="0" g="0" b="0"/>
+      </a:lnRef>
+      <a:fillRef idx="1">
+        <a:scrgbClr r="0" g="0" b="0"/>
+      </a:fillRef>
+      <a:effectRef idx="0">
+        <a:scrgbClr r="0" g="0" b="0"/>
+      </a:effectRef>
+      <a:fontRef idx="minor">
+        <a:schemeClr val="lt1"/>
+      </a:fontRef>
+    </dgm:style>
+  </dgm:styleLbl>
+  <dgm:styleLbl name="parChTrans2D3">
+    <dgm:scene3d>
+      <a:camera prst="orthographicFront"/>
+      <a:lightRig rig="threePt" dir="t"/>
+    </dgm:scene3d>
+    <dgm:sp3d/>
+    <dgm:txPr/>
+    <dgm:style>
+      <a:lnRef idx="2">
+        <a:scrgbClr r="0" g="0" b="0"/>
+      </a:lnRef>
+      <a:fillRef idx="1">
+        <a:scrgbClr r="0" g="0" b="0"/>
+      </a:fillRef>
+      <a:effectRef idx="0">
+        <a:scrgbClr r="0" g="0" b="0"/>
+      </a:effectRef>
+      <a:fontRef idx="minor">
+        <a:schemeClr val="lt1"/>
+      </a:fontRef>
+    </dgm:style>
+  </dgm:styleLbl>
+  <dgm:styleLbl name="parChTrans2D4">
+    <dgm:scene3d>
+      <a:camera prst="orthographicFront"/>
+      <a:lightRig rig="threePt" dir="t"/>
+    </dgm:scene3d>
+    <dgm:sp3d/>
+    <dgm:txPr/>
+    <dgm:style>
+      <a:lnRef idx="2">
+        <a:scrgbClr r="0" g="0" b="0"/>
+      </a:lnRef>
+      <a:fillRef idx="1">
+        <a:scrgbClr r="0" g="0" b="0"/>
+      </a:fillRef>
+      <a:effectRef idx="0">
+        <a:scrgbClr r="0" g="0" b="0"/>
+      </a:effectRef>
+      <a:fontRef idx="minor">
+        <a:schemeClr val="lt1"/>
+      </a:fontRef>
+    </dgm:style>
+  </dgm:styleLbl>
+  <dgm:styleLbl name="parChTrans1D1">
+    <dgm:scene3d>
+      <a:camera prst="orthographicFront"/>
+      <a:lightRig rig="threePt" dir="t"/>
+    </dgm:scene3d>
+    <dgm:sp3d/>
+    <dgm:txPr/>
+    <dgm:style>
+      <a:lnRef idx="2">
+        <a:scrgbClr r="0" g="0" b="0"/>
+      </a:lnRef>
+      <a:fillRef idx="0">
+        <a:scrgbClr r="0" g="0" b="0"/>
+      </a:fillRef>
+      <a:effectRef idx="0">
+        <a:scrgbClr r="0" g="0" b="0"/>
+      </a:effectRef>
+      <a:fontRef idx="minor"/>
+    </dgm:style>
+  </dgm:styleLbl>
+  <dgm:styleLbl name="parChTrans1D2">
+    <dgm:scene3d>
+      <a:camera prst="orthographicFront"/>
+      <a:lightRig rig="threePt" dir="t"/>
+    </dgm:scene3d>
+    <dgm:sp3d/>
+    <dgm:txPr/>
+    <dgm:style>
+      <a:lnRef idx="2">
+        <a:scrgbClr r="0" g="0" b="0"/>
+      </a:lnRef>
+      <a:fillRef idx="0">
+        <a:scrgbClr r="0" g="0" b="0"/>
+      </a:fillRef>
+      <a:effectRef idx="0">
+        <a:scrgbClr r="0" g="0" b="0"/>
+      </a:effectRef>
+      <a:fontRef idx="minor"/>
+    </dgm:style>
+  </dgm:styleLbl>
+  <dgm:styleLbl name="parChTrans1D3">
+    <dgm:scene3d>
+      <a:camera prst="orthographicFront"/>
+      <a:lightRig rig="threePt" dir="t"/>
+    </dgm:scene3d>
+    <dgm:sp3d/>
+    <dgm:txPr/>
+    <dgm:style>
+      <a:lnRef idx="2">
+        <a:scrgbClr r="0" g="0" b="0"/>
+      </a:lnRef>
+      <a:fillRef idx="0">
+        <a:scrgbClr r="0" g="0" b="0"/>
+      </a:fillRef>
+      <a:effectRef idx="0">
+        <a:scrgbClr r="0" g="0" b="0"/>
+      </a:effectRef>
+      <a:fontRef idx="minor"/>
+    </dgm:style>
+  </dgm:styleLbl>
+  <dgm:styleLbl name="parChTrans1D4">
+    <dgm:scene3d>
+      <a:camera prst="orthographicFront"/>
+      <a:lightRig rig="threePt" dir="t"/>
+    </dgm:scene3d>
+    <dgm:sp3d/>
+    <dgm:txPr/>
+    <dgm:style>
+      <a:lnRef idx="2">
+        <a:scrgbClr r="0" g="0" b="0"/>
+      </a:lnRef>
+      <a:fillRef idx="0">
+        <a:scrgbClr r="0" g="0" b="0"/>
+      </a:fillRef>
+      <a:effectRef idx="0">
+        <a:scrgbClr r="0" g="0" b="0"/>
+      </a:effectRef>
+      <a:fontRef idx="minor"/>
+    </dgm:style>
+  </dgm:styleLbl>
+  <dgm:styleLbl name="fgAcc1">
+    <dgm:scene3d>
+      <a:camera prst="orthographicFront"/>
+      <a:lightRig rig="threePt" dir="t"/>
+    </dgm:scene3d>
+    <dgm:sp3d/>
+    <dgm:txPr/>
+    <dgm:style>
+      <a:lnRef idx="2">
+        <a:scrgbClr r="0" g="0" b="0"/>
+      </a:lnRef>
+      <a:fillRef idx="1">
+        <a:scrgbClr r="0" g="0" b="0"/>
+      </a:fillRef>
+      <a:effectRef idx="0">
+        <a:scrgbClr r="0" g="0" b="0"/>
+      </a:effectRef>
+      <a:fontRef idx="minor"/>
+    </dgm:style>
+  </dgm:styleLbl>
+  <dgm:styleLbl name="conFgAcc1">
+    <dgm:scene3d>
+      <a:camera prst="orthographicFront"/>
+      <a:lightRig rig="threePt" dir="t"/>
+    </dgm:scene3d>
+    <dgm:sp3d/>
+    <dgm:txPr/>
+    <dgm:style>
+      <a:lnRef idx="2">
+        <a:scrgbClr r="0" g="0" b="0"/>
+      </a:lnRef>
+      <a:fillRef idx="1">
+        <a:scrgbClr r="0" g="0" b="0"/>
+      </a:fillRef>
+      <a:effectRef idx="0">
+        <a:scrgbClr r="0" g="0" b="0"/>
+      </a:effectRef>
+      <a:fontRef idx="minor"/>
+    </dgm:style>
+  </dgm:styleLbl>
+  <dgm:styleLbl name="alignAcc1">
+    <dgm:scene3d>
+      <a:camera prst="orthographicFront"/>
+      <a:lightRig rig="threePt" dir="t"/>
+    </dgm:scene3d>
+    <dgm:sp3d/>
+    <dgm:txPr/>
+    <dgm:style>
+      <a:lnRef idx="2">
+        <a:scrgbClr r="0" g="0" b="0"/>
+      </a:lnRef>
+      <a:fillRef idx="1">
+        <a:scrgbClr r="0" g="0" b="0"/>
+      </a:fillRef>
+      <a:effectRef idx="0">
+        <a:scrgbClr r="0" g="0" b="0"/>
+      </a:effectRef>
+      <a:fontRef idx="minor"/>
+    </dgm:style>
+  </dgm:styleLbl>
+  <dgm:styleLbl name="trAlignAcc1">
+    <dgm:scene3d>
+      <a:camera prst="orthographicFront"/>
+      <a:lightRig rig="threePt" dir="t"/>
+    </dgm:scene3d>
+    <dgm:sp3d/>
+    <dgm:txPr/>
+    <dgm:style>
+      <a:lnRef idx="1">
+        <a:scrgbClr r="0" g="0" b="0"/>
+      </a:lnRef>
+      <a:fillRef idx="1">
+        <a:scrgbClr r="0" g="0" b="0"/>
+      </a:fillRef>
+      <a:effectRef idx="0">
+        <a:scrgbClr r="0" g="0" b="0"/>
+      </a:effectRef>
+      <a:fontRef idx="minor"/>
+    </dgm:style>
+  </dgm:styleLbl>
+  <dgm:styleLbl name="bgAcc1">
+    <dgm:scene3d>
+      <a:camera prst="orthographicFront"/>
+      <a:lightRig rig="threePt" dir="t"/>
+    </dgm:scene3d>
+    <dgm:sp3d/>
+    <dgm:txPr/>
+    <dgm:style>
+      <a:lnRef idx="2">
+        <a:scrgbClr r="0" g="0" b="0"/>
+      </a:lnRef>
+      <a:fillRef idx="1">
+        <a:scrgbClr r="0" g="0" b="0"/>
+      </a:fillRef>
+      <a:effectRef idx="0">
+        <a:scrgbClr r="0" g="0" b="0"/>
+      </a:effectRef>
+      <a:fontRef idx="minor"/>
+    </dgm:style>
+  </dgm:styleLbl>
+  <dgm:styleLbl name="solidFgAcc1">
+    <dgm:scene3d>
+      <a:camera prst="orthographicFront"/>
+      <a:lightRig rig="threePt" dir="t"/>
+    </dgm:scene3d>
+    <dgm:sp3d/>
+    <dgm:txPr/>
+    <dgm:style>
+      <a:lnRef idx="2">
+        <a:scrgbClr r="0" g="0" b="0"/>
+      </a:lnRef>
+      <a:fillRef idx="1">
+        <a:scrgbClr r="0" g="0" b="0"/>
+      </a:fillRef>
+      <a:effectRef idx="0">
+        <a:scrgbClr r="0" g="0" b="0"/>
+      </a:effectRef>
+      <a:fontRef idx="minor"/>
+    </dgm:style>
+  </dgm:styleLbl>
+  <dgm:styleLbl name="solidAlignAcc1">
+    <dgm:scene3d>
+      <a:camera prst="orthographicFront"/>
+      <a:lightRig rig="threePt" dir="t"/>
+    </dgm:scene3d>
+    <dgm:sp3d/>
+    <dgm:txPr/>
+    <dgm:style>
+      <a:lnRef idx="2">
+        <a:scrgbClr r="0" g="0" b="0"/>
+      </a:lnRef>
+      <a:fillRef idx="1">
+        <a:scrgbClr r="0" g="0" b="0"/>
+      </a:fillRef>
+      <a:effectRef idx="0">
+        <a:scrgbClr r="0" g="0" b="0"/>
+      </a:effectRef>
+      <a:fontRef idx="minor"/>
+    </dgm:style>
+  </dgm:styleLbl>
+  <dgm:styleLbl name="solidBgAcc1">
+    <dgm:scene3d>
+      <a:camera prst="orthographicFront"/>
+      <a:lightRig rig="threePt" dir="t"/>
+    </dgm:scene3d>
+    <dgm:sp3d/>
+    <dgm:txPr/>
+    <dgm:style>
+      <a:lnRef idx="2">
+        <a:scrgbClr r="0" g="0" b="0"/>
+      </a:lnRef>
+      <a:fillRef idx="1">
+        <a:scrgbClr r="0" g="0" b="0"/>
+      </a:fillRef>
+      <a:effectRef idx="0">
+        <a:scrgbClr r="0" g="0" b="0"/>
+      </a:effectRef>
+      <a:fontRef idx="minor"/>
+    </dgm:style>
+  </dgm:styleLbl>
+  <dgm:styleLbl name="fgAccFollowNode1">
+    <dgm:scene3d>
+      <a:camera prst="orthographicFront"/>
+      <a:lightRig rig="threePt" dir="t"/>
+    </dgm:scene3d>
+    <dgm:sp3d/>
+    <dgm:txPr/>
+    <dgm:style>
+      <a:lnRef idx="2">
+        <a:scrgbClr r="0" g="0" b="0"/>
+      </a:lnRef>
+      <a:fillRef idx="1">
+        <a:scrgbClr r="0" g="0" b="0"/>
+      </a:fillRef>
+      <a:effectRef idx="0">
+        <a:scrgbClr r="0" g="0" b="0"/>
+      </a:effectRef>
+      <a:fontRef idx="minor"/>
+    </dgm:style>
+  </dgm:styleLbl>
+  <dgm:styleLbl name="alignAccFollowNode1">
+    <dgm:scene3d>
+      <a:camera prst="orthographicFront"/>
+      <a:lightRig rig="threePt" dir="t"/>
+    </dgm:scene3d>
+    <dgm:sp3d/>
+    <dgm:txPr/>
+    <dgm:style>
+      <a:lnRef idx="2">
+        <a:scrgbClr r="0" g="0" b="0"/>
+      </a:lnRef>
+      <a:fillRef idx="1">
+        <a:scrgbClr r="0" g="0" b="0"/>
+      </a:fillRef>
+      <a:effectRef idx="0">
+        <a:scrgbClr r="0" g="0" b="0"/>
+      </a:effectRef>
+      <a:fontRef idx="minor"/>
+    </dgm:style>
+  </dgm:styleLbl>
+  <dgm:styleLbl name="bgAccFollowNode1">
+    <dgm:scene3d>
+      <a:camera prst="orthographicFront"/>
+      <a:lightRig rig="threePt" dir="t"/>
+    </dgm:scene3d>
+    <dgm:sp3d/>
+    <dgm:txPr/>
+    <dgm:style>
+      <a:lnRef idx="2">
+        <a:scrgbClr r="0" g="0" b="0"/>
+      </a:lnRef>
+      <a:fillRef idx="1">
+        <a:scrgbClr r="0" g="0" b="0"/>
+      </a:fillRef>
+      <a:effectRef idx="0">
+        <a:scrgbClr r="0" g="0" b="0"/>
+      </a:effectRef>
+      <a:fontRef idx="minor"/>
+    </dgm:style>
+  </dgm:styleLbl>
+  <dgm:styleLbl name="fgAcc0">
+    <dgm:scene3d>
+      <a:camera prst="orthographicFront"/>
+      <a:lightRig rig="threePt" dir="t"/>
+    </dgm:scene3d>
+    <dgm:sp3d/>
+    <dgm:txPr/>
+    <dgm:style>
+      <a:lnRef idx="2">
+        <a:scrgbClr r="0" g="0" b="0"/>
+      </a:lnRef>
+      <a:fillRef idx="1">
+        <a:scrgbClr r="0" g="0" b="0"/>
+      </a:fillRef>
+      <a:effectRef idx="0">
+        <a:scrgbClr r="0" g="0" b="0"/>
+      </a:effectRef>
+      <a:fontRef idx="minor"/>
+    </dgm:style>
+  </dgm:styleLbl>
+  <dgm:styleLbl name="fgAcc2">
+    <dgm:scene3d>
+      <a:camera prst="orthographicFront"/>
+      <a:lightRig rig="threePt" dir="t"/>
+    </dgm:scene3d>
+    <dgm:sp3d/>
+    <dgm:txPr/>
+    <dgm:style>
+      <a:lnRef idx="2">
+        <a:scrgbClr r="0" g="0" b="0"/>
+      </a:lnRef>
+      <a:fillRef idx="1">
+        <a:scrgbClr r="0" g="0" b="0"/>
+      </a:fillRef>
+      <a:effectRef idx="0">
+        <a:scrgbClr r="0" g="0" b="0"/>
+      </a:effectRef>
+      <a:fontRef idx="minor"/>
+    </dgm:style>
+  </dgm:styleLbl>
+  <dgm:styleLbl name="fgAcc3">
+    <dgm:scene3d>
+      <a:camera prst="orthographicFront"/>
+      <a:lightRig rig="threePt" dir="t"/>
+    </dgm:scene3d>
+    <dgm:sp3d/>
+    <dgm:txPr/>
+    <dgm:style>
+      <a:lnRef idx="2">
+        <a:scrgbClr r="0" g="0" b="0"/>
+      </a:lnRef>
+      <a:fillRef idx="1">
+        <a:scrgbClr r="0" g="0" b="0"/>
+      </a:fillRef>
+      <a:effectRef idx="0">
+        <a:scrgbClr r="0" g="0" b="0"/>
+      </a:effectRef>
+      <a:fontRef idx="minor"/>
+    </dgm:style>
+  </dgm:styleLbl>
+  <dgm:styleLbl name="fgAcc4">
+    <dgm:scene3d>
+      <a:camera prst="orthographicFront"/>
+      <a:lightRig rig="threePt" dir="t"/>
+    </dgm:scene3d>
+    <dgm:sp3d/>
+    <dgm:txPr/>
+    <dgm:style>
+      <a:lnRef idx="2">
+        <a:scrgbClr r="0" g="0" b="0"/>
+      </a:lnRef>
+      <a:fillRef idx="1">
+        <a:scrgbClr r="0" g="0" b="0"/>
+      </a:fillRef>
+      <a:effectRef idx="0">
+        <a:scrgbClr r="0" g="0" b="0"/>
+      </a:effectRef>
+      <a:fontRef idx="minor"/>
+    </dgm:style>
+  </dgm:styleLbl>
+  <dgm:styleLbl name="bgShp">
+    <dgm:scene3d>
+      <a:camera prst="orthographicFront"/>
+      <a:lightRig rig="threePt" dir="t"/>
+    </dgm:scene3d>
+    <dgm:sp3d/>
+    <dgm:txPr/>
+    <dgm:style>
+      <a:lnRef idx="0">
+        <a:scrgbClr r="0" g="0" b="0"/>
+      </a:lnRef>
+      <a:fillRef idx="1">
+        <a:scrgbClr r="0" g="0" b="0"/>
+      </a:fillRef>
+      <a:effectRef idx="0">
+        <a:scrgbClr r="0" g="0" b="0"/>
+      </a:effectRef>
+      <a:fontRef idx="minor"/>
+    </dgm:style>
+  </dgm:styleLbl>
+  <dgm:styleLbl name="dkBgShp">
+    <dgm:scene3d>
+      <a:camera prst="orthographicFront"/>
+      <a:lightRig rig="threePt" dir="t"/>
+    </dgm:scene3d>
+    <dgm:sp3d/>
+    <dgm:txPr/>
+    <dgm:style>
+      <a:lnRef idx="0">
+        <a:scrgbClr r="0" g="0" b="0"/>
+      </a:lnRef>
+      <a:fillRef idx="1">
+        <a:scrgbClr r="0" g="0" b="0"/>
+      </a:fillRef>
+      <a:effectRef idx="0">
+        <a:scrgbClr r="0" g="0" b="0"/>
+      </a:effectRef>
+      <a:fontRef idx="minor"/>
+    </dgm:style>
+  </dgm:styleLbl>
+  <dgm:styleLbl name="trBgShp">
+    <dgm:scene3d>
+      <a:camera prst="orthographicFront"/>
+      <a:lightRig rig="threePt" dir="t"/>
+    </dgm:scene3d>
+    <dgm:sp3d/>
+    <dgm:txPr/>
+    <dgm:style>
+      <a:lnRef idx="0">
+        <a:scrgbClr r="0" g="0" b="0"/>
+      </a:lnRef>
+      <a:fillRef idx="1">
+        <a:scrgbClr r="0" g="0" b="0"/>
+      </a:fillRef>
+      <a:effectRef idx="0">
+        <a:scrgbClr r="0" g="0" b="0"/>
+      </a:effectRef>
+      <a:fontRef idx="minor"/>
+    </dgm:style>
+  </dgm:styleLbl>
+  <dgm:styleLbl name="fgShp">
+    <dgm:scene3d>
+      <a:camera prst="orthographicFront"/>
+      <a:lightRig rig="threePt" dir="t"/>
+    </dgm:scene3d>
+    <dgm:sp3d/>
+    <dgm:txPr/>
+    <dgm:style>
+      <a:lnRef idx="2">
+        <a:scrgbClr r="0" g="0" b="0"/>
+      </a:lnRef>
+      <a:fillRef idx="1">
+        <a:scrgbClr r="0" g="0" b="0"/>
+      </a:fillRef>
+      <a:effectRef idx="0">
+        <a:scrgbClr r="0" g="0" b="0"/>
+      </a:effectRef>
+      <a:fontRef idx="minor"/>
+    </dgm:style>
+  </dgm:styleLbl>
+  <dgm:styleLbl name="revTx">
+    <dgm:scene3d>
+      <a:camera prst="orthographicFront"/>
+      <a:lightRig rig="threePt" dir="t"/>
+    </dgm:scene3d>
+    <dgm:sp3d/>
+    <dgm:txPr/>
+    <dgm:style>
+      <a:lnRef idx="0">
+        <a:scrgbClr r="0" g="0" b="0"/>
+      </a:lnRef>
+      <a:fillRef idx="0">
+        <a:scrgbClr r="0" g="0" b="0"/>
+      </a:fillRef>
+      <a:effectRef idx="0">
+        <a:scrgbClr r="0" g="0" b="0"/>
+      </a:effectRef>
+      <a:fontRef idx="minor"/>
+    </dgm:style>
+  </dgm:styleLbl>
+</dgm:styleDef>
 </file>
 
 <file path=ppt/slideLayouts/slideLayout1.xml><?xml version="1.0" encoding="utf-8"?>
@@ -3806,8 +6269,8 @@
         </p:nvSpPr>
         <p:spPr>
           <a:xfrm>
-            <a:off x="838200" y="751262"/>
-            <a:ext cx="5562600" cy="2479554"/>
+            <a:off x="812073" y="728910"/>
+            <a:ext cx="6124304" cy="2479554"/>
           </a:xfrm>
         </p:spPr>
         <p:txBody>
@@ -3817,17 +6280,16 @@
           <a:lstStyle/>
           <a:p>
             <a:r>
-              <a:rPr lang="es-EC" sz="4000" dirty="0"/>
+              <a:rPr lang="es-EC" sz="4800" dirty="0"/>
               <a:t>CURSO DE R – UCE</a:t>
             </a:r>
             <a:br>
               <a:rPr lang="es-EC" dirty="0"/>
             </a:br>
             <a:r>
-              <a:rPr lang="es-EC" sz="2800" dirty="0"/>
+              <a:rPr lang="es-EC" dirty="0"/>
               <a:t>Regresión lineal</a:t>
             </a:r>
-            <a:endParaRPr lang="es-EC" dirty="0"/>
           </a:p>
         </p:txBody>
       </p:sp>
@@ -3850,12 +6312,12 @@
         <p:spPr>
           <a:xfrm>
             <a:off x="838200" y="4074784"/>
-            <a:ext cx="5562599" cy="2054306"/>
+            <a:ext cx="5784669" cy="2054306"/>
           </a:xfrm>
         </p:spPr>
         <p:txBody>
           <a:bodyPr anchor="t">
-            <a:normAutofit/>
+            <a:normAutofit fontScale="85000" lnSpcReduction="20000"/>
           </a:bodyPr>
           <a:lstStyle/>
           <a:p>
@@ -3865,7 +6327,7 @@
               </a:lnSpc>
             </a:pPr>
             <a:r>
-              <a:rPr lang="es-EC" sz="1900" b="1" dirty="0">
+              <a:rPr lang="es-EC" sz="2800" b="1" dirty="0">
                 <a:solidFill>
                   <a:schemeClr val="tx2">
                     <a:alpha val="80000"/>
@@ -3882,7 +6344,7 @@
               </a:lnSpc>
             </a:pPr>
             <a:r>
-              <a:rPr lang="es-EC" sz="1900" dirty="0">
+              <a:rPr lang="es-EC" sz="2800" dirty="0">
                 <a:solidFill>
                   <a:schemeClr val="tx2">
                     <a:alpha val="80000"/>
@@ -3898,7 +6360,7 @@
                 <a:spcPct val="100000"/>
               </a:lnSpc>
             </a:pPr>
-            <a:endParaRPr lang="es-EC" sz="1900" dirty="0">
+            <a:endParaRPr lang="es-EC" sz="2400" dirty="0">
               <a:solidFill>
                 <a:schemeClr val="tx2">
                   <a:alpha val="80000"/>
@@ -3913,7 +6375,7 @@
               </a:lnSpc>
             </a:pPr>
             <a:r>
-              <a:rPr lang="es-EC" sz="1900" b="1" dirty="0">
+              <a:rPr lang="es-EC" sz="2400" b="1" dirty="0">
                 <a:solidFill>
                   <a:schemeClr val="tx2">
                     <a:alpha val="80000"/>
@@ -3930,14 +6392,14 @@
               </a:lnSpc>
             </a:pPr>
             <a:r>
-              <a:rPr lang="es-EC" sz="1900" dirty="0">
+              <a:rPr lang="es-EC" sz="2400" dirty="0">
                 <a:solidFill>
                   <a:schemeClr val="tx2">
                     <a:alpha val="80000"/>
                   </a:schemeClr>
                 </a:solidFill>
               </a:rPr>
-              <a:t>23-octubre-2020</a:t>
+              <a:t>04-noviembre-2020</a:t>
             </a:r>
           </a:p>
         </p:txBody>
@@ -3970,8 +6432,44 @@
         </p:blipFill>
         <p:spPr>
           <a:xfrm>
-            <a:off x="2783602" y="307851"/>
-            <a:ext cx="1677359" cy="1677359"/>
+            <a:off x="3175489" y="253164"/>
+            <a:ext cx="1379694" cy="1379694"/>
+          </a:xfrm>
+          <a:prstGeom prst="rect">
+            <a:avLst/>
+          </a:prstGeom>
+        </p:spPr>
+      </p:pic>
+      <p:pic>
+        <p:nvPicPr>
+          <p:cNvPr id="6" name="Imagen 5" descr="Imagen que contiene computadora, señal&#10;&#10;Descripción generada automáticamente">
+            <a:extLst>
+              <a:ext uri="{FF2B5EF4-FFF2-40B4-BE49-F238E27FC236}">
+                <a16:creationId xmlns:a16="http://schemas.microsoft.com/office/drawing/2014/main" id="{8E4EE6A9-CBCD-4E60-A804-D62BEC52074C}"/>
+              </a:ext>
+            </a:extLst>
+          </p:cNvPr>
+          <p:cNvPicPr>
+            <a:picLocks noChangeAspect="1"/>
+          </p:cNvPicPr>
+          <p:nvPr/>
+        </p:nvPicPr>
+        <p:blipFill>
+          <a:blip r:embed="rId4">
+            <a:extLst>
+              <a:ext uri="{28A0092B-C50C-407E-A947-70E740481C1C}">
+                <a14:useLocalDpi xmlns:a14="http://schemas.microsoft.com/office/drawing/2010/main" val="0"/>
+              </a:ext>
+            </a:extLst>
+          </a:blip>
+          <a:stretch>
+            <a:fillRect/>
+          </a:stretch>
+        </p:blipFill>
+        <p:spPr>
+          <a:xfrm>
+            <a:off x="7549899" y="1632858"/>
+            <a:ext cx="3750780" cy="4347572"/>
           </a:xfrm>
           <a:prstGeom prst="rect">
             <a:avLst/>
@@ -4107,8 +6605,8 @@
           </a:prstGeom>
         </p:spPr>
       </p:pic>
-      <mc:AlternateContent xmlns:mc="http://schemas.openxmlformats.org/markup-compatibility/2006">
-        <mc:Choice xmlns:a14="http://schemas.microsoft.com/office/drawing/2010/main" Requires="a14">
+      <mc:AlternateContent xmlns:mc="http://schemas.openxmlformats.org/markup-compatibility/2006" xmlns:a14="http://schemas.microsoft.com/office/drawing/2010/main">
+        <mc:Choice Requires="a14">
           <p:sp>
             <p:nvSpPr>
               <p:cNvPr id="4" name="Rectangle 1">
@@ -4419,7 +6917,7 @@
             </p:txBody>
           </p:sp>
         </mc:Choice>
-        <mc:Fallback>
+        <mc:Fallback xmlns="">
           <p:sp>
             <p:nvSpPr>
               <p:cNvPr id="4" name="Rectangle 1">
@@ -4496,8 +6994,8 @@
           </p:sp>
         </mc:Fallback>
       </mc:AlternateContent>
-      <mc:AlternateContent xmlns:mc="http://schemas.openxmlformats.org/markup-compatibility/2006">
-        <mc:Choice xmlns:a14="http://schemas.microsoft.com/office/drawing/2010/main" Requires="a14">
+      <mc:AlternateContent xmlns:mc="http://schemas.openxmlformats.org/markup-compatibility/2006" xmlns:a14="http://schemas.microsoft.com/office/drawing/2010/main">
+        <mc:Choice Requires="a14">
           <p:sp>
             <p:nvSpPr>
               <p:cNvPr id="6" name="CuadroTexto 5">
@@ -4843,7 +7341,7 @@
                         <a:solidFill>
                           <a:schemeClr val="bg1"/>
                         </a:solidFill>
-                        <a:latin typeface="Lato"/>
+                        <a:latin typeface="Cambria Math" panose="02040503050406030204" pitchFamily="18" charset="0"/>
                       </a:rPr>
                       <m:t>…+</m:t>
                     </m:r>
@@ -4982,7 +7480,7 @@
             </p:txBody>
           </p:sp>
         </mc:Choice>
-        <mc:Fallback>
+        <mc:Fallback xmlns="">
           <p:sp>
             <p:nvSpPr>
               <p:cNvPr id="6" name="CuadroTexto 5">
@@ -5044,7 +7542,7 @@
             <p:spPr>
               <a:xfrm>
                 <a:off x="1341504" y="3626346"/>
-                <a:ext cx="9508992" cy="3231654"/>
+                <a:ext cx="9508992" cy="3662541"/>
               </a:xfrm>
               <a:prstGeom prst="rect">
                 <a:avLst/>
@@ -5087,6 +7585,7 @@
                             <a:solidFill>
                               <a:schemeClr val="bg1"/>
                             </a:solidFill>
+                            <a:latin typeface="Cambria Math" panose="02040503050406030204" pitchFamily="18" charset="0"/>
                           </a:rPr>
                         </m:ctrlPr>
                       </m:sSubPr>
@@ -5142,6 +7641,7 @@
                             <a:solidFill>
                               <a:schemeClr val="bg1"/>
                             </a:solidFill>
+                            <a:latin typeface="Cambria Math" panose="02040503050406030204" pitchFamily="18" charset="0"/>
                             <a:ea typeface="Cambria Math" panose="02040503050406030204" pitchFamily="18" charset="0"/>
                           </a:rPr>
                         </m:ctrlPr>
@@ -5164,6 +7664,7 @@
                                 <a:solidFill>
                                   <a:schemeClr val="bg1"/>
                                 </a:solidFill>
+                                <a:latin typeface="Cambria Math" panose="02040503050406030204" pitchFamily="18" charset="0"/>
                                 <a:ea typeface="Cambria Math" panose="02040503050406030204" pitchFamily="18" charset="0"/>
                               </a:rPr>
                             </m:ctrlPr>
@@ -5208,6 +7709,68 @@
                   <a:buFont typeface="Arial" panose="020B0604020202020204" pitchFamily="34" charset="0"/>
                   <a:buChar char="•"/>
                 </a:pPr>
+                <a:r>
+                  <a:rPr lang="es-EC" sz="2800" dirty="0">
+                    <a:solidFill>
+                      <a:schemeClr val="bg1"/>
+                    </a:solidFill>
+                  </a:rPr>
+                  <a:t>E(</a:t>
+                </a:r>
+                <a14:m>
+                  <m:oMath xmlns:m="http://schemas.openxmlformats.org/officeDocument/2006/math">
+                    <m:sSub>
+                      <m:sSubPr>
+                        <m:ctrlPr>
+                          <a:rPr lang="es-EC" altLang="es-EC" sz="2800" i="1" smtClean="0">
+                            <a:solidFill>
+                              <a:schemeClr val="bg1"/>
+                            </a:solidFill>
+                            <a:latin typeface="Cambria Math" panose="02040503050406030204" pitchFamily="18" charset="0"/>
+                          </a:rPr>
+                        </m:ctrlPr>
+                      </m:sSubPr>
+                      <m:e>
+                        <m:r>
+                          <a:rPr lang="es-EC" altLang="es-EC" sz="2800" i="1" smtClean="0">
+                            <a:solidFill>
+                              <a:schemeClr val="bg1"/>
+                            </a:solidFill>
+                            <a:latin typeface="Cambria Math" panose="02040503050406030204" pitchFamily="18" charset="0"/>
+                            <a:ea typeface="Cambria Math" panose="02040503050406030204" pitchFamily="18" charset="0"/>
+                          </a:rPr>
+                          <m:t>𝜖</m:t>
+                        </m:r>
+                      </m:e>
+                      <m:sub>
+                        <m:r>
+                          <a:rPr lang="es-EC" altLang="es-EC" sz="2800" i="1" smtClean="0">
+                            <a:solidFill>
+                              <a:schemeClr val="bg1"/>
+                            </a:solidFill>
+                            <a:latin typeface="Cambria Math" panose="02040503050406030204" pitchFamily="18" charset="0"/>
+                            <a:ea typeface="Cambria Math" panose="02040503050406030204" pitchFamily="18" charset="0"/>
+                          </a:rPr>
+                          <m:t>𝑖</m:t>
+                        </m:r>
+                      </m:sub>
+                    </m:sSub>
+                  </m:oMath>
+                </a14:m>
+                <a:r>
+                  <a:rPr lang="es-EC" sz="2800" dirty="0">
+                    <a:solidFill>
+                      <a:schemeClr val="bg1"/>
+                    </a:solidFill>
+                  </a:rPr>
+                  <a:t>) = 0</a:t>
+                </a:r>
+              </a:p>
+              <a:p>
+                <a:pPr marL="285750" indent="-285750">
+                  <a:buFont typeface="Arial" panose="020B0604020202020204" pitchFamily="34" charset="0"/>
+                  <a:buChar char="•"/>
+                </a:pPr>
                 <a14:m>
                   <m:oMath xmlns:m="http://schemas.openxmlformats.org/officeDocument/2006/math">
                     <m:sSup>
@@ -5217,6 +7780,7 @@
                             <a:solidFill>
                               <a:schemeClr val="bg1"/>
                             </a:solidFill>
+                            <a:latin typeface="Cambria Math" panose="02040503050406030204" pitchFamily="18" charset="0"/>
                             <a:ea typeface="Cambria Math" panose="02040503050406030204" pitchFamily="18" charset="0"/>
                           </a:rPr>
                         </m:ctrlPr>
@@ -5287,6 +7851,7 @@
                             <a:solidFill>
                               <a:schemeClr val="bg1"/>
                             </a:solidFill>
+                            <a:latin typeface="Cambria Math" panose="02040503050406030204" pitchFamily="18" charset="0"/>
                           </a:rPr>
                         </m:ctrlPr>
                       </m:sSubPr>
@@ -5353,23 +7918,7 @@
                       <a:schemeClr val="bg1"/>
                     </a:solidFill>
                   </a:rPr>
-                  <a:t>No debe existir </a:t>
-                </a:r>
-                <a:r>
-                  <a:rPr lang="es-EC" sz="2800" dirty="0" err="1">
-                    <a:solidFill>
-                      <a:schemeClr val="bg1"/>
-                    </a:solidFill>
-                  </a:rPr>
-                  <a:t>multicolinearidad</a:t>
-                </a:r>
-                <a:r>
-                  <a:rPr lang="es-EC" sz="2800" dirty="0">
-                    <a:solidFill>
-                      <a:schemeClr val="bg1"/>
-                    </a:solidFill>
-                  </a:rPr>
-                  <a:t>.</a:t>
+                  <a:t>No debe existir multicolinealidad.</a:t>
                 </a:r>
               </a:p>
               <a:p>
@@ -5399,7 +7948,7 @@
             <p:spPr>
               <a:xfrm>
                 <a:off x="1341504" y="3626346"/>
-                <a:ext cx="9508992" cy="3231654"/>
+                <a:ext cx="9508992" cy="3662541"/>
               </a:xfrm>
               <a:prstGeom prst="rect">
                 <a:avLst/>
@@ -5407,7 +7956,7 @@
               <a:blipFill>
                 <a:blip r:embed="rId5"/>
                 <a:stretch>
-                  <a:fillRect l="-1282" t="-1887"/>
+                  <a:fillRect l="-1282" t="-1664"/>
                 </a:stretch>
               </a:blipFill>
             </p:spPr>
@@ -5430,6 +7979,3526 @@
     <p:extLst>
       <p:ext uri="{BB962C8B-B14F-4D97-AF65-F5344CB8AC3E}">
         <p14:creationId xmlns:p14="http://schemas.microsoft.com/office/powerpoint/2010/main" val="3308915762"/>
+      </p:ext>
+    </p:extLst>
+  </p:cSld>
+  <p:clrMapOvr>
+    <a:masterClrMapping/>
+  </p:clrMapOvr>
+</p:sld>
+</file>
+
+<file path=ppt/slides/slide3.xml><?xml version="1.0" encoding="utf-8"?>
+<p:sld xmlns:a="http://schemas.openxmlformats.org/drawingml/2006/main" xmlns:r="http://schemas.openxmlformats.org/officeDocument/2006/relationships" xmlns:p="http://schemas.openxmlformats.org/presentationml/2006/main">
+  <p:cSld>
+    <p:bg>
+      <p:bgPr>
+        <a:solidFill>
+          <a:schemeClr val="bg1"/>
+        </a:solidFill>
+        <a:effectLst/>
+      </p:bgPr>
+    </p:bg>
+    <p:spTree>
+      <p:nvGrpSpPr>
+        <p:cNvPr id="1" name=""/>
+        <p:cNvGrpSpPr/>
+        <p:nvPr/>
+      </p:nvGrpSpPr>
+      <p:grpSpPr>
+        <a:xfrm>
+          <a:off x="0" y="0"/>
+          <a:ext cx="0" cy="0"/>
+          <a:chOff x="0" y="0"/>
+          <a:chExt cx="0" cy="0"/>
+        </a:xfrm>
+      </p:grpSpPr>
+      <p:sp>
+        <p:nvSpPr>
+          <p:cNvPr id="12" name="Rectangle 11">
+            <a:extLst>
+              <a:ext uri="{FF2B5EF4-FFF2-40B4-BE49-F238E27FC236}">
+                <a16:creationId xmlns:a16="http://schemas.microsoft.com/office/drawing/2014/main" id="{0BABF38A-8A0D-492E-BD20-6CF4D46B50BD}"/>
+              </a:ext>
+              <a:ext uri="{C183D7F6-B498-43B3-948B-1728B52AA6E4}">
+                <adec:decorative xmlns:adec="http://schemas.microsoft.com/office/drawing/2017/decorative" val="1"/>
+              </a:ext>
+            </a:extLst>
+          </p:cNvPr>
+          <p:cNvSpPr>
+            <a:spLocks noGrp="1" noRot="1" noChangeAspect="1" noMove="1" noResize="1" noEditPoints="1" noAdjustHandles="1" noChangeArrowheads="1" noChangeShapeType="1" noTextEdit="1"/>
+          </p:cNvSpPr>
+          <p:nvPr>
+            <p:extLst>
+              <p:ext uri="{386F3935-93C4-4BCD-93E2-E3B085C9AB24}">
+                <p16:designElem xmlns:p16="http://schemas.microsoft.com/office/powerpoint/2015/main" val="1"/>
+              </p:ext>
+            </p:extLst>
+          </p:nvPr>
+        </p:nvSpPr>
+        <p:spPr>
+          <a:xfrm>
+            <a:off x="0" y="1"/>
+            <a:ext cx="12192000" cy="6858004"/>
+          </a:xfrm>
+          <a:prstGeom prst="rect">
+            <a:avLst/>
+          </a:prstGeom>
+          <a:solidFill>
+            <a:schemeClr val="tx2">
+              <a:lumMod val="90000"/>
+              <a:lumOff val="10000"/>
+            </a:schemeClr>
+          </a:solidFill>
+          <a:ln>
+            <a:noFill/>
+          </a:ln>
+        </p:spPr>
+        <p:style>
+          <a:lnRef idx="2">
+            <a:schemeClr val="accent1">
+              <a:shade val="50000"/>
+            </a:schemeClr>
+          </a:lnRef>
+          <a:fillRef idx="1">
+            <a:schemeClr val="accent1"/>
+          </a:fillRef>
+          <a:effectRef idx="0">
+            <a:schemeClr val="accent1"/>
+          </a:effectRef>
+          <a:fontRef idx="minor">
+            <a:schemeClr val="lt1"/>
+          </a:fontRef>
+        </p:style>
+        <p:txBody>
+          <a:bodyPr rtlCol="0" anchor="ctr"/>
+          <a:lstStyle/>
+          <a:p>
+            <a:pPr algn="ctr"/>
+            <a:endParaRPr lang="en-US" dirty="0">
+              <a:solidFill>
+                <a:schemeClr val="tx1">
+                  <a:lumMod val="65000"/>
+                  <a:lumOff val="35000"/>
+                </a:schemeClr>
+              </a:solidFill>
+              <a:latin typeface="AvenirNext LT Pro Medium" panose="020B0504020202020204" pitchFamily="34" charset="0"/>
+            </a:endParaRPr>
+          </a:p>
+        </p:txBody>
+      </p:sp>
+      <p:pic>
+        <p:nvPicPr>
+          <p:cNvPr id="14" name="Picture 13">
+            <a:extLst>
+              <a:ext uri="{FF2B5EF4-FFF2-40B4-BE49-F238E27FC236}">
+                <a16:creationId xmlns:a16="http://schemas.microsoft.com/office/drawing/2014/main" id="{1CB7E8AE-A3AC-4BB7-A5C6-F00EC697B265}"/>
+              </a:ext>
+              <a:ext uri="{C183D7F6-B498-43B3-948B-1728B52AA6E4}">
+                <adec:decorative xmlns:adec="http://schemas.microsoft.com/office/drawing/2017/decorative" val="1"/>
+              </a:ext>
+            </a:extLst>
+          </p:cNvPr>
+          <p:cNvPicPr>
+            <a:picLocks noGrp="1" noRot="1" noChangeAspect="1" noMove="1" noResize="1" noEditPoints="1" noAdjustHandles="1" noChangeArrowheads="1" noChangeShapeType="1" noCrop="1"/>
+          </p:cNvPicPr>
+          <p:nvPr>
+            <p:extLst>
+              <p:ext uri="{386F3935-93C4-4BCD-93E2-E3B085C9AB24}">
+                <p16:designElem xmlns:p16="http://schemas.microsoft.com/office/powerpoint/2015/main" val="1"/>
+              </p:ext>
+            </p:extLst>
+          </p:nvPr>
+        </p:nvPicPr>
+        <p:blipFill>
+          <a:blip r:embed="rId2">
+            <a:alphaModFix amt="35000"/>
+            <a:extLst>
+              <a:ext uri="{28A0092B-C50C-407E-A947-70E740481C1C}">
+                <a14:useLocalDpi xmlns:a14="http://schemas.microsoft.com/office/drawing/2010/main" val="0"/>
+              </a:ext>
+            </a:extLst>
+          </a:blip>
+          <a:stretch>
+            <a:fillRect/>
+          </a:stretch>
+        </p:blipFill>
+        <p:spPr>
+          <a:xfrm>
+            <a:off x="0" y="1"/>
+            <a:ext cx="12192000" cy="1392401"/>
+          </a:xfrm>
+          <a:prstGeom prst="rect">
+            <a:avLst/>
+          </a:prstGeom>
+        </p:spPr>
+      </p:pic>
+      <p:sp useBgFill="1">
+        <p:nvSpPr>
+          <p:cNvPr id="16" name="Rectangle 15">
+            <a:extLst>
+              <a:ext uri="{FF2B5EF4-FFF2-40B4-BE49-F238E27FC236}">
+                <a16:creationId xmlns:a16="http://schemas.microsoft.com/office/drawing/2014/main" id="{F1174801-1395-44C5-9B00-CCAC45C056E7}"/>
+              </a:ext>
+              <a:ext uri="{C183D7F6-B498-43B3-948B-1728B52AA6E4}">
+                <adec:decorative xmlns:adec="http://schemas.microsoft.com/office/drawing/2017/decorative" val="1"/>
+              </a:ext>
+            </a:extLst>
+          </p:cNvPr>
+          <p:cNvSpPr>
+            <a:spLocks noGrp="1" noRot="1" noChangeAspect="1" noMove="1" noResize="1" noEditPoints="1" noAdjustHandles="1" noChangeArrowheads="1" noChangeShapeType="1" noTextEdit="1"/>
+          </p:cNvSpPr>
+          <p:nvPr>
+            <p:extLst>
+              <p:ext uri="{386F3935-93C4-4BCD-93E2-E3B085C9AB24}">
+                <p16:designElem xmlns:p16="http://schemas.microsoft.com/office/powerpoint/2015/main" val="1"/>
+              </p:ext>
+            </p:extLst>
+          </p:nvPr>
+        </p:nvSpPr>
+        <p:spPr>
+          <a:xfrm>
+            <a:off x="0" y="0"/>
+            <a:ext cx="12188952" cy="6858000"/>
+          </a:xfrm>
+          <a:prstGeom prst="rect">
+            <a:avLst/>
+          </a:prstGeom>
+          <a:ln>
+            <a:noFill/>
+          </a:ln>
+        </p:spPr>
+        <p:style>
+          <a:lnRef idx="2">
+            <a:schemeClr val="accent1">
+              <a:shade val="50000"/>
+            </a:schemeClr>
+          </a:lnRef>
+          <a:fillRef idx="1">
+            <a:schemeClr val="accent1"/>
+          </a:fillRef>
+          <a:effectRef idx="0">
+            <a:schemeClr val="accent1"/>
+          </a:effectRef>
+          <a:fontRef idx="minor">
+            <a:schemeClr val="lt1"/>
+          </a:fontRef>
+        </p:style>
+        <p:txBody>
+          <a:bodyPr rtlCol="0" anchor="ctr"/>
+          <a:lstStyle/>
+          <a:p>
+            <a:pPr algn="ctr"/>
+            <a:endParaRPr lang="en-US" dirty="0">
+              <a:solidFill>
+                <a:schemeClr val="tx1">
+                  <a:lumMod val="65000"/>
+                  <a:lumOff val="35000"/>
+                </a:schemeClr>
+              </a:solidFill>
+              <a:latin typeface="AvenirNext LT Pro Medium" panose="020B0504020202020204" pitchFamily="34" charset="0"/>
+            </a:endParaRPr>
+          </a:p>
+        </p:txBody>
+      </p:sp>
+      <p:sp>
+        <p:nvSpPr>
+          <p:cNvPr id="18" name="Rectangle 17">
+            <a:extLst>
+              <a:ext uri="{FF2B5EF4-FFF2-40B4-BE49-F238E27FC236}">
+                <a16:creationId xmlns:a16="http://schemas.microsoft.com/office/drawing/2014/main" id="{8DBEE602-02D2-420A-AFC1-438A1699A5E5}"/>
+              </a:ext>
+              <a:ext uri="{C183D7F6-B498-43B3-948B-1728B52AA6E4}">
+                <adec:decorative xmlns:adec="http://schemas.microsoft.com/office/drawing/2017/decorative" val="1"/>
+              </a:ext>
+            </a:extLst>
+          </p:cNvPr>
+          <p:cNvSpPr>
+            <a:spLocks noGrp="1" noRot="1" noChangeAspect="1" noMove="1" noResize="1" noEditPoints="1" noAdjustHandles="1" noChangeArrowheads="1" noChangeShapeType="1" noTextEdit="1"/>
+          </p:cNvSpPr>
+          <p:nvPr>
+            <p:extLst>
+              <p:ext uri="{386F3935-93C4-4BCD-93E2-E3B085C9AB24}">
+                <p16:designElem xmlns:p16="http://schemas.microsoft.com/office/powerpoint/2015/main" val="1"/>
+              </p:ext>
+            </p:extLst>
+          </p:nvPr>
+        </p:nvSpPr>
+        <p:spPr>
+          <a:xfrm>
+            <a:off x="0" y="0"/>
+            <a:ext cx="12188952" cy="6858000"/>
+          </a:xfrm>
+          <a:prstGeom prst="rect">
+            <a:avLst/>
+          </a:prstGeom>
+          <a:solidFill>
+            <a:schemeClr val="bg2">
+              <a:alpha val="61000"/>
+            </a:schemeClr>
+          </a:solidFill>
+          <a:ln>
+            <a:solidFill>
+              <a:schemeClr val="bg1">
+                <a:lumMod val="95000"/>
+              </a:schemeClr>
+            </a:solidFill>
+          </a:ln>
+        </p:spPr>
+        <p:style>
+          <a:lnRef idx="2">
+            <a:schemeClr val="accent1">
+              <a:shade val="50000"/>
+            </a:schemeClr>
+          </a:lnRef>
+          <a:fillRef idx="1">
+            <a:schemeClr val="accent1"/>
+          </a:fillRef>
+          <a:effectRef idx="0">
+            <a:schemeClr val="accent1"/>
+          </a:effectRef>
+          <a:fontRef idx="minor">
+            <a:schemeClr val="lt1"/>
+          </a:fontRef>
+        </p:style>
+        <p:txBody>
+          <a:bodyPr rtlCol="0" anchor="ctr"/>
+          <a:lstStyle/>
+          <a:p>
+            <a:pPr algn="ctr"/>
+            <a:endParaRPr lang="en-US" dirty="0">
+              <a:solidFill>
+                <a:schemeClr val="tx1">
+                  <a:lumMod val="65000"/>
+                  <a:lumOff val="35000"/>
+                </a:schemeClr>
+              </a:solidFill>
+              <a:latin typeface="AvenirNext LT Pro Medium" panose="020B0504020202020204" pitchFamily="34" charset="0"/>
+            </a:endParaRPr>
+          </a:p>
+        </p:txBody>
+      </p:sp>
+      <p:sp>
+        <p:nvSpPr>
+          <p:cNvPr id="5" name="Título 4">
+            <a:extLst>
+              <a:ext uri="{FF2B5EF4-FFF2-40B4-BE49-F238E27FC236}">
+                <a16:creationId xmlns:a16="http://schemas.microsoft.com/office/drawing/2014/main" id="{3FCC1F51-C07C-419B-8D38-629B540CA813}"/>
+              </a:ext>
+            </a:extLst>
+          </p:cNvPr>
+          <p:cNvSpPr>
+            <a:spLocks noGrp="1"/>
+          </p:cNvSpPr>
+          <p:nvPr>
+            <p:ph type="title"/>
+          </p:nvPr>
+        </p:nvSpPr>
+        <p:spPr>
+          <a:xfrm>
+            <a:off x="526165" y="133981"/>
+            <a:ext cx="10516839" cy="1053854"/>
+          </a:xfrm>
+        </p:spPr>
+        <p:txBody>
+          <a:bodyPr vert="horz" lIns="91440" tIns="45720" rIns="91440" bIns="45720" rtlCol="0" anchor="b">
+            <a:normAutofit fontScale="90000"/>
+          </a:bodyPr>
+          <a:lstStyle/>
+          <a:p>
+            <a:pPr>
+              <a:lnSpc>
+                <a:spcPct val="90000"/>
+              </a:lnSpc>
+            </a:pPr>
+            <a:br>
+              <a:rPr lang="en-US" sz="3400" dirty="0">
+                <a:solidFill>
+                  <a:schemeClr val="tx2"/>
+                </a:solidFill>
+              </a:rPr>
+            </a:br>
+            <a:r>
+              <a:rPr lang="es-EC" sz="3400" dirty="0">
+                <a:solidFill>
+                  <a:schemeClr val="tx2"/>
+                </a:solidFill>
+              </a:rPr>
+              <a:t>Supuestos</a:t>
+            </a:r>
+            <a:r>
+              <a:rPr lang="en-US" sz="3400" dirty="0">
+                <a:solidFill>
+                  <a:schemeClr val="tx2"/>
+                </a:solidFill>
+              </a:rPr>
+              <a:t> – </a:t>
+            </a:r>
+            <a:r>
+              <a:rPr lang="es-EC" sz="3400" dirty="0">
+                <a:solidFill>
+                  <a:schemeClr val="tx2"/>
+                </a:solidFill>
+              </a:rPr>
+              <a:t>Distribución</a:t>
+            </a:r>
+            <a:r>
+              <a:rPr lang="en-US" sz="3400" dirty="0">
+                <a:solidFill>
+                  <a:schemeClr val="tx2"/>
+                </a:solidFill>
+              </a:rPr>
+              <a:t> normal de los </a:t>
+            </a:r>
+            <a:r>
+              <a:rPr lang="en-US" sz="3400" dirty="0" err="1">
+                <a:solidFill>
+                  <a:schemeClr val="tx2"/>
+                </a:solidFill>
+              </a:rPr>
+              <a:t>errores</a:t>
+            </a:r>
+            <a:br>
+              <a:rPr lang="en-US" sz="3400" dirty="0">
+                <a:solidFill>
+                  <a:schemeClr val="tx2"/>
+                </a:solidFill>
+              </a:rPr>
+            </a:br>
+            <a:endParaRPr lang="en-US" sz="3400" dirty="0">
+              <a:solidFill>
+                <a:schemeClr val="tx2"/>
+              </a:solidFill>
+            </a:endParaRPr>
+          </a:p>
+        </p:txBody>
+      </p:sp>
+      <p:pic>
+        <p:nvPicPr>
+          <p:cNvPr id="2" name="Imagen 1">
+            <a:extLst>
+              <a:ext uri="{FF2B5EF4-FFF2-40B4-BE49-F238E27FC236}">
+                <a16:creationId xmlns:a16="http://schemas.microsoft.com/office/drawing/2014/main" id="{EABCFE9E-D990-492F-8675-99B5C133B349}"/>
+              </a:ext>
+            </a:extLst>
+          </p:cNvPr>
+          <p:cNvPicPr>
+            <a:picLocks noChangeAspect="1"/>
+          </p:cNvPicPr>
+          <p:nvPr/>
+        </p:nvPicPr>
+        <p:blipFill>
+          <a:blip r:embed="rId3"/>
+          <a:stretch>
+            <a:fillRect/>
+          </a:stretch>
+        </p:blipFill>
+        <p:spPr>
+          <a:xfrm>
+            <a:off x="369475" y="1378851"/>
+            <a:ext cx="5415109" cy="3438594"/>
+          </a:xfrm>
+          <a:prstGeom prst="rect">
+            <a:avLst/>
+          </a:prstGeom>
+        </p:spPr>
+      </p:pic>
+      <p:sp>
+        <p:nvSpPr>
+          <p:cNvPr id="20" name="Rectangle 19">
+            <a:extLst>
+              <a:ext uri="{FF2B5EF4-FFF2-40B4-BE49-F238E27FC236}">
+                <a16:creationId xmlns:a16="http://schemas.microsoft.com/office/drawing/2014/main" id="{B3FAB79E-1E1B-4287-B4EA-26E497404C89}"/>
+              </a:ext>
+              <a:ext uri="{C183D7F6-B498-43B3-948B-1728B52AA6E4}">
+                <adec:decorative xmlns:adec="http://schemas.microsoft.com/office/drawing/2017/decorative" val="1"/>
+              </a:ext>
+            </a:extLst>
+          </p:cNvPr>
+          <p:cNvSpPr>
+            <a:spLocks noGrp="1" noRot="1" noChangeAspect="1" noMove="1" noResize="1" noEditPoints="1" noAdjustHandles="1" noChangeArrowheads="1" noChangeShapeType="1" noTextEdit="1"/>
+          </p:cNvSpPr>
+          <p:nvPr>
+            <p:extLst>
+              <p:ext uri="{386F3935-93C4-4BCD-93E2-E3B085C9AB24}">
+                <p16:designElem xmlns:p16="http://schemas.microsoft.com/office/powerpoint/2015/main" val="1"/>
+              </p:ext>
+            </p:extLst>
+          </p:nvPr>
+        </p:nvSpPr>
+        <p:spPr>
+          <a:xfrm>
+            <a:off x="0" y="5730812"/>
+            <a:ext cx="12192000" cy="1127188"/>
+          </a:xfrm>
+          <a:prstGeom prst="rect">
+            <a:avLst/>
+          </a:prstGeom>
+          <a:solidFill>
+            <a:schemeClr val="tx2">
+              <a:lumMod val="90000"/>
+              <a:lumOff val="10000"/>
+            </a:schemeClr>
+          </a:solidFill>
+          <a:ln>
+            <a:noFill/>
+          </a:ln>
+        </p:spPr>
+        <p:style>
+          <a:lnRef idx="2">
+            <a:schemeClr val="accent1">
+              <a:shade val="50000"/>
+            </a:schemeClr>
+          </a:lnRef>
+          <a:fillRef idx="1">
+            <a:schemeClr val="accent1"/>
+          </a:fillRef>
+          <a:effectRef idx="0">
+            <a:schemeClr val="accent1"/>
+          </a:effectRef>
+          <a:fontRef idx="minor">
+            <a:schemeClr val="lt1"/>
+          </a:fontRef>
+        </p:style>
+        <p:txBody>
+          <a:bodyPr rtlCol="0" anchor="ctr"/>
+          <a:lstStyle/>
+          <a:p>
+            <a:pPr algn="ctr"/>
+            <a:endParaRPr lang="en-US" dirty="0">
+              <a:solidFill>
+                <a:schemeClr val="tx1">
+                  <a:lumMod val="65000"/>
+                  <a:lumOff val="35000"/>
+                </a:schemeClr>
+              </a:solidFill>
+              <a:latin typeface="AvenirNext LT Pro Medium" panose="020B0504020202020204" pitchFamily="34" charset="0"/>
+            </a:endParaRPr>
+          </a:p>
+        </p:txBody>
+      </p:sp>
+      <p:sp>
+        <p:nvSpPr>
+          <p:cNvPr id="22" name="Rectangle 21">
+            <a:extLst>
+              <a:ext uri="{FF2B5EF4-FFF2-40B4-BE49-F238E27FC236}">
+                <a16:creationId xmlns:a16="http://schemas.microsoft.com/office/drawing/2014/main" id="{A22256D1-A993-4D2E-943C-2E87F8BFC629}"/>
+              </a:ext>
+              <a:ext uri="{C183D7F6-B498-43B3-948B-1728B52AA6E4}">
+                <adec:decorative xmlns:adec="http://schemas.microsoft.com/office/drawing/2017/decorative" val="1"/>
+              </a:ext>
+            </a:extLst>
+          </p:cNvPr>
+          <p:cNvSpPr>
+            <a:spLocks noGrp="1" noRot="1" noChangeAspect="1" noMove="1" noResize="1" noEditPoints="1" noAdjustHandles="1" noChangeArrowheads="1" noChangeShapeType="1" noTextEdit="1"/>
+          </p:cNvSpPr>
+          <p:nvPr>
+            <p:extLst>
+              <p:ext uri="{386F3935-93C4-4BCD-93E2-E3B085C9AB24}">
+                <p16:designElem xmlns:p16="http://schemas.microsoft.com/office/powerpoint/2015/main" val="1"/>
+              </p:ext>
+            </p:extLst>
+          </p:nvPr>
+        </p:nvSpPr>
+        <p:spPr>
+          <a:xfrm rot="10800000">
+            <a:off x="-3060" y="5730813"/>
+            <a:ext cx="12191999" cy="1127186"/>
+          </a:xfrm>
+          <a:prstGeom prst="rect">
+            <a:avLst/>
+          </a:prstGeom>
+          <a:blipFill dpi="0" rotWithShape="1">
+            <a:blip r:embed="rId4">
+              <a:alphaModFix amt="20000"/>
+              <a:duotone>
+                <a:schemeClr val="accent1">
+                  <a:shade val="45000"/>
+                  <a:satMod val="135000"/>
+                </a:schemeClr>
+                <a:prstClr val="white"/>
+              </a:duotone>
+            </a:blip>
+            <a:srcRect/>
+            <a:tile tx="889000" ty="0" sx="100000" sy="100000" flip="none" algn="tl"/>
+          </a:blipFill>
+          <a:ln>
+            <a:noFill/>
+          </a:ln>
+        </p:spPr>
+        <p:style>
+          <a:lnRef idx="2">
+            <a:schemeClr val="accent1">
+              <a:shade val="50000"/>
+            </a:schemeClr>
+          </a:lnRef>
+          <a:fillRef idx="1">
+            <a:schemeClr val="accent1"/>
+          </a:fillRef>
+          <a:effectRef idx="0">
+            <a:schemeClr val="accent1"/>
+          </a:effectRef>
+          <a:fontRef idx="minor">
+            <a:schemeClr val="lt1"/>
+          </a:fontRef>
+        </p:style>
+        <p:txBody>
+          <a:bodyPr rtlCol="0" anchor="ctr"/>
+          <a:lstStyle/>
+          <a:p>
+            <a:pPr algn="ctr"/>
+            <a:endParaRPr lang="en-US" dirty="0"/>
+          </a:p>
+        </p:txBody>
+      </p:sp>
+      <p:pic>
+        <p:nvPicPr>
+          <p:cNvPr id="7" name="Imagen 6" descr="Logotipo&#10;&#10;Descripción generada automáticamente">
+            <a:extLst>
+              <a:ext uri="{FF2B5EF4-FFF2-40B4-BE49-F238E27FC236}">
+                <a16:creationId xmlns:a16="http://schemas.microsoft.com/office/drawing/2014/main" id="{2E92163B-AFAA-4540-8E92-99AF5C5A0ECF}"/>
+              </a:ext>
+            </a:extLst>
+          </p:cNvPr>
+          <p:cNvPicPr>
+            <a:picLocks noChangeAspect="1"/>
+          </p:cNvPicPr>
+          <p:nvPr/>
+        </p:nvPicPr>
+        <p:blipFill>
+          <a:blip r:embed="rId5">
+            <a:extLst>
+              <a:ext uri="{28A0092B-C50C-407E-A947-70E740481C1C}">
+                <a14:useLocalDpi xmlns:a14="http://schemas.microsoft.com/office/drawing/2010/main" val="0"/>
+              </a:ext>
+            </a:extLst>
+          </a:blip>
+          <a:stretch>
+            <a:fillRect/>
+          </a:stretch>
+        </p:blipFill>
+        <p:spPr>
+          <a:xfrm>
+            <a:off x="11240253" y="68412"/>
+            <a:ext cx="751450" cy="751450"/>
+          </a:xfrm>
+          <a:prstGeom prst="rect">
+            <a:avLst/>
+          </a:prstGeom>
+        </p:spPr>
+      </p:pic>
+      <p:pic>
+        <p:nvPicPr>
+          <p:cNvPr id="3" name="Imagen 2">
+            <a:extLst>
+              <a:ext uri="{FF2B5EF4-FFF2-40B4-BE49-F238E27FC236}">
+                <a16:creationId xmlns:a16="http://schemas.microsoft.com/office/drawing/2014/main" id="{C35E90E3-E51B-4E25-9867-3A23A609B03E}"/>
+              </a:ext>
+            </a:extLst>
+          </p:cNvPr>
+          <p:cNvPicPr>
+            <a:picLocks noChangeAspect="1"/>
+          </p:cNvPicPr>
+          <p:nvPr/>
+        </p:nvPicPr>
+        <p:blipFill>
+          <a:blip r:embed="rId6"/>
+          <a:stretch>
+            <a:fillRect/>
+          </a:stretch>
+        </p:blipFill>
+        <p:spPr>
+          <a:xfrm>
+            <a:off x="6096000" y="1155061"/>
+            <a:ext cx="5623678" cy="3886174"/>
+          </a:xfrm>
+          <a:prstGeom prst="rect">
+            <a:avLst/>
+          </a:prstGeom>
+        </p:spPr>
+      </p:pic>
+    </p:spTree>
+    <p:extLst>
+      <p:ext uri="{BB962C8B-B14F-4D97-AF65-F5344CB8AC3E}">
+        <p14:creationId xmlns:p14="http://schemas.microsoft.com/office/powerpoint/2010/main" val="1648462187"/>
+      </p:ext>
+    </p:extLst>
+  </p:cSld>
+  <p:clrMapOvr>
+    <a:masterClrMapping/>
+  </p:clrMapOvr>
+</p:sld>
+</file>
+
+<file path=ppt/slides/slide4.xml><?xml version="1.0" encoding="utf-8"?>
+<p:sld xmlns:a="http://schemas.openxmlformats.org/drawingml/2006/main" xmlns:r="http://schemas.openxmlformats.org/officeDocument/2006/relationships" xmlns:p="http://schemas.openxmlformats.org/presentationml/2006/main">
+  <p:cSld>
+    <p:bg>
+      <p:bgPr>
+        <a:solidFill>
+          <a:schemeClr val="bg1"/>
+        </a:solidFill>
+        <a:effectLst/>
+      </p:bgPr>
+    </p:bg>
+    <p:spTree>
+      <p:nvGrpSpPr>
+        <p:cNvPr id="1" name=""/>
+        <p:cNvGrpSpPr/>
+        <p:nvPr/>
+      </p:nvGrpSpPr>
+      <p:grpSpPr>
+        <a:xfrm>
+          <a:off x="0" y="0"/>
+          <a:ext cx="0" cy="0"/>
+          <a:chOff x="0" y="0"/>
+          <a:chExt cx="0" cy="0"/>
+        </a:xfrm>
+      </p:grpSpPr>
+      <p:sp>
+        <p:nvSpPr>
+          <p:cNvPr id="12" name="Rectangle 11">
+            <a:extLst>
+              <a:ext uri="{FF2B5EF4-FFF2-40B4-BE49-F238E27FC236}">
+                <a16:creationId xmlns:a16="http://schemas.microsoft.com/office/drawing/2014/main" id="{0BABF38A-8A0D-492E-BD20-6CF4D46B50BD}"/>
+              </a:ext>
+              <a:ext uri="{C183D7F6-B498-43B3-948B-1728B52AA6E4}">
+                <adec:decorative xmlns:adec="http://schemas.microsoft.com/office/drawing/2017/decorative" val="1"/>
+              </a:ext>
+            </a:extLst>
+          </p:cNvPr>
+          <p:cNvSpPr>
+            <a:spLocks noGrp="1" noRot="1" noChangeAspect="1" noMove="1" noResize="1" noEditPoints="1" noAdjustHandles="1" noChangeArrowheads="1" noChangeShapeType="1" noTextEdit="1"/>
+          </p:cNvSpPr>
+          <p:nvPr>
+            <p:extLst>
+              <p:ext uri="{386F3935-93C4-4BCD-93E2-E3B085C9AB24}">
+                <p16:designElem xmlns:p16="http://schemas.microsoft.com/office/powerpoint/2015/main" val="1"/>
+              </p:ext>
+            </p:extLst>
+          </p:nvPr>
+        </p:nvSpPr>
+        <p:spPr>
+          <a:xfrm>
+            <a:off x="0" y="1"/>
+            <a:ext cx="12192000" cy="6858004"/>
+          </a:xfrm>
+          <a:prstGeom prst="rect">
+            <a:avLst/>
+          </a:prstGeom>
+          <a:solidFill>
+            <a:schemeClr val="tx2">
+              <a:lumMod val="90000"/>
+              <a:lumOff val="10000"/>
+            </a:schemeClr>
+          </a:solidFill>
+          <a:ln>
+            <a:noFill/>
+          </a:ln>
+        </p:spPr>
+        <p:style>
+          <a:lnRef idx="2">
+            <a:schemeClr val="accent1">
+              <a:shade val="50000"/>
+            </a:schemeClr>
+          </a:lnRef>
+          <a:fillRef idx="1">
+            <a:schemeClr val="accent1"/>
+          </a:fillRef>
+          <a:effectRef idx="0">
+            <a:schemeClr val="accent1"/>
+          </a:effectRef>
+          <a:fontRef idx="minor">
+            <a:schemeClr val="lt1"/>
+          </a:fontRef>
+        </p:style>
+        <p:txBody>
+          <a:bodyPr rtlCol="0" anchor="ctr"/>
+          <a:lstStyle/>
+          <a:p>
+            <a:pPr algn="ctr"/>
+            <a:endParaRPr lang="en-US" dirty="0">
+              <a:solidFill>
+                <a:schemeClr val="tx1">
+                  <a:lumMod val="65000"/>
+                  <a:lumOff val="35000"/>
+                </a:schemeClr>
+              </a:solidFill>
+              <a:latin typeface="AvenirNext LT Pro Medium" panose="020B0504020202020204" pitchFamily="34" charset="0"/>
+            </a:endParaRPr>
+          </a:p>
+        </p:txBody>
+      </p:sp>
+      <p:pic>
+        <p:nvPicPr>
+          <p:cNvPr id="14" name="Picture 13">
+            <a:extLst>
+              <a:ext uri="{FF2B5EF4-FFF2-40B4-BE49-F238E27FC236}">
+                <a16:creationId xmlns:a16="http://schemas.microsoft.com/office/drawing/2014/main" id="{1CB7E8AE-A3AC-4BB7-A5C6-F00EC697B265}"/>
+              </a:ext>
+              <a:ext uri="{C183D7F6-B498-43B3-948B-1728B52AA6E4}">
+                <adec:decorative xmlns:adec="http://schemas.microsoft.com/office/drawing/2017/decorative" val="1"/>
+              </a:ext>
+            </a:extLst>
+          </p:cNvPr>
+          <p:cNvPicPr>
+            <a:picLocks noGrp="1" noRot="1" noChangeAspect="1" noMove="1" noResize="1" noEditPoints="1" noAdjustHandles="1" noChangeArrowheads="1" noChangeShapeType="1" noCrop="1"/>
+          </p:cNvPicPr>
+          <p:nvPr>
+            <p:extLst>
+              <p:ext uri="{386F3935-93C4-4BCD-93E2-E3B085C9AB24}">
+                <p16:designElem xmlns:p16="http://schemas.microsoft.com/office/powerpoint/2015/main" val="1"/>
+              </p:ext>
+            </p:extLst>
+          </p:nvPr>
+        </p:nvPicPr>
+        <p:blipFill>
+          <a:blip r:embed="rId2">
+            <a:alphaModFix amt="35000"/>
+            <a:extLst>
+              <a:ext uri="{28A0092B-C50C-407E-A947-70E740481C1C}">
+                <a14:useLocalDpi xmlns:a14="http://schemas.microsoft.com/office/drawing/2010/main" val="0"/>
+              </a:ext>
+            </a:extLst>
+          </a:blip>
+          <a:stretch>
+            <a:fillRect/>
+          </a:stretch>
+        </p:blipFill>
+        <p:spPr>
+          <a:xfrm>
+            <a:off x="0" y="1"/>
+            <a:ext cx="12192000" cy="1392401"/>
+          </a:xfrm>
+          <a:prstGeom prst="rect">
+            <a:avLst/>
+          </a:prstGeom>
+        </p:spPr>
+      </p:pic>
+      <p:sp useBgFill="1">
+        <p:nvSpPr>
+          <p:cNvPr id="16" name="Rectangle 15">
+            <a:extLst>
+              <a:ext uri="{FF2B5EF4-FFF2-40B4-BE49-F238E27FC236}">
+                <a16:creationId xmlns:a16="http://schemas.microsoft.com/office/drawing/2014/main" id="{F1174801-1395-44C5-9B00-CCAC45C056E7}"/>
+              </a:ext>
+              <a:ext uri="{C183D7F6-B498-43B3-948B-1728B52AA6E4}">
+                <adec:decorative xmlns:adec="http://schemas.microsoft.com/office/drawing/2017/decorative" val="1"/>
+              </a:ext>
+            </a:extLst>
+          </p:cNvPr>
+          <p:cNvSpPr>
+            <a:spLocks noGrp="1" noRot="1" noChangeAspect="1" noMove="1" noResize="1" noEditPoints="1" noAdjustHandles="1" noChangeArrowheads="1" noChangeShapeType="1" noTextEdit="1"/>
+          </p:cNvSpPr>
+          <p:nvPr>
+            <p:extLst>
+              <p:ext uri="{386F3935-93C4-4BCD-93E2-E3B085C9AB24}">
+                <p16:designElem xmlns:p16="http://schemas.microsoft.com/office/powerpoint/2015/main" val="1"/>
+              </p:ext>
+            </p:extLst>
+          </p:nvPr>
+        </p:nvSpPr>
+        <p:spPr>
+          <a:xfrm>
+            <a:off x="0" y="0"/>
+            <a:ext cx="12188952" cy="6858000"/>
+          </a:xfrm>
+          <a:prstGeom prst="rect">
+            <a:avLst/>
+          </a:prstGeom>
+          <a:ln>
+            <a:noFill/>
+          </a:ln>
+        </p:spPr>
+        <p:style>
+          <a:lnRef idx="2">
+            <a:schemeClr val="accent1">
+              <a:shade val="50000"/>
+            </a:schemeClr>
+          </a:lnRef>
+          <a:fillRef idx="1">
+            <a:schemeClr val="accent1"/>
+          </a:fillRef>
+          <a:effectRef idx="0">
+            <a:schemeClr val="accent1"/>
+          </a:effectRef>
+          <a:fontRef idx="minor">
+            <a:schemeClr val="lt1"/>
+          </a:fontRef>
+        </p:style>
+        <p:txBody>
+          <a:bodyPr rtlCol="0" anchor="ctr"/>
+          <a:lstStyle/>
+          <a:p>
+            <a:pPr algn="ctr"/>
+            <a:endParaRPr lang="en-US" dirty="0">
+              <a:solidFill>
+                <a:schemeClr val="tx1">
+                  <a:lumMod val="65000"/>
+                  <a:lumOff val="35000"/>
+                </a:schemeClr>
+              </a:solidFill>
+              <a:latin typeface="AvenirNext LT Pro Medium" panose="020B0504020202020204" pitchFamily="34" charset="0"/>
+            </a:endParaRPr>
+          </a:p>
+        </p:txBody>
+      </p:sp>
+      <p:sp>
+        <p:nvSpPr>
+          <p:cNvPr id="18" name="Rectangle 17">
+            <a:extLst>
+              <a:ext uri="{FF2B5EF4-FFF2-40B4-BE49-F238E27FC236}">
+                <a16:creationId xmlns:a16="http://schemas.microsoft.com/office/drawing/2014/main" id="{8DBEE602-02D2-420A-AFC1-438A1699A5E5}"/>
+              </a:ext>
+              <a:ext uri="{C183D7F6-B498-43B3-948B-1728B52AA6E4}">
+                <adec:decorative xmlns:adec="http://schemas.microsoft.com/office/drawing/2017/decorative" val="1"/>
+              </a:ext>
+            </a:extLst>
+          </p:cNvPr>
+          <p:cNvSpPr>
+            <a:spLocks noGrp="1" noRot="1" noChangeAspect="1" noMove="1" noResize="1" noEditPoints="1" noAdjustHandles="1" noChangeArrowheads="1" noChangeShapeType="1" noTextEdit="1"/>
+          </p:cNvSpPr>
+          <p:nvPr>
+            <p:extLst>
+              <p:ext uri="{386F3935-93C4-4BCD-93E2-E3B085C9AB24}">
+                <p16:designElem xmlns:p16="http://schemas.microsoft.com/office/powerpoint/2015/main" val="1"/>
+              </p:ext>
+            </p:extLst>
+          </p:nvPr>
+        </p:nvSpPr>
+        <p:spPr>
+          <a:xfrm>
+            <a:off x="0" y="0"/>
+            <a:ext cx="12188952" cy="6858000"/>
+          </a:xfrm>
+          <a:prstGeom prst="rect">
+            <a:avLst/>
+          </a:prstGeom>
+          <a:solidFill>
+            <a:schemeClr val="bg2">
+              <a:alpha val="61000"/>
+            </a:schemeClr>
+          </a:solidFill>
+          <a:ln>
+            <a:solidFill>
+              <a:schemeClr val="bg1">
+                <a:lumMod val="95000"/>
+              </a:schemeClr>
+            </a:solidFill>
+          </a:ln>
+        </p:spPr>
+        <p:style>
+          <a:lnRef idx="2">
+            <a:schemeClr val="accent1">
+              <a:shade val="50000"/>
+            </a:schemeClr>
+          </a:lnRef>
+          <a:fillRef idx="1">
+            <a:schemeClr val="accent1"/>
+          </a:fillRef>
+          <a:effectRef idx="0">
+            <a:schemeClr val="accent1"/>
+          </a:effectRef>
+          <a:fontRef idx="minor">
+            <a:schemeClr val="lt1"/>
+          </a:fontRef>
+        </p:style>
+        <p:txBody>
+          <a:bodyPr rtlCol="0" anchor="ctr"/>
+          <a:lstStyle/>
+          <a:p>
+            <a:pPr algn="ctr"/>
+            <a:endParaRPr lang="en-US" dirty="0">
+              <a:solidFill>
+                <a:schemeClr val="tx1">
+                  <a:lumMod val="65000"/>
+                  <a:lumOff val="35000"/>
+                </a:schemeClr>
+              </a:solidFill>
+              <a:latin typeface="AvenirNext LT Pro Medium" panose="020B0504020202020204" pitchFamily="34" charset="0"/>
+            </a:endParaRPr>
+          </a:p>
+        </p:txBody>
+      </p:sp>
+      <p:sp>
+        <p:nvSpPr>
+          <p:cNvPr id="5" name="Título 4">
+            <a:extLst>
+              <a:ext uri="{FF2B5EF4-FFF2-40B4-BE49-F238E27FC236}">
+                <a16:creationId xmlns:a16="http://schemas.microsoft.com/office/drawing/2014/main" id="{3FCC1F51-C07C-419B-8D38-629B540CA813}"/>
+              </a:ext>
+            </a:extLst>
+          </p:cNvPr>
+          <p:cNvSpPr>
+            <a:spLocks noGrp="1"/>
+          </p:cNvSpPr>
+          <p:nvPr>
+            <p:ph type="title"/>
+          </p:nvPr>
+        </p:nvSpPr>
+        <p:spPr>
+          <a:xfrm>
+            <a:off x="838200" y="509847"/>
+            <a:ext cx="10204804" cy="751450"/>
+          </a:xfrm>
+        </p:spPr>
+        <p:txBody>
+          <a:bodyPr vert="horz" lIns="91440" tIns="45720" rIns="91440" bIns="45720" rtlCol="0" anchor="b">
+            <a:normAutofit fontScale="90000"/>
+          </a:bodyPr>
+          <a:lstStyle/>
+          <a:p>
+            <a:pPr>
+              <a:lnSpc>
+                <a:spcPct val="90000"/>
+              </a:lnSpc>
+            </a:pPr>
+            <a:br>
+              <a:rPr lang="en-US" sz="3400" dirty="0">
+                <a:solidFill>
+                  <a:schemeClr val="tx2"/>
+                </a:solidFill>
+              </a:rPr>
+            </a:br>
+            <a:r>
+              <a:rPr lang="es-EC" sz="3400" dirty="0">
+                <a:solidFill>
+                  <a:schemeClr val="tx2"/>
+                </a:solidFill>
+              </a:rPr>
+              <a:t>Supuestos</a:t>
+            </a:r>
+            <a:r>
+              <a:rPr lang="en-US" sz="3400" dirty="0">
+                <a:solidFill>
+                  <a:schemeClr val="tx2"/>
+                </a:solidFill>
+              </a:rPr>
+              <a:t> – </a:t>
+            </a:r>
+            <a:r>
+              <a:rPr lang="en-US" sz="3400" dirty="0" err="1">
+                <a:solidFill>
+                  <a:schemeClr val="tx2"/>
+                </a:solidFill>
+              </a:rPr>
+              <a:t>Varianza</a:t>
+            </a:r>
+            <a:r>
+              <a:rPr lang="en-US" sz="3400" dirty="0">
+                <a:solidFill>
+                  <a:schemeClr val="tx2"/>
+                </a:solidFill>
+              </a:rPr>
+              <a:t> </a:t>
+            </a:r>
+            <a:r>
+              <a:rPr lang="en-US" sz="3400" dirty="0" err="1">
+                <a:solidFill>
+                  <a:schemeClr val="tx2"/>
+                </a:solidFill>
+              </a:rPr>
+              <a:t>constannte</a:t>
+            </a:r>
+            <a:r>
+              <a:rPr lang="en-US" sz="3400" dirty="0">
+                <a:solidFill>
+                  <a:schemeClr val="tx2"/>
+                </a:solidFill>
+              </a:rPr>
+              <a:t> </a:t>
+            </a:r>
+            <a:r>
+              <a:rPr lang="en-US" sz="3400" dirty="0" err="1">
+                <a:solidFill>
+                  <a:schemeClr val="tx2"/>
+                </a:solidFill>
+              </a:rPr>
+              <a:t>en</a:t>
+            </a:r>
+            <a:r>
+              <a:rPr lang="en-US" sz="3400" dirty="0">
+                <a:solidFill>
+                  <a:schemeClr val="tx2"/>
+                </a:solidFill>
+              </a:rPr>
+              <a:t> los </a:t>
+            </a:r>
+            <a:r>
+              <a:rPr lang="en-US" sz="3400" dirty="0" err="1">
+                <a:solidFill>
+                  <a:schemeClr val="tx2"/>
+                </a:solidFill>
+              </a:rPr>
+              <a:t>errores</a:t>
+            </a:r>
+            <a:br>
+              <a:rPr lang="en-US" sz="3400" dirty="0">
+                <a:solidFill>
+                  <a:schemeClr val="tx2"/>
+                </a:solidFill>
+              </a:rPr>
+            </a:br>
+            <a:endParaRPr lang="en-US" sz="3400" dirty="0">
+              <a:solidFill>
+                <a:schemeClr val="tx2"/>
+              </a:solidFill>
+            </a:endParaRPr>
+          </a:p>
+        </p:txBody>
+      </p:sp>
+      <p:pic>
+        <p:nvPicPr>
+          <p:cNvPr id="4" name="Imagen 3">
+            <a:extLst>
+              <a:ext uri="{FF2B5EF4-FFF2-40B4-BE49-F238E27FC236}">
+                <a16:creationId xmlns:a16="http://schemas.microsoft.com/office/drawing/2014/main" id="{9600CF50-8634-443F-8882-7CDF7B6575FE}"/>
+              </a:ext>
+            </a:extLst>
+          </p:cNvPr>
+          <p:cNvPicPr>
+            <a:picLocks noChangeAspect="1"/>
+          </p:cNvPicPr>
+          <p:nvPr/>
+        </p:nvPicPr>
+        <p:blipFill>
+          <a:blip r:embed="rId3"/>
+          <a:stretch>
+            <a:fillRect/>
+          </a:stretch>
+        </p:blipFill>
+        <p:spPr>
+          <a:xfrm>
+            <a:off x="580316" y="2036056"/>
+            <a:ext cx="4797132" cy="2977904"/>
+          </a:xfrm>
+          <a:prstGeom prst="rect">
+            <a:avLst/>
+          </a:prstGeom>
+        </p:spPr>
+      </p:pic>
+      <p:sp>
+        <p:nvSpPr>
+          <p:cNvPr id="20" name="Rectangle 19">
+            <a:extLst>
+              <a:ext uri="{FF2B5EF4-FFF2-40B4-BE49-F238E27FC236}">
+                <a16:creationId xmlns:a16="http://schemas.microsoft.com/office/drawing/2014/main" id="{B3FAB79E-1E1B-4287-B4EA-26E497404C89}"/>
+              </a:ext>
+              <a:ext uri="{C183D7F6-B498-43B3-948B-1728B52AA6E4}">
+                <adec:decorative xmlns:adec="http://schemas.microsoft.com/office/drawing/2017/decorative" val="1"/>
+              </a:ext>
+            </a:extLst>
+          </p:cNvPr>
+          <p:cNvSpPr>
+            <a:spLocks noGrp="1" noRot="1" noChangeAspect="1" noMove="1" noResize="1" noEditPoints="1" noAdjustHandles="1" noChangeArrowheads="1" noChangeShapeType="1" noTextEdit="1"/>
+          </p:cNvSpPr>
+          <p:nvPr>
+            <p:extLst>
+              <p:ext uri="{386F3935-93C4-4BCD-93E2-E3B085C9AB24}">
+                <p16:designElem xmlns:p16="http://schemas.microsoft.com/office/powerpoint/2015/main" val="1"/>
+              </p:ext>
+            </p:extLst>
+          </p:nvPr>
+        </p:nvSpPr>
+        <p:spPr>
+          <a:xfrm>
+            <a:off x="0" y="5730812"/>
+            <a:ext cx="12192000" cy="1127188"/>
+          </a:xfrm>
+          <a:prstGeom prst="rect">
+            <a:avLst/>
+          </a:prstGeom>
+          <a:solidFill>
+            <a:schemeClr val="tx2">
+              <a:lumMod val="90000"/>
+              <a:lumOff val="10000"/>
+            </a:schemeClr>
+          </a:solidFill>
+          <a:ln>
+            <a:noFill/>
+          </a:ln>
+        </p:spPr>
+        <p:style>
+          <a:lnRef idx="2">
+            <a:schemeClr val="accent1">
+              <a:shade val="50000"/>
+            </a:schemeClr>
+          </a:lnRef>
+          <a:fillRef idx="1">
+            <a:schemeClr val="accent1"/>
+          </a:fillRef>
+          <a:effectRef idx="0">
+            <a:schemeClr val="accent1"/>
+          </a:effectRef>
+          <a:fontRef idx="minor">
+            <a:schemeClr val="lt1"/>
+          </a:fontRef>
+        </p:style>
+        <p:txBody>
+          <a:bodyPr rtlCol="0" anchor="ctr"/>
+          <a:lstStyle/>
+          <a:p>
+            <a:pPr algn="ctr"/>
+            <a:endParaRPr lang="en-US" dirty="0">
+              <a:solidFill>
+                <a:schemeClr val="tx1">
+                  <a:lumMod val="65000"/>
+                  <a:lumOff val="35000"/>
+                </a:schemeClr>
+              </a:solidFill>
+              <a:latin typeface="AvenirNext LT Pro Medium" panose="020B0504020202020204" pitchFamily="34" charset="0"/>
+            </a:endParaRPr>
+          </a:p>
+        </p:txBody>
+      </p:sp>
+      <p:sp>
+        <p:nvSpPr>
+          <p:cNvPr id="22" name="Rectangle 21">
+            <a:extLst>
+              <a:ext uri="{FF2B5EF4-FFF2-40B4-BE49-F238E27FC236}">
+                <a16:creationId xmlns:a16="http://schemas.microsoft.com/office/drawing/2014/main" id="{A22256D1-A993-4D2E-943C-2E87F8BFC629}"/>
+              </a:ext>
+              <a:ext uri="{C183D7F6-B498-43B3-948B-1728B52AA6E4}">
+                <adec:decorative xmlns:adec="http://schemas.microsoft.com/office/drawing/2017/decorative" val="1"/>
+              </a:ext>
+            </a:extLst>
+          </p:cNvPr>
+          <p:cNvSpPr>
+            <a:spLocks noGrp="1" noRot="1" noChangeAspect="1" noMove="1" noResize="1" noEditPoints="1" noAdjustHandles="1" noChangeArrowheads="1" noChangeShapeType="1" noTextEdit="1"/>
+          </p:cNvSpPr>
+          <p:nvPr>
+            <p:extLst>
+              <p:ext uri="{386F3935-93C4-4BCD-93E2-E3B085C9AB24}">
+                <p16:designElem xmlns:p16="http://schemas.microsoft.com/office/powerpoint/2015/main" val="1"/>
+              </p:ext>
+            </p:extLst>
+          </p:nvPr>
+        </p:nvSpPr>
+        <p:spPr>
+          <a:xfrm rot="10800000">
+            <a:off x="-3060" y="5730813"/>
+            <a:ext cx="12191999" cy="1127186"/>
+          </a:xfrm>
+          <a:prstGeom prst="rect">
+            <a:avLst/>
+          </a:prstGeom>
+          <a:blipFill dpi="0" rotWithShape="1">
+            <a:blip r:embed="rId4">
+              <a:alphaModFix amt="20000"/>
+              <a:duotone>
+                <a:schemeClr val="accent1">
+                  <a:shade val="45000"/>
+                  <a:satMod val="135000"/>
+                </a:schemeClr>
+                <a:prstClr val="white"/>
+              </a:duotone>
+            </a:blip>
+            <a:srcRect/>
+            <a:tile tx="889000" ty="0" sx="100000" sy="100000" flip="none" algn="tl"/>
+          </a:blipFill>
+          <a:ln>
+            <a:noFill/>
+          </a:ln>
+        </p:spPr>
+        <p:style>
+          <a:lnRef idx="2">
+            <a:schemeClr val="accent1">
+              <a:shade val="50000"/>
+            </a:schemeClr>
+          </a:lnRef>
+          <a:fillRef idx="1">
+            <a:schemeClr val="accent1"/>
+          </a:fillRef>
+          <a:effectRef idx="0">
+            <a:schemeClr val="accent1"/>
+          </a:effectRef>
+          <a:fontRef idx="minor">
+            <a:schemeClr val="lt1"/>
+          </a:fontRef>
+        </p:style>
+        <p:txBody>
+          <a:bodyPr rtlCol="0" anchor="ctr"/>
+          <a:lstStyle/>
+          <a:p>
+            <a:pPr algn="ctr"/>
+            <a:endParaRPr lang="en-US" dirty="0"/>
+          </a:p>
+        </p:txBody>
+      </p:sp>
+      <p:pic>
+        <p:nvPicPr>
+          <p:cNvPr id="7" name="Imagen 6" descr="Logotipo&#10;&#10;Descripción generada automáticamente">
+            <a:extLst>
+              <a:ext uri="{FF2B5EF4-FFF2-40B4-BE49-F238E27FC236}">
+                <a16:creationId xmlns:a16="http://schemas.microsoft.com/office/drawing/2014/main" id="{2E92163B-AFAA-4540-8E92-99AF5C5A0ECF}"/>
+              </a:ext>
+            </a:extLst>
+          </p:cNvPr>
+          <p:cNvPicPr>
+            <a:picLocks noChangeAspect="1"/>
+          </p:cNvPicPr>
+          <p:nvPr/>
+        </p:nvPicPr>
+        <p:blipFill>
+          <a:blip r:embed="rId5">
+            <a:extLst>
+              <a:ext uri="{28A0092B-C50C-407E-A947-70E740481C1C}">
+                <a14:useLocalDpi xmlns:a14="http://schemas.microsoft.com/office/drawing/2010/main" val="0"/>
+              </a:ext>
+            </a:extLst>
+          </a:blip>
+          <a:stretch>
+            <a:fillRect/>
+          </a:stretch>
+        </p:blipFill>
+        <p:spPr>
+          <a:xfrm>
+            <a:off x="11240253" y="68412"/>
+            <a:ext cx="751450" cy="751450"/>
+          </a:xfrm>
+          <a:prstGeom prst="rect">
+            <a:avLst/>
+          </a:prstGeom>
+        </p:spPr>
+      </p:pic>
+      <p:pic>
+        <p:nvPicPr>
+          <p:cNvPr id="9" name="Imagen 8">
+            <a:extLst>
+              <a:ext uri="{FF2B5EF4-FFF2-40B4-BE49-F238E27FC236}">
+                <a16:creationId xmlns:a16="http://schemas.microsoft.com/office/drawing/2014/main" id="{C8901910-53C3-439D-8687-7B63C739F24D}"/>
+              </a:ext>
+            </a:extLst>
+          </p:cNvPr>
+          <p:cNvPicPr>
+            <a:picLocks noChangeAspect="1"/>
+          </p:cNvPicPr>
+          <p:nvPr/>
+        </p:nvPicPr>
+        <p:blipFill>
+          <a:blip r:embed="rId6"/>
+          <a:stretch>
+            <a:fillRect/>
+          </a:stretch>
+        </p:blipFill>
+        <p:spPr>
+          <a:xfrm>
+            <a:off x="6220555" y="1153506"/>
+            <a:ext cx="5391129" cy="3860454"/>
+          </a:xfrm>
+          <a:prstGeom prst="rect">
+            <a:avLst/>
+          </a:prstGeom>
+        </p:spPr>
+      </p:pic>
+      <mc:AlternateContent xmlns:mc="http://schemas.openxmlformats.org/markup-compatibility/2006">
+        <mc:Choice xmlns:a14="http://schemas.microsoft.com/office/drawing/2010/main" Requires="a14">
+          <p:sp>
+            <p:nvSpPr>
+              <p:cNvPr id="17" name="CuadroTexto 16">
+                <a:extLst>
+                  <a:ext uri="{FF2B5EF4-FFF2-40B4-BE49-F238E27FC236}">
+                    <a16:creationId xmlns:a16="http://schemas.microsoft.com/office/drawing/2014/main" id="{DAAEDB33-18D4-448D-A152-26EE1E8282EA}"/>
+                  </a:ext>
+                </a:extLst>
+              </p:cNvPr>
+              <p:cNvSpPr txBox="1"/>
+              <p:nvPr/>
+            </p:nvSpPr>
+            <p:spPr>
+              <a:xfrm>
+                <a:off x="477568" y="1153501"/>
+                <a:ext cx="6103620" cy="1200329"/>
+              </a:xfrm>
+              <a:prstGeom prst="rect">
+                <a:avLst/>
+              </a:prstGeom>
+              <a:noFill/>
+            </p:spPr>
+            <p:txBody>
+              <a:bodyPr wrap="square">
+                <a:spAutoFit/>
+              </a:bodyPr>
+              <a:lstStyle/>
+              <a:p>
+                <a:pPr algn="l"/>
+                <a14:m>
+                  <m:oMath xmlns:m="http://schemas.openxmlformats.org/officeDocument/2006/math">
+                    <m:sSub>
+                      <m:sSubPr>
+                        <m:ctrlPr>
+                          <a:rPr lang="es-EC" b="0" i="1" smtClean="0">
+                            <a:solidFill>
+                              <a:srgbClr val="333333"/>
+                            </a:solidFill>
+                            <a:effectLst/>
+                            <a:latin typeface="Cambria Math" panose="02040503050406030204" pitchFamily="18" charset="0"/>
+                          </a:rPr>
+                        </m:ctrlPr>
+                      </m:sSubPr>
+                      <m:e>
+                        <m:r>
+                          <a:rPr lang="es-EC" b="0" i="1" smtClean="0">
+                            <a:solidFill>
+                              <a:srgbClr val="333333"/>
+                            </a:solidFill>
+                            <a:effectLst/>
+                            <a:latin typeface="Cambria Math" panose="02040503050406030204" pitchFamily="18" charset="0"/>
+                          </a:rPr>
+                          <m:t>𝐻</m:t>
+                        </m:r>
+                      </m:e>
+                      <m:sub>
+                        <m:r>
+                          <a:rPr lang="es-EC" b="0" i="1" smtClean="0">
+                            <a:solidFill>
+                              <a:srgbClr val="333333"/>
+                            </a:solidFill>
+                            <a:effectLst/>
+                            <a:latin typeface="Cambria Math" panose="02040503050406030204" pitchFamily="18" charset="0"/>
+                          </a:rPr>
+                          <m:t>0</m:t>
+                        </m:r>
+                      </m:sub>
+                    </m:sSub>
+                    <m:r>
+                      <a:rPr lang="es-EC" b="0" i="1" smtClean="0">
+                        <a:solidFill>
+                          <a:srgbClr val="333333"/>
+                        </a:solidFill>
+                        <a:effectLst/>
+                        <a:latin typeface="Cambria Math" panose="02040503050406030204" pitchFamily="18" charset="0"/>
+                      </a:rPr>
+                      <m:t>:</m:t>
+                    </m:r>
+                    <m:r>
+                      <m:rPr>
+                        <m:sty m:val="p"/>
+                      </m:rPr>
+                      <a:rPr lang="es-EC" b="0" i="0" smtClean="0">
+                        <a:solidFill>
+                          <a:srgbClr val="333333"/>
+                        </a:solidFill>
+                        <a:effectLst/>
+                        <a:latin typeface="Cambria Math" panose="02040503050406030204" pitchFamily="18" charset="0"/>
+                      </a:rPr>
+                      <m:t>L</m:t>
+                    </m:r>
+                  </m:oMath>
+                </a14:m>
+                <a:r>
+                  <a:rPr lang="es-EC" b="0" i="0" dirty="0">
+                    <a:solidFill>
+                      <a:srgbClr val="333333"/>
+                    </a:solidFill>
+                    <a:effectLst/>
+                    <a:latin typeface="Helvetica Neue"/>
+                  </a:rPr>
+                  <a:t>os errores tienen varianza constante.</a:t>
+                </a:r>
+              </a:p>
+              <a:p>
+                <a:pPr algn="l"/>
+                <a14:m>
+                  <m:oMath xmlns:m="http://schemas.openxmlformats.org/officeDocument/2006/math">
+                    <m:sSub>
+                      <m:sSubPr>
+                        <m:ctrlPr>
+                          <a:rPr lang="es-EC" b="0" i="1" smtClean="0">
+                            <a:solidFill>
+                              <a:srgbClr val="333333"/>
+                            </a:solidFill>
+                            <a:effectLst/>
+                            <a:latin typeface="Cambria Math" panose="02040503050406030204" pitchFamily="18" charset="0"/>
+                          </a:rPr>
+                        </m:ctrlPr>
+                      </m:sSubPr>
+                      <m:e>
+                        <m:r>
+                          <a:rPr lang="es-EC" b="0" i="1" smtClean="0">
+                            <a:solidFill>
+                              <a:srgbClr val="333333"/>
+                            </a:solidFill>
+                            <a:effectLst/>
+                            <a:latin typeface="Cambria Math" panose="02040503050406030204" pitchFamily="18" charset="0"/>
+                          </a:rPr>
+                          <m:t>𝐻</m:t>
+                        </m:r>
+                      </m:e>
+                      <m:sub>
+                        <m:r>
+                          <a:rPr lang="es-EC" b="0" i="1" smtClean="0">
+                            <a:solidFill>
+                              <a:srgbClr val="333333"/>
+                            </a:solidFill>
+                            <a:effectLst/>
+                            <a:latin typeface="Cambria Math" panose="02040503050406030204" pitchFamily="18" charset="0"/>
+                          </a:rPr>
+                          <m:t>1</m:t>
+                        </m:r>
+                      </m:sub>
+                    </m:sSub>
+                    <m:r>
+                      <a:rPr lang="es-EC" b="0" i="1" smtClean="0">
+                        <a:solidFill>
+                          <a:srgbClr val="333333"/>
+                        </a:solidFill>
+                        <a:effectLst/>
+                        <a:latin typeface="Cambria Math" panose="02040503050406030204" pitchFamily="18" charset="0"/>
+                      </a:rPr>
+                      <m:t>:</m:t>
+                    </m:r>
+                    <m:r>
+                      <m:rPr>
+                        <m:sty m:val="p"/>
+                      </m:rPr>
+                      <a:rPr lang="es-EC" b="0" i="0" smtClean="0">
+                        <a:solidFill>
+                          <a:srgbClr val="333333"/>
+                        </a:solidFill>
+                        <a:effectLst/>
+                        <a:latin typeface="Cambria Math" panose="02040503050406030204" pitchFamily="18" charset="0"/>
+                      </a:rPr>
+                      <m:t>L</m:t>
+                    </m:r>
+                  </m:oMath>
+                </a14:m>
+                <a:r>
+                  <a:rPr lang="es-EC" b="0" i="0" dirty="0">
+                    <a:solidFill>
+                      <a:srgbClr val="333333"/>
+                    </a:solidFill>
+                    <a:effectLst/>
+                    <a:latin typeface="Helvetica Neue"/>
+                  </a:rPr>
+                  <a:t>os errores no tienen varianza constante.</a:t>
+                </a:r>
+              </a:p>
+              <a:p>
+                <a:br>
+                  <a:rPr lang="es-EC" dirty="0"/>
+                </a:br>
+                <a:endParaRPr lang="es-EC" dirty="0"/>
+              </a:p>
+            </p:txBody>
+          </p:sp>
+        </mc:Choice>
+        <mc:Fallback>
+          <p:sp>
+            <p:nvSpPr>
+              <p:cNvPr id="17" name="CuadroTexto 16">
+                <a:extLst>
+                  <a:ext uri="{FF2B5EF4-FFF2-40B4-BE49-F238E27FC236}">
+                    <a16:creationId xmlns:a16="http://schemas.microsoft.com/office/drawing/2014/main" id="{DAAEDB33-18D4-448D-A152-26EE1E8282EA}"/>
+                  </a:ext>
+                </a:extLst>
+              </p:cNvPr>
+              <p:cNvSpPr txBox="1">
+                <a:spLocks noRot="1" noChangeAspect="1" noMove="1" noResize="1" noEditPoints="1" noAdjustHandles="1" noChangeArrowheads="1" noChangeShapeType="1" noTextEdit="1"/>
+              </p:cNvSpPr>
+              <p:nvPr/>
+            </p:nvSpPr>
+            <p:spPr>
+              <a:xfrm>
+                <a:off x="477568" y="1153501"/>
+                <a:ext cx="6103620" cy="1200329"/>
+              </a:xfrm>
+              <a:prstGeom prst="rect">
+                <a:avLst/>
+              </a:prstGeom>
+              <a:blipFill>
+                <a:blip r:embed="rId7"/>
+                <a:stretch>
+                  <a:fillRect t="-2538"/>
+                </a:stretch>
+              </a:blipFill>
+            </p:spPr>
+            <p:txBody>
+              <a:bodyPr/>
+              <a:lstStyle/>
+              <a:p>
+                <a:r>
+                  <a:rPr lang="es-EC">
+                    <a:noFill/>
+                  </a:rPr>
+                  <a:t> </a:t>
+                </a:r>
+              </a:p>
+            </p:txBody>
+          </p:sp>
+        </mc:Fallback>
+      </mc:AlternateContent>
+    </p:spTree>
+    <p:extLst>
+      <p:ext uri="{BB962C8B-B14F-4D97-AF65-F5344CB8AC3E}">
+        <p14:creationId xmlns:p14="http://schemas.microsoft.com/office/powerpoint/2010/main" val="2196081200"/>
+      </p:ext>
+    </p:extLst>
+  </p:cSld>
+  <p:clrMapOvr>
+    <a:masterClrMapping/>
+  </p:clrMapOvr>
+</p:sld>
+</file>
+
+<file path=ppt/slides/slide5.xml><?xml version="1.0" encoding="utf-8"?>
+<p:sld xmlns:a="http://schemas.openxmlformats.org/drawingml/2006/main" xmlns:r="http://schemas.openxmlformats.org/officeDocument/2006/relationships" xmlns:p="http://schemas.openxmlformats.org/presentationml/2006/main">
+  <p:cSld>
+    <p:bg>
+      <p:bgPr>
+        <a:solidFill>
+          <a:schemeClr val="bg1"/>
+        </a:solidFill>
+        <a:effectLst/>
+      </p:bgPr>
+    </p:bg>
+    <p:spTree>
+      <p:nvGrpSpPr>
+        <p:cNvPr id="1" name=""/>
+        <p:cNvGrpSpPr/>
+        <p:nvPr/>
+      </p:nvGrpSpPr>
+      <p:grpSpPr>
+        <a:xfrm>
+          <a:off x="0" y="0"/>
+          <a:ext cx="0" cy="0"/>
+          <a:chOff x="0" y="0"/>
+          <a:chExt cx="0" cy="0"/>
+        </a:xfrm>
+      </p:grpSpPr>
+      <p:sp>
+        <p:nvSpPr>
+          <p:cNvPr id="12" name="Rectangle 11">
+            <a:extLst>
+              <a:ext uri="{FF2B5EF4-FFF2-40B4-BE49-F238E27FC236}">
+                <a16:creationId xmlns:a16="http://schemas.microsoft.com/office/drawing/2014/main" id="{0BABF38A-8A0D-492E-BD20-6CF4D46B50BD}"/>
+              </a:ext>
+              <a:ext uri="{C183D7F6-B498-43B3-948B-1728B52AA6E4}">
+                <adec:decorative xmlns:adec="http://schemas.microsoft.com/office/drawing/2017/decorative" val="1"/>
+              </a:ext>
+            </a:extLst>
+          </p:cNvPr>
+          <p:cNvSpPr>
+            <a:spLocks noGrp="1" noRot="1" noChangeAspect="1" noMove="1" noResize="1" noEditPoints="1" noAdjustHandles="1" noChangeArrowheads="1" noChangeShapeType="1" noTextEdit="1"/>
+          </p:cNvSpPr>
+          <p:nvPr>
+            <p:extLst>
+              <p:ext uri="{386F3935-93C4-4BCD-93E2-E3B085C9AB24}">
+                <p16:designElem xmlns:p16="http://schemas.microsoft.com/office/powerpoint/2015/main" val="1"/>
+              </p:ext>
+            </p:extLst>
+          </p:nvPr>
+        </p:nvSpPr>
+        <p:spPr>
+          <a:xfrm>
+            <a:off x="0" y="1"/>
+            <a:ext cx="12192000" cy="6858004"/>
+          </a:xfrm>
+          <a:prstGeom prst="rect">
+            <a:avLst/>
+          </a:prstGeom>
+          <a:solidFill>
+            <a:schemeClr val="tx2">
+              <a:lumMod val="90000"/>
+              <a:lumOff val="10000"/>
+            </a:schemeClr>
+          </a:solidFill>
+          <a:ln>
+            <a:noFill/>
+          </a:ln>
+        </p:spPr>
+        <p:style>
+          <a:lnRef idx="2">
+            <a:schemeClr val="accent1">
+              <a:shade val="50000"/>
+            </a:schemeClr>
+          </a:lnRef>
+          <a:fillRef idx="1">
+            <a:schemeClr val="accent1"/>
+          </a:fillRef>
+          <a:effectRef idx="0">
+            <a:schemeClr val="accent1"/>
+          </a:effectRef>
+          <a:fontRef idx="minor">
+            <a:schemeClr val="lt1"/>
+          </a:fontRef>
+        </p:style>
+        <p:txBody>
+          <a:bodyPr rtlCol="0" anchor="ctr"/>
+          <a:lstStyle/>
+          <a:p>
+            <a:pPr algn="ctr"/>
+            <a:endParaRPr lang="en-US" dirty="0">
+              <a:solidFill>
+                <a:schemeClr val="tx1">
+                  <a:lumMod val="65000"/>
+                  <a:lumOff val="35000"/>
+                </a:schemeClr>
+              </a:solidFill>
+              <a:latin typeface="AvenirNext LT Pro Medium" panose="020B0504020202020204" pitchFamily="34" charset="0"/>
+            </a:endParaRPr>
+          </a:p>
+        </p:txBody>
+      </p:sp>
+      <p:pic>
+        <p:nvPicPr>
+          <p:cNvPr id="14" name="Picture 13">
+            <a:extLst>
+              <a:ext uri="{FF2B5EF4-FFF2-40B4-BE49-F238E27FC236}">
+                <a16:creationId xmlns:a16="http://schemas.microsoft.com/office/drawing/2014/main" id="{1CB7E8AE-A3AC-4BB7-A5C6-F00EC697B265}"/>
+              </a:ext>
+              <a:ext uri="{C183D7F6-B498-43B3-948B-1728B52AA6E4}">
+                <adec:decorative xmlns:adec="http://schemas.microsoft.com/office/drawing/2017/decorative" val="1"/>
+              </a:ext>
+            </a:extLst>
+          </p:cNvPr>
+          <p:cNvPicPr>
+            <a:picLocks noGrp="1" noRot="1" noChangeAspect="1" noMove="1" noResize="1" noEditPoints="1" noAdjustHandles="1" noChangeArrowheads="1" noChangeShapeType="1" noCrop="1"/>
+          </p:cNvPicPr>
+          <p:nvPr>
+            <p:extLst>
+              <p:ext uri="{386F3935-93C4-4BCD-93E2-E3B085C9AB24}">
+                <p16:designElem xmlns:p16="http://schemas.microsoft.com/office/powerpoint/2015/main" val="1"/>
+              </p:ext>
+            </p:extLst>
+          </p:nvPr>
+        </p:nvPicPr>
+        <p:blipFill>
+          <a:blip r:embed="rId2">
+            <a:alphaModFix amt="35000"/>
+            <a:extLst>
+              <a:ext uri="{28A0092B-C50C-407E-A947-70E740481C1C}">
+                <a14:useLocalDpi xmlns:a14="http://schemas.microsoft.com/office/drawing/2010/main" val="0"/>
+              </a:ext>
+            </a:extLst>
+          </a:blip>
+          <a:stretch>
+            <a:fillRect/>
+          </a:stretch>
+        </p:blipFill>
+        <p:spPr>
+          <a:xfrm>
+            <a:off x="0" y="1"/>
+            <a:ext cx="12192000" cy="1392401"/>
+          </a:xfrm>
+          <a:prstGeom prst="rect">
+            <a:avLst/>
+          </a:prstGeom>
+        </p:spPr>
+      </p:pic>
+      <p:sp useBgFill="1">
+        <p:nvSpPr>
+          <p:cNvPr id="16" name="Rectangle 15">
+            <a:extLst>
+              <a:ext uri="{FF2B5EF4-FFF2-40B4-BE49-F238E27FC236}">
+                <a16:creationId xmlns:a16="http://schemas.microsoft.com/office/drawing/2014/main" id="{F1174801-1395-44C5-9B00-CCAC45C056E7}"/>
+              </a:ext>
+              <a:ext uri="{C183D7F6-B498-43B3-948B-1728B52AA6E4}">
+                <adec:decorative xmlns:adec="http://schemas.microsoft.com/office/drawing/2017/decorative" val="1"/>
+              </a:ext>
+            </a:extLst>
+          </p:cNvPr>
+          <p:cNvSpPr>
+            <a:spLocks noGrp="1" noRot="1" noChangeAspect="1" noMove="1" noResize="1" noEditPoints="1" noAdjustHandles="1" noChangeArrowheads="1" noChangeShapeType="1" noTextEdit="1"/>
+          </p:cNvSpPr>
+          <p:nvPr>
+            <p:extLst>
+              <p:ext uri="{386F3935-93C4-4BCD-93E2-E3B085C9AB24}">
+                <p16:designElem xmlns:p16="http://schemas.microsoft.com/office/powerpoint/2015/main" val="1"/>
+              </p:ext>
+            </p:extLst>
+          </p:nvPr>
+        </p:nvSpPr>
+        <p:spPr>
+          <a:xfrm>
+            <a:off x="0" y="0"/>
+            <a:ext cx="12188952" cy="6858000"/>
+          </a:xfrm>
+          <a:prstGeom prst="rect">
+            <a:avLst/>
+          </a:prstGeom>
+          <a:ln>
+            <a:noFill/>
+          </a:ln>
+        </p:spPr>
+        <p:style>
+          <a:lnRef idx="2">
+            <a:schemeClr val="accent1">
+              <a:shade val="50000"/>
+            </a:schemeClr>
+          </a:lnRef>
+          <a:fillRef idx="1">
+            <a:schemeClr val="accent1"/>
+          </a:fillRef>
+          <a:effectRef idx="0">
+            <a:schemeClr val="accent1"/>
+          </a:effectRef>
+          <a:fontRef idx="minor">
+            <a:schemeClr val="lt1"/>
+          </a:fontRef>
+        </p:style>
+        <p:txBody>
+          <a:bodyPr rtlCol="0" anchor="ctr"/>
+          <a:lstStyle/>
+          <a:p>
+            <a:pPr algn="ctr"/>
+            <a:endParaRPr lang="en-US" dirty="0">
+              <a:solidFill>
+                <a:schemeClr val="tx1">
+                  <a:lumMod val="65000"/>
+                  <a:lumOff val="35000"/>
+                </a:schemeClr>
+              </a:solidFill>
+              <a:latin typeface="AvenirNext LT Pro Medium" panose="020B0504020202020204" pitchFamily="34" charset="0"/>
+            </a:endParaRPr>
+          </a:p>
+        </p:txBody>
+      </p:sp>
+      <p:sp>
+        <p:nvSpPr>
+          <p:cNvPr id="18" name="Rectangle 17">
+            <a:extLst>
+              <a:ext uri="{FF2B5EF4-FFF2-40B4-BE49-F238E27FC236}">
+                <a16:creationId xmlns:a16="http://schemas.microsoft.com/office/drawing/2014/main" id="{8DBEE602-02D2-420A-AFC1-438A1699A5E5}"/>
+              </a:ext>
+              <a:ext uri="{C183D7F6-B498-43B3-948B-1728B52AA6E4}">
+                <adec:decorative xmlns:adec="http://schemas.microsoft.com/office/drawing/2017/decorative" val="1"/>
+              </a:ext>
+            </a:extLst>
+          </p:cNvPr>
+          <p:cNvSpPr>
+            <a:spLocks noGrp="1" noRot="1" noChangeAspect="1" noMove="1" noResize="1" noEditPoints="1" noAdjustHandles="1" noChangeArrowheads="1" noChangeShapeType="1" noTextEdit="1"/>
+          </p:cNvSpPr>
+          <p:nvPr>
+            <p:extLst>
+              <p:ext uri="{386F3935-93C4-4BCD-93E2-E3B085C9AB24}">
+                <p16:designElem xmlns:p16="http://schemas.microsoft.com/office/powerpoint/2015/main" val="1"/>
+              </p:ext>
+            </p:extLst>
+          </p:nvPr>
+        </p:nvSpPr>
+        <p:spPr>
+          <a:xfrm>
+            <a:off x="0" y="0"/>
+            <a:ext cx="12188952" cy="6858000"/>
+          </a:xfrm>
+          <a:prstGeom prst="rect">
+            <a:avLst/>
+          </a:prstGeom>
+          <a:solidFill>
+            <a:schemeClr val="bg2">
+              <a:alpha val="61000"/>
+            </a:schemeClr>
+          </a:solidFill>
+          <a:ln>
+            <a:solidFill>
+              <a:schemeClr val="bg1">
+                <a:lumMod val="95000"/>
+              </a:schemeClr>
+            </a:solidFill>
+          </a:ln>
+        </p:spPr>
+        <p:style>
+          <a:lnRef idx="2">
+            <a:schemeClr val="accent1">
+              <a:shade val="50000"/>
+            </a:schemeClr>
+          </a:lnRef>
+          <a:fillRef idx="1">
+            <a:schemeClr val="accent1"/>
+          </a:fillRef>
+          <a:effectRef idx="0">
+            <a:schemeClr val="accent1"/>
+          </a:effectRef>
+          <a:fontRef idx="minor">
+            <a:schemeClr val="lt1"/>
+          </a:fontRef>
+        </p:style>
+        <p:txBody>
+          <a:bodyPr rtlCol="0" anchor="ctr"/>
+          <a:lstStyle/>
+          <a:p>
+            <a:pPr algn="ctr"/>
+            <a:endParaRPr lang="en-US" dirty="0">
+              <a:solidFill>
+                <a:schemeClr val="tx1">
+                  <a:lumMod val="65000"/>
+                  <a:lumOff val="35000"/>
+                </a:schemeClr>
+              </a:solidFill>
+              <a:latin typeface="AvenirNext LT Pro Medium" panose="020B0504020202020204" pitchFamily="34" charset="0"/>
+            </a:endParaRPr>
+          </a:p>
+        </p:txBody>
+      </p:sp>
+      <p:sp>
+        <p:nvSpPr>
+          <p:cNvPr id="5" name="Título 4">
+            <a:extLst>
+              <a:ext uri="{FF2B5EF4-FFF2-40B4-BE49-F238E27FC236}">
+                <a16:creationId xmlns:a16="http://schemas.microsoft.com/office/drawing/2014/main" id="{3FCC1F51-C07C-419B-8D38-629B540CA813}"/>
+              </a:ext>
+            </a:extLst>
+          </p:cNvPr>
+          <p:cNvSpPr>
+            <a:spLocks noGrp="1"/>
+          </p:cNvSpPr>
+          <p:nvPr>
+            <p:ph type="title"/>
+          </p:nvPr>
+        </p:nvSpPr>
+        <p:spPr>
+          <a:xfrm>
+            <a:off x="838199" y="509847"/>
+            <a:ext cx="11153503" cy="751450"/>
+          </a:xfrm>
+        </p:spPr>
+        <p:txBody>
+          <a:bodyPr vert="horz" lIns="91440" tIns="45720" rIns="91440" bIns="45720" rtlCol="0" anchor="b">
+            <a:normAutofit fontScale="90000"/>
+          </a:bodyPr>
+          <a:lstStyle/>
+          <a:p>
+            <a:pPr>
+              <a:lnSpc>
+                <a:spcPct val="90000"/>
+              </a:lnSpc>
+            </a:pPr>
+            <a:br>
+              <a:rPr lang="en-US" sz="3400">
+                <a:solidFill>
+                  <a:schemeClr val="tx2"/>
+                </a:solidFill>
+              </a:rPr>
+            </a:br>
+            <a:r>
+              <a:rPr lang="en-US" sz="3400">
+                <a:solidFill>
+                  <a:schemeClr val="tx2"/>
+                </a:solidFill>
+              </a:rPr>
+              <a:t>Supuestos – No autocorrelación</a:t>
+            </a:r>
+            <a:br>
+              <a:rPr lang="en-US" sz="3400">
+                <a:solidFill>
+                  <a:schemeClr val="tx2"/>
+                </a:solidFill>
+              </a:rPr>
+            </a:br>
+            <a:endParaRPr lang="en-US" sz="3400" dirty="0">
+              <a:solidFill>
+                <a:schemeClr val="tx2"/>
+              </a:solidFill>
+            </a:endParaRPr>
+          </a:p>
+        </p:txBody>
+      </p:sp>
+      <p:pic>
+        <p:nvPicPr>
+          <p:cNvPr id="2" name="Imagen 1">
+            <a:extLst>
+              <a:ext uri="{FF2B5EF4-FFF2-40B4-BE49-F238E27FC236}">
+                <a16:creationId xmlns:a16="http://schemas.microsoft.com/office/drawing/2014/main" id="{D66D84FF-57B3-4B71-94D2-B22A06B4F629}"/>
+              </a:ext>
+            </a:extLst>
+          </p:cNvPr>
+          <p:cNvPicPr>
+            <a:picLocks noChangeAspect="1"/>
+          </p:cNvPicPr>
+          <p:nvPr/>
+        </p:nvPicPr>
+        <p:blipFill>
+          <a:blip r:embed="rId3"/>
+          <a:stretch>
+            <a:fillRect/>
+          </a:stretch>
+        </p:blipFill>
+        <p:spPr>
+          <a:xfrm>
+            <a:off x="6569522" y="1061318"/>
+            <a:ext cx="5265730" cy="4541692"/>
+          </a:xfrm>
+          <a:prstGeom prst="rect">
+            <a:avLst/>
+          </a:prstGeom>
+        </p:spPr>
+      </p:pic>
+      <p:sp>
+        <p:nvSpPr>
+          <p:cNvPr id="20" name="Rectangle 19">
+            <a:extLst>
+              <a:ext uri="{FF2B5EF4-FFF2-40B4-BE49-F238E27FC236}">
+                <a16:creationId xmlns:a16="http://schemas.microsoft.com/office/drawing/2014/main" id="{B3FAB79E-1E1B-4287-B4EA-26E497404C89}"/>
+              </a:ext>
+              <a:ext uri="{C183D7F6-B498-43B3-948B-1728B52AA6E4}">
+                <adec:decorative xmlns:adec="http://schemas.microsoft.com/office/drawing/2017/decorative" val="1"/>
+              </a:ext>
+            </a:extLst>
+          </p:cNvPr>
+          <p:cNvSpPr>
+            <a:spLocks noGrp="1" noRot="1" noChangeAspect="1" noMove="1" noResize="1" noEditPoints="1" noAdjustHandles="1" noChangeArrowheads="1" noChangeShapeType="1" noTextEdit="1"/>
+          </p:cNvSpPr>
+          <p:nvPr>
+            <p:extLst>
+              <p:ext uri="{386F3935-93C4-4BCD-93E2-E3B085C9AB24}">
+                <p16:designElem xmlns:p16="http://schemas.microsoft.com/office/powerpoint/2015/main" val="1"/>
+              </p:ext>
+            </p:extLst>
+          </p:nvPr>
+        </p:nvSpPr>
+        <p:spPr>
+          <a:xfrm>
+            <a:off x="0" y="5730812"/>
+            <a:ext cx="12192000" cy="1127188"/>
+          </a:xfrm>
+          <a:prstGeom prst="rect">
+            <a:avLst/>
+          </a:prstGeom>
+          <a:solidFill>
+            <a:schemeClr val="tx2">
+              <a:lumMod val="90000"/>
+              <a:lumOff val="10000"/>
+            </a:schemeClr>
+          </a:solidFill>
+          <a:ln>
+            <a:noFill/>
+          </a:ln>
+        </p:spPr>
+        <p:style>
+          <a:lnRef idx="2">
+            <a:schemeClr val="accent1">
+              <a:shade val="50000"/>
+            </a:schemeClr>
+          </a:lnRef>
+          <a:fillRef idx="1">
+            <a:schemeClr val="accent1"/>
+          </a:fillRef>
+          <a:effectRef idx="0">
+            <a:schemeClr val="accent1"/>
+          </a:effectRef>
+          <a:fontRef idx="minor">
+            <a:schemeClr val="lt1"/>
+          </a:fontRef>
+        </p:style>
+        <p:txBody>
+          <a:bodyPr rtlCol="0" anchor="ctr"/>
+          <a:lstStyle/>
+          <a:p>
+            <a:pPr algn="ctr"/>
+            <a:endParaRPr lang="en-US" dirty="0">
+              <a:solidFill>
+                <a:schemeClr val="tx1">
+                  <a:lumMod val="65000"/>
+                  <a:lumOff val="35000"/>
+                </a:schemeClr>
+              </a:solidFill>
+              <a:latin typeface="AvenirNext LT Pro Medium" panose="020B0504020202020204" pitchFamily="34" charset="0"/>
+            </a:endParaRPr>
+          </a:p>
+        </p:txBody>
+      </p:sp>
+      <p:sp>
+        <p:nvSpPr>
+          <p:cNvPr id="22" name="Rectangle 21">
+            <a:extLst>
+              <a:ext uri="{FF2B5EF4-FFF2-40B4-BE49-F238E27FC236}">
+                <a16:creationId xmlns:a16="http://schemas.microsoft.com/office/drawing/2014/main" id="{A22256D1-A993-4D2E-943C-2E87F8BFC629}"/>
+              </a:ext>
+              <a:ext uri="{C183D7F6-B498-43B3-948B-1728B52AA6E4}">
+                <adec:decorative xmlns:adec="http://schemas.microsoft.com/office/drawing/2017/decorative" val="1"/>
+              </a:ext>
+            </a:extLst>
+          </p:cNvPr>
+          <p:cNvSpPr>
+            <a:spLocks noGrp="1" noRot="1" noChangeAspect="1" noMove="1" noResize="1" noEditPoints="1" noAdjustHandles="1" noChangeArrowheads="1" noChangeShapeType="1" noTextEdit="1"/>
+          </p:cNvSpPr>
+          <p:nvPr>
+            <p:extLst>
+              <p:ext uri="{386F3935-93C4-4BCD-93E2-E3B085C9AB24}">
+                <p16:designElem xmlns:p16="http://schemas.microsoft.com/office/powerpoint/2015/main" val="1"/>
+              </p:ext>
+            </p:extLst>
+          </p:nvPr>
+        </p:nvSpPr>
+        <p:spPr>
+          <a:xfrm rot="10800000">
+            <a:off x="-3060" y="5730813"/>
+            <a:ext cx="12191999" cy="1127186"/>
+          </a:xfrm>
+          <a:prstGeom prst="rect">
+            <a:avLst/>
+          </a:prstGeom>
+          <a:blipFill dpi="0" rotWithShape="1">
+            <a:blip r:embed="rId4">
+              <a:alphaModFix amt="20000"/>
+              <a:duotone>
+                <a:schemeClr val="accent1">
+                  <a:shade val="45000"/>
+                  <a:satMod val="135000"/>
+                </a:schemeClr>
+                <a:prstClr val="white"/>
+              </a:duotone>
+            </a:blip>
+            <a:srcRect/>
+            <a:tile tx="889000" ty="0" sx="100000" sy="100000" flip="none" algn="tl"/>
+          </a:blipFill>
+          <a:ln>
+            <a:noFill/>
+          </a:ln>
+        </p:spPr>
+        <p:style>
+          <a:lnRef idx="2">
+            <a:schemeClr val="accent1">
+              <a:shade val="50000"/>
+            </a:schemeClr>
+          </a:lnRef>
+          <a:fillRef idx="1">
+            <a:schemeClr val="accent1"/>
+          </a:fillRef>
+          <a:effectRef idx="0">
+            <a:schemeClr val="accent1"/>
+          </a:effectRef>
+          <a:fontRef idx="minor">
+            <a:schemeClr val="lt1"/>
+          </a:fontRef>
+        </p:style>
+        <p:txBody>
+          <a:bodyPr rtlCol="0" anchor="ctr"/>
+          <a:lstStyle/>
+          <a:p>
+            <a:pPr algn="ctr"/>
+            <a:endParaRPr lang="en-US" dirty="0"/>
+          </a:p>
+        </p:txBody>
+      </p:sp>
+      <p:pic>
+        <p:nvPicPr>
+          <p:cNvPr id="7" name="Imagen 6" descr="Logotipo&#10;&#10;Descripción generada automáticamente">
+            <a:extLst>
+              <a:ext uri="{FF2B5EF4-FFF2-40B4-BE49-F238E27FC236}">
+                <a16:creationId xmlns:a16="http://schemas.microsoft.com/office/drawing/2014/main" id="{2E92163B-AFAA-4540-8E92-99AF5C5A0ECF}"/>
+              </a:ext>
+            </a:extLst>
+          </p:cNvPr>
+          <p:cNvPicPr>
+            <a:picLocks noChangeAspect="1"/>
+          </p:cNvPicPr>
+          <p:nvPr/>
+        </p:nvPicPr>
+        <p:blipFill>
+          <a:blip r:embed="rId5">
+            <a:extLst>
+              <a:ext uri="{28A0092B-C50C-407E-A947-70E740481C1C}">
+                <a14:useLocalDpi xmlns:a14="http://schemas.microsoft.com/office/drawing/2010/main" val="0"/>
+              </a:ext>
+            </a:extLst>
+          </a:blip>
+          <a:stretch>
+            <a:fillRect/>
+          </a:stretch>
+        </p:blipFill>
+        <p:spPr>
+          <a:xfrm>
+            <a:off x="11240253" y="68412"/>
+            <a:ext cx="751450" cy="751450"/>
+          </a:xfrm>
+          <a:prstGeom prst="rect">
+            <a:avLst/>
+          </a:prstGeom>
+        </p:spPr>
+      </p:pic>
+      <p:pic>
+        <p:nvPicPr>
+          <p:cNvPr id="3" name="Imagen 2">
+            <a:extLst>
+              <a:ext uri="{FF2B5EF4-FFF2-40B4-BE49-F238E27FC236}">
+                <a16:creationId xmlns:a16="http://schemas.microsoft.com/office/drawing/2014/main" id="{B8BF6E2E-BE7C-4ECD-95B0-BF80458E38AC}"/>
+              </a:ext>
+            </a:extLst>
+          </p:cNvPr>
+          <p:cNvPicPr>
+            <a:picLocks noChangeAspect="1"/>
+          </p:cNvPicPr>
+          <p:nvPr/>
+        </p:nvPicPr>
+        <p:blipFill>
+          <a:blip r:embed="rId6"/>
+          <a:stretch>
+            <a:fillRect/>
+          </a:stretch>
+        </p:blipFill>
+        <p:spPr>
+          <a:xfrm>
+            <a:off x="134427" y="1893667"/>
+            <a:ext cx="6081395" cy="3130659"/>
+          </a:xfrm>
+          <a:prstGeom prst="rect">
+            <a:avLst/>
+          </a:prstGeom>
+        </p:spPr>
+      </p:pic>
+      <mc:AlternateContent xmlns:mc="http://schemas.openxmlformats.org/markup-compatibility/2006">
+        <mc:Choice xmlns:a14="http://schemas.microsoft.com/office/drawing/2010/main" Requires="a14">
+          <p:sp>
+            <p:nvSpPr>
+              <p:cNvPr id="15" name="CuadroTexto 14">
+                <a:extLst>
+                  <a:ext uri="{FF2B5EF4-FFF2-40B4-BE49-F238E27FC236}">
+                    <a16:creationId xmlns:a16="http://schemas.microsoft.com/office/drawing/2014/main" id="{89A56D76-98EE-4597-86E3-672DB61F4CE6}"/>
+                  </a:ext>
+                </a:extLst>
+              </p:cNvPr>
+              <p:cNvSpPr txBox="1"/>
+              <p:nvPr/>
+            </p:nvSpPr>
+            <p:spPr>
+              <a:xfrm>
+                <a:off x="653684" y="1020543"/>
+                <a:ext cx="6100354" cy="923330"/>
+              </a:xfrm>
+              <a:prstGeom prst="rect">
+                <a:avLst/>
+              </a:prstGeom>
+              <a:noFill/>
+            </p:spPr>
+            <p:txBody>
+              <a:bodyPr wrap="square">
+                <a:spAutoFit/>
+              </a:bodyPr>
+              <a:lstStyle/>
+              <a:p>
+                <a14:m>
+                  <m:oMath xmlns:m="http://schemas.openxmlformats.org/officeDocument/2006/math">
+                    <m:sSub>
+                      <m:sSubPr>
+                        <m:ctrlPr>
+                          <a:rPr lang="es-EC" b="0" i="1" smtClean="0">
+                            <a:solidFill>
+                              <a:srgbClr val="333333"/>
+                            </a:solidFill>
+                            <a:effectLst/>
+                            <a:latin typeface="Cambria Math" panose="02040503050406030204" pitchFamily="18" charset="0"/>
+                          </a:rPr>
+                        </m:ctrlPr>
+                      </m:sSubPr>
+                      <m:e>
+                        <m:r>
+                          <a:rPr lang="es-EC" b="0" i="1" smtClean="0">
+                            <a:solidFill>
+                              <a:srgbClr val="333333"/>
+                            </a:solidFill>
+                            <a:effectLst/>
+                            <a:latin typeface="Cambria Math" panose="02040503050406030204" pitchFamily="18" charset="0"/>
+                          </a:rPr>
+                          <m:t>𝐻</m:t>
+                        </m:r>
+                      </m:e>
+                      <m:sub>
+                        <m:r>
+                          <a:rPr lang="es-EC" b="0" i="1" smtClean="0">
+                            <a:solidFill>
+                              <a:srgbClr val="333333"/>
+                            </a:solidFill>
+                            <a:effectLst/>
+                            <a:latin typeface="Cambria Math" panose="02040503050406030204" pitchFamily="18" charset="0"/>
+                          </a:rPr>
+                          <m:t>0</m:t>
+                        </m:r>
+                      </m:sub>
+                    </m:sSub>
+                    <m:r>
+                      <a:rPr lang="es-EC" b="0" i="1" smtClean="0">
+                        <a:solidFill>
+                          <a:srgbClr val="333333"/>
+                        </a:solidFill>
+                        <a:effectLst/>
+                        <a:latin typeface="Cambria Math" panose="02040503050406030204" pitchFamily="18" charset="0"/>
+                      </a:rPr>
+                      <m:t>:</m:t>
+                    </m:r>
+                    <m:r>
+                      <m:rPr>
+                        <m:sty m:val="p"/>
+                      </m:rPr>
+                      <a:rPr lang="es-EC" b="0" i="0" smtClean="0">
+                        <a:solidFill>
+                          <a:srgbClr val="333333"/>
+                        </a:solidFill>
+                        <a:effectLst/>
+                        <a:latin typeface="Cambria Math" panose="02040503050406030204" pitchFamily="18" charset="0"/>
+                      </a:rPr>
+                      <m:t>L</m:t>
+                    </m:r>
+                  </m:oMath>
+                </a14:m>
+                <a:r>
+                  <a:rPr lang="es-EC" b="0" i="0" dirty="0">
+                    <a:solidFill>
+                      <a:srgbClr val="333333"/>
+                    </a:solidFill>
+                    <a:effectLst/>
+                    <a:latin typeface="MJXc-TeX-main-R"/>
+                  </a:rPr>
+                  <a:t>os errores son independientes</a:t>
+                </a:r>
+                <a:r>
+                  <a:rPr lang="es-EC" dirty="0">
+                    <a:solidFill>
+                      <a:srgbClr val="333333"/>
+                    </a:solidFill>
+                    <a:latin typeface="MJXc-TeX-main-R"/>
+                  </a:rPr>
+                  <a:t>.</a:t>
+                </a:r>
+              </a:p>
+              <a:p>
+                <a14:m>
+                  <m:oMath xmlns:m="http://schemas.openxmlformats.org/officeDocument/2006/math">
+                    <m:sSub>
+                      <m:sSubPr>
+                        <m:ctrlPr>
+                          <a:rPr lang="es-EC" b="0" i="1" smtClean="0">
+                            <a:solidFill>
+                              <a:srgbClr val="333333"/>
+                            </a:solidFill>
+                            <a:effectLst/>
+                            <a:latin typeface="Cambria Math" panose="02040503050406030204" pitchFamily="18" charset="0"/>
+                          </a:rPr>
+                        </m:ctrlPr>
+                      </m:sSubPr>
+                      <m:e>
+                        <m:r>
+                          <a:rPr lang="es-EC" b="0" i="1" smtClean="0">
+                            <a:solidFill>
+                              <a:srgbClr val="333333"/>
+                            </a:solidFill>
+                            <a:effectLst/>
+                            <a:latin typeface="Cambria Math" panose="02040503050406030204" pitchFamily="18" charset="0"/>
+                          </a:rPr>
+                          <m:t>𝐻</m:t>
+                        </m:r>
+                      </m:e>
+                      <m:sub>
+                        <m:r>
+                          <a:rPr lang="es-EC" b="0" i="1" smtClean="0">
+                            <a:solidFill>
+                              <a:srgbClr val="333333"/>
+                            </a:solidFill>
+                            <a:effectLst/>
+                            <a:latin typeface="Cambria Math" panose="02040503050406030204" pitchFamily="18" charset="0"/>
+                          </a:rPr>
+                          <m:t>1</m:t>
+                        </m:r>
+                      </m:sub>
+                    </m:sSub>
+                    <m:r>
+                      <a:rPr lang="es-EC" b="0" i="1" smtClean="0">
+                        <a:solidFill>
+                          <a:srgbClr val="333333"/>
+                        </a:solidFill>
+                        <a:effectLst/>
+                        <a:latin typeface="Cambria Math" panose="02040503050406030204" pitchFamily="18" charset="0"/>
+                      </a:rPr>
+                      <m:t>: </m:t>
+                    </m:r>
+                  </m:oMath>
+                </a14:m>
+                <a:r>
+                  <a:rPr lang="es-EC" b="0" i="0" dirty="0">
+                    <a:solidFill>
+                      <a:srgbClr val="333333"/>
+                    </a:solidFill>
+                    <a:effectLst/>
+                    <a:latin typeface="MJXc-TeX-main-R"/>
+                  </a:rPr>
+                  <a:t>Los errores no son independientes.</a:t>
+                </a:r>
+                <a:br>
+                  <a:rPr lang="es-EC" dirty="0"/>
+                </a:br>
+                <a:endParaRPr lang="es-EC" dirty="0"/>
+              </a:p>
+            </p:txBody>
+          </p:sp>
+        </mc:Choice>
+        <mc:Fallback>
+          <p:sp>
+            <p:nvSpPr>
+              <p:cNvPr id="15" name="CuadroTexto 14">
+                <a:extLst>
+                  <a:ext uri="{FF2B5EF4-FFF2-40B4-BE49-F238E27FC236}">
+                    <a16:creationId xmlns:a16="http://schemas.microsoft.com/office/drawing/2014/main" id="{89A56D76-98EE-4597-86E3-672DB61F4CE6}"/>
+                  </a:ext>
+                </a:extLst>
+              </p:cNvPr>
+              <p:cNvSpPr txBox="1">
+                <a:spLocks noRot="1" noChangeAspect="1" noMove="1" noResize="1" noEditPoints="1" noAdjustHandles="1" noChangeArrowheads="1" noChangeShapeType="1" noTextEdit="1"/>
+              </p:cNvSpPr>
+              <p:nvPr/>
+            </p:nvSpPr>
+            <p:spPr>
+              <a:xfrm>
+                <a:off x="653684" y="1020543"/>
+                <a:ext cx="6100354" cy="923330"/>
+              </a:xfrm>
+              <a:prstGeom prst="rect">
+                <a:avLst/>
+              </a:prstGeom>
+              <a:blipFill>
+                <a:blip r:embed="rId7"/>
+                <a:stretch>
+                  <a:fillRect t="-3289"/>
+                </a:stretch>
+              </a:blipFill>
+            </p:spPr>
+            <p:txBody>
+              <a:bodyPr/>
+              <a:lstStyle/>
+              <a:p>
+                <a:r>
+                  <a:rPr lang="es-EC">
+                    <a:noFill/>
+                  </a:rPr>
+                  <a:t> </a:t>
+                </a:r>
+              </a:p>
+            </p:txBody>
+          </p:sp>
+        </mc:Fallback>
+      </mc:AlternateContent>
+    </p:spTree>
+    <p:extLst>
+      <p:ext uri="{BB962C8B-B14F-4D97-AF65-F5344CB8AC3E}">
+        <p14:creationId xmlns:p14="http://schemas.microsoft.com/office/powerpoint/2010/main" val="4166136037"/>
+      </p:ext>
+    </p:extLst>
+  </p:cSld>
+  <p:clrMapOvr>
+    <a:masterClrMapping/>
+  </p:clrMapOvr>
+</p:sld>
+</file>
+
+<file path=ppt/slides/slide6.xml><?xml version="1.0" encoding="utf-8"?>
+<p:sld xmlns:a="http://schemas.openxmlformats.org/drawingml/2006/main" xmlns:r="http://schemas.openxmlformats.org/officeDocument/2006/relationships" xmlns:p="http://schemas.openxmlformats.org/presentationml/2006/main">
+  <p:cSld>
+    <p:bg>
+      <p:bgPr>
+        <a:solidFill>
+          <a:schemeClr val="bg1"/>
+        </a:solidFill>
+        <a:effectLst/>
+      </p:bgPr>
+    </p:bg>
+    <p:spTree>
+      <p:nvGrpSpPr>
+        <p:cNvPr id="1" name=""/>
+        <p:cNvGrpSpPr/>
+        <p:nvPr/>
+      </p:nvGrpSpPr>
+      <p:grpSpPr>
+        <a:xfrm>
+          <a:off x="0" y="0"/>
+          <a:ext cx="0" cy="0"/>
+          <a:chOff x="0" y="0"/>
+          <a:chExt cx="0" cy="0"/>
+        </a:xfrm>
+      </p:grpSpPr>
+      <p:sp>
+        <p:nvSpPr>
+          <p:cNvPr id="20" name="Rectangle 19">
+            <a:extLst>
+              <a:ext uri="{FF2B5EF4-FFF2-40B4-BE49-F238E27FC236}">
+                <a16:creationId xmlns:a16="http://schemas.microsoft.com/office/drawing/2014/main" id="{0BABF38A-8A0D-492E-BD20-6CF4D46B50BD}"/>
+              </a:ext>
+              <a:ext uri="{C183D7F6-B498-43B3-948B-1728B52AA6E4}">
+                <adec:decorative xmlns:adec="http://schemas.microsoft.com/office/drawing/2017/decorative" val="1"/>
+              </a:ext>
+            </a:extLst>
+          </p:cNvPr>
+          <p:cNvSpPr>
+            <a:spLocks noGrp="1" noRot="1" noChangeAspect="1" noMove="1" noResize="1" noEditPoints="1" noAdjustHandles="1" noChangeArrowheads="1" noChangeShapeType="1" noTextEdit="1"/>
+          </p:cNvSpPr>
+          <p:nvPr>
+            <p:extLst>
+              <p:ext uri="{386F3935-93C4-4BCD-93E2-E3B085C9AB24}">
+                <p16:designElem xmlns:p16="http://schemas.microsoft.com/office/powerpoint/2015/main" val="1"/>
+              </p:ext>
+            </p:extLst>
+          </p:nvPr>
+        </p:nvSpPr>
+        <p:spPr>
+          <a:xfrm>
+            <a:off x="0" y="1"/>
+            <a:ext cx="12192000" cy="6858004"/>
+          </a:xfrm>
+          <a:prstGeom prst="rect">
+            <a:avLst/>
+          </a:prstGeom>
+          <a:solidFill>
+            <a:schemeClr val="tx2">
+              <a:lumMod val="90000"/>
+              <a:lumOff val="10000"/>
+            </a:schemeClr>
+          </a:solidFill>
+          <a:ln>
+            <a:noFill/>
+          </a:ln>
+        </p:spPr>
+        <p:style>
+          <a:lnRef idx="2">
+            <a:schemeClr val="accent1">
+              <a:shade val="50000"/>
+            </a:schemeClr>
+          </a:lnRef>
+          <a:fillRef idx="1">
+            <a:schemeClr val="accent1"/>
+          </a:fillRef>
+          <a:effectRef idx="0">
+            <a:schemeClr val="accent1"/>
+          </a:effectRef>
+          <a:fontRef idx="minor">
+            <a:schemeClr val="lt1"/>
+          </a:fontRef>
+        </p:style>
+        <p:txBody>
+          <a:bodyPr rtlCol="0" anchor="ctr"/>
+          <a:lstStyle/>
+          <a:p>
+            <a:pPr algn="ctr"/>
+            <a:endParaRPr lang="en-US" dirty="0">
+              <a:solidFill>
+                <a:schemeClr val="tx1">
+                  <a:lumMod val="65000"/>
+                  <a:lumOff val="35000"/>
+                </a:schemeClr>
+              </a:solidFill>
+              <a:latin typeface="AvenirNext LT Pro Medium" panose="020B0504020202020204" pitchFamily="34" charset="0"/>
+            </a:endParaRPr>
+          </a:p>
+        </p:txBody>
+      </p:sp>
+      <p:pic>
+        <p:nvPicPr>
+          <p:cNvPr id="22" name="Picture 21">
+            <a:extLst>
+              <a:ext uri="{FF2B5EF4-FFF2-40B4-BE49-F238E27FC236}">
+                <a16:creationId xmlns:a16="http://schemas.microsoft.com/office/drawing/2014/main" id="{1CB7E8AE-A3AC-4BB7-A5C6-F00EC697B265}"/>
+              </a:ext>
+              <a:ext uri="{C183D7F6-B498-43B3-948B-1728B52AA6E4}">
+                <adec:decorative xmlns:adec="http://schemas.microsoft.com/office/drawing/2017/decorative" val="1"/>
+              </a:ext>
+            </a:extLst>
+          </p:cNvPr>
+          <p:cNvPicPr>
+            <a:picLocks noGrp="1" noRot="1" noChangeAspect="1" noMove="1" noResize="1" noEditPoints="1" noAdjustHandles="1" noChangeArrowheads="1" noChangeShapeType="1" noCrop="1"/>
+          </p:cNvPicPr>
+          <p:nvPr>
+            <p:extLst>
+              <p:ext uri="{386F3935-93C4-4BCD-93E2-E3B085C9AB24}">
+                <p16:designElem xmlns:p16="http://schemas.microsoft.com/office/powerpoint/2015/main" val="1"/>
+              </p:ext>
+            </p:extLst>
+          </p:nvPr>
+        </p:nvPicPr>
+        <p:blipFill>
+          <a:blip r:embed="rId2">
+            <a:alphaModFix amt="35000"/>
+            <a:extLst>
+              <a:ext uri="{28A0092B-C50C-407E-A947-70E740481C1C}">
+                <a14:useLocalDpi xmlns:a14="http://schemas.microsoft.com/office/drawing/2010/main" val="0"/>
+              </a:ext>
+            </a:extLst>
+          </a:blip>
+          <a:stretch>
+            <a:fillRect/>
+          </a:stretch>
+        </p:blipFill>
+        <p:spPr>
+          <a:xfrm>
+            <a:off x="0" y="1"/>
+            <a:ext cx="12192000" cy="1392401"/>
+          </a:xfrm>
+          <a:prstGeom prst="rect">
+            <a:avLst/>
+          </a:prstGeom>
+        </p:spPr>
+      </p:pic>
+      <p:sp useBgFill="1">
+        <p:nvSpPr>
+          <p:cNvPr id="24" name="Rectangle 23">
+            <a:extLst>
+              <a:ext uri="{FF2B5EF4-FFF2-40B4-BE49-F238E27FC236}">
+                <a16:creationId xmlns:a16="http://schemas.microsoft.com/office/drawing/2014/main" id="{F1174801-1395-44C5-9B00-CCAC45C056E7}"/>
+              </a:ext>
+              <a:ext uri="{C183D7F6-B498-43B3-948B-1728B52AA6E4}">
+                <adec:decorative xmlns:adec="http://schemas.microsoft.com/office/drawing/2017/decorative" val="1"/>
+              </a:ext>
+            </a:extLst>
+          </p:cNvPr>
+          <p:cNvSpPr>
+            <a:spLocks noGrp="1" noRot="1" noChangeAspect="1" noMove="1" noResize="1" noEditPoints="1" noAdjustHandles="1" noChangeArrowheads="1" noChangeShapeType="1" noTextEdit="1"/>
+          </p:cNvSpPr>
+          <p:nvPr>
+            <p:extLst>
+              <p:ext uri="{386F3935-93C4-4BCD-93E2-E3B085C9AB24}">
+                <p16:designElem xmlns:p16="http://schemas.microsoft.com/office/powerpoint/2015/main" val="1"/>
+              </p:ext>
+            </p:extLst>
+          </p:nvPr>
+        </p:nvSpPr>
+        <p:spPr>
+          <a:xfrm>
+            <a:off x="0" y="0"/>
+            <a:ext cx="12188952" cy="6858000"/>
+          </a:xfrm>
+          <a:prstGeom prst="rect">
+            <a:avLst/>
+          </a:prstGeom>
+          <a:ln>
+            <a:noFill/>
+          </a:ln>
+        </p:spPr>
+        <p:style>
+          <a:lnRef idx="2">
+            <a:schemeClr val="accent1">
+              <a:shade val="50000"/>
+            </a:schemeClr>
+          </a:lnRef>
+          <a:fillRef idx="1">
+            <a:schemeClr val="accent1"/>
+          </a:fillRef>
+          <a:effectRef idx="0">
+            <a:schemeClr val="accent1"/>
+          </a:effectRef>
+          <a:fontRef idx="minor">
+            <a:schemeClr val="lt1"/>
+          </a:fontRef>
+        </p:style>
+        <p:txBody>
+          <a:bodyPr rtlCol="0" anchor="ctr"/>
+          <a:lstStyle/>
+          <a:p>
+            <a:pPr algn="ctr"/>
+            <a:endParaRPr lang="en-US" dirty="0">
+              <a:solidFill>
+                <a:schemeClr val="tx1">
+                  <a:lumMod val="65000"/>
+                  <a:lumOff val="35000"/>
+                </a:schemeClr>
+              </a:solidFill>
+              <a:latin typeface="AvenirNext LT Pro Medium" panose="020B0504020202020204" pitchFamily="34" charset="0"/>
+            </a:endParaRPr>
+          </a:p>
+        </p:txBody>
+      </p:sp>
+      <p:sp>
+        <p:nvSpPr>
+          <p:cNvPr id="26" name="Rectangle 25">
+            <a:extLst>
+              <a:ext uri="{FF2B5EF4-FFF2-40B4-BE49-F238E27FC236}">
+                <a16:creationId xmlns:a16="http://schemas.microsoft.com/office/drawing/2014/main" id="{8DBEE602-02D2-420A-AFC1-438A1699A5E5}"/>
+              </a:ext>
+              <a:ext uri="{C183D7F6-B498-43B3-948B-1728B52AA6E4}">
+                <adec:decorative xmlns:adec="http://schemas.microsoft.com/office/drawing/2017/decorative" val="1"/>
+              </a:ext>
+            </a:extLst>
+          </p:cNvPr>
+          <p:cNvSpPr>
+            <a:spLocks noGrp="1" noRot="1" noChangeAspect="1" noMove="1" noResize="1" noEditPoints="1" noAdjustHandles="1" noChangeArrowheads="1" noChangeShapeType="1" noTextEdit="1"/>
+          </p:cNvSpPr>
+          <p:nvPr>
+            <p:extLst>
+              <p:ext uri="{386F3935-93C4-4BCD-93E2-E3B085C9AB24}">
+                <p16:designElem xmlns:p16="http://schemas.microsoft.com/office/powerpoint/2015/main" val="1"/>
+              </p:ext>
+            </p:extLst>
+          </p:nvPr>
+        </p:nvSpPr>
+        <p:spPr>
+          <a:xfrm>
+            <a:off x="0" y="0"/>
+            <a:ext cx="12188952" cy="6858000"/>
+          </a:xfrm>
+          <a:prstGeom prst="rect">
+            <a:avLst/>
+          </a:prstGeom>
+          <a:solidFill>
+            <a:schemeClr val="bg2">
+              <a:alpha val="61000"/>
+            </a:schemeClr>
+          </a:solidFill>
+          <a:ln>
+            <a:solidFill>
+              <a:schemeClr val="bg1">
+                <a:lumMod val="95000"/>
+              </a:schemeClr>
+            </a:solidFill>
+          </a:ln>
+        </p:spPr>
+        <p:style>
+          <a:lnRef idx="2">
+            <a:schemeClr val="accent1">
+              <a:shade val="50000"/>
+            </a:schemeClr>
+          </a:lnRef>
+          <a:fillRef idx="1">
+            <a:schemeClr val="accent1"/>
+          </a:fillRef>
+          <a:effectRef idx="0">
+            <a:schemeClr val="accent1"/>
+          </a:effectRef>
+          <a:fontRef idx="minor">
+            <a:schemeClr val="lt1"/>
+          </a:fontRef>
+        </p:style>
+        <p:txBody>
+          <a:bodyPr rtlCol="0" anchor="ctr"/>
+          <a:lstStyle/>
+          <a:p>
+            <a:pPr algn="ctr"/>
+            <a:endParaRPr lang="en-US" dirty="0">
+              <a:solidFill>
+                <a:schemeClr val="tx1">
+                  <a:lumMod val="65000"/>
+                  <a:lumOff val="35000"/>
+                </a:schemeClr>
+              </a:solidFill>
+              <a:latin typeface="AvenirNext LT Pro Medium" panose="020B0504020202020204" pitchFamily="34" charset="0"/>
+            </a:endParaRPr>
+          </a:p>
+        </p:txBody>
+      </p:sp>
+      <p:sp>
+        <p:nvSpPr>
+          <p:cNvPr id="5" name="Título 4">
+            <a:extLst>
+              <a:ext uri="{FF2B5EF4-FFF2-40B4-BE49-F238E27FC236}">
+                <a16:creationId xmlns:a16="http://schemas.microsoft.com/office/drawing/2014/main" id="{3FCC1F51-C07C-419B-8D38-629B540CA813}"/>
+              </a:ext>
+            </a:extLst>
+          </p:cNvPr>
+          <p:cNvSpPr>
+            <a:spLocks noGrp="1"/>
+          </p:cNvSpPr>
+          <p:nvPr>
+            <p:ph type="title"/>
+          </p:nvPr>
+        </p:nvSpPr>
+        <p:spPr>
+          <a:xfrm>
+            <a:off x="838200" y="206199"/>
+            <a:ext cx="8183880" cy="1000274"/>
+          </a:xfrm>
+        </p:spPr>
+        <p:txBody>
+          <a:bodyPr vert="horz" lIns="91440" tIns="45720" rIns="91440" bIns="45720" rtlCol="0" anchor="b">
+            <a:normAutofit fontScale="90000"/>
+          </a:bodyPr>
+          <a:lstStyle/>
+          <a:p>
+            <a:pPr>
+              <a:lnSpc>
+                <a:spcPct val="90000"/>
+              </a:lnSpc>
+            </a:pPr>
+            <a:br>
+              <a:rPr lang="en-US" sz="3400" dirty="0">
+                <a:solidFill>
+                  <a:schemeClr val="tx2"/>
+                </a:solidFill>
+              </a:rPr>
+            </a:br>
+            <a:r>
+              <a:rPr lang="es-EC" sz="3400" dirty="0">
+                <a:solidFill>
+                  <a:schemeClr val="tx2"/>
+                </a:solidFill>
+              </a:rPr>
+              <a:t>Supuestos</a:t>
+            </a:r>
+            <a:r>
+              <a:rPr lang="en-US" sz="3400" dirty="0">
+                <a:solidFill>
+                  <a:schemeClr val="tx2"/>
+                </a:solidFill>
+              </a:rPr>
+              <a:t> – No Multicolinealidad</a:t>
+            </a:r>
+            <a:br>
+              <a:rPr lang="en-US" sz="3400" dirty="0">
+                <a:solidFill>
+                  <a:schemeClr val="tx2"/>
+                </a:solidFill>
+              </a:rPr>
+            </a:br>
+            <a:endParaRPr lang="en-US" sz="3400" dirty="0">
+              <a:solidFill>
+                <a:schemeClr val="tx2"/>
+              </a:solidFill>
+            </a:endParaRPr>
+          </a:p>
+        </p:txBody>
+      </p:sp>
+      <p:sp>
+        <p:nvSpPr>
+          <p:cNvPr id="28" name="Rectangle 27">
+            <a:extLst>
+              <a:ext uri="{FF2B5EF4-FFF2-40B4-BE49-F238E27FC236}">
+                <a16:creationId xmlns:a16="http://schemas.microsoft.com/office/drawing/2014/main" id="{B3FAB79E-1E1B-4287-B4EA-26E497404C89}"/>
+              </a:ext>
+              <a:ext uri="{C183D7F6-B498-43B3-948B-1728B52AA6E4}">
+                <adec:decorative xmlns:adec="http://schemas.microsoft.com/office/drawing/2017/decorative" val="1"/>
+              </a:ext>
+            </a:extLst>
+          </p:cNvPr>
+          <p:cNvSpPr>
+            <a:spLocks noGrp="1" noRot="1" noChangeAspect="1" noMove="1" noResize="1" noEditPoints="1" noAdjustHandles="1" noChangeArrowheads="1" noChangeShapeType="1" noTextEdit="1"/>
+          </p:cNvSpPr>
+          <p:nvPr>
+            <p:extLst>
+              <p:ext uri="{386F3935-93C4-4BCD-93E2-E3B085C9AB24}">
+                <p16:designElem xmlns:p16="http://schemas.microsoft.com/office/powerpoint/2015/main" val="1"/>
+              </p:ext>
+            </p:extLst>
+          </p:nvPr>
+        </p:nvSpPr>
+        <p:spPr>
+          <a:xfrm>
+            <a:off x="0" y="5730812"/>
+            <a:ext cx="12192000" cy="1127188"/>
+          </a:xfrm>
+          <a:prstGeom prst="rect">
+            <a:avLst/>
+          </a:prstGeom>
+          <a:solidFill>
+            <a:schemeClr val="tx2">
+              <a:lumMod val="90000"/>
+              <a:lumOff val="10000"/>
+            </a:schemeClr>
+          </a:solidFill>
+          <a:ln>
+            <a:noFill/>
+          </a:ln>
+        </p:spPr>
+        <p:style>
+          <a:lnRef idx="2">
+            <a:schemeClr val="accent1">
+              <a:shade val="50000"/>
+            </a:schemeClr>
+          </a:lnRef>
+          <a:fillRef idx="1">
+            <a:schemeClr val="accent1"/>
+          </a:fillRef>
+          <a:effectRef idx="0">
+            <a:schemeClr val="accent1"/>
+          </a:effectRef>
+          <a:fontRef idx="minor">
+            <a:schemeClr val="lt1"/>
+          </a:fontRef>
+        </p:style>
+        <p:txBody>
+          <a:bodyPr rtlCol="0" anchor="ctr"/>
+          <a:lstStyle/>
+          <a:p>
+            <a:pPr algn="ctr"/>
+            <a:endParaRPr lang="en-US" dirty="0">
+              <a:solidFill>
+                <a:schemeClr val="tx1">
+                  <a:lumMod val="65000"/>
+                  <a:lumOff val="35000"/>
+                </a:schemeClr>
+              </a:solidFill>
+              <a:latin typeface="AvenirNext LT Pro Medium" panose="020B0504020202020204" pitchFamily="34" charset="0"/>
+            </a:endParaRPr>
+          </a:p>
+        </p:txBody>
+      </p:sp>
+      <p:sp>
+        <p:nvSpPr>
+          <p:cNvPr id="30" name="Rectangle 29">
+            <a:extLst>
+              <a:ext uri="{FF2B5EF4-FFF2-40B4-BE49-F238E27FC236}">
+                <a16:creationId xmlns:a16="http://schemas.microsoft.com/office/drawing/2014/main" id="{A22256D1-A993-4D2E-943C-2E87F8BFC629}"/>
+              </a:ext>
+              <a:ext uri="{C183D7F6-B498-43B3-948B-1728B52AA6E4}">
+                <adec:decorative xmlns:adec="http://schemas.microsoft.com/office/drawing/2017/decorative" val="1"/>
+              </a:ext>
+            </a:extLst>
+          </p:cNvPr>
+          <p:cNvSpPr>
+            <a:spLocks noGrp="1" noRot="1" noChangeAspect="1" noMove="1" noResize="1" noEditPoints="1" noAdjustHandles="1" noChangeArrowheads="1" noChangeShapeType="1" noTextEdit="1"/>
+          </p:cNvSpPr>
+          <p:nvPr>
+            <p:extLst>
+              <p:ext uri="{386F3935-93C4-4BCD-93E2-E3B085C9AB24}">
+                <p16:designElem xmlns:p16="http://schemas.microsoft.com/office/powerpoint/2015/main" val="1"/>
+              </p:ext>
+            </p:extLst>
+          </p:nvPr>
+        </p:nvSpPr>
+        <p:spPr>
+          <a:xfrm rot="10800000">
+            <a:off x="-3060" y="5730813"/>
+            <a:ext cx="12191999" cy="1127186"/>
+          </a:xfrm>
+          <a:prstGeom prst="rect">
+            <a:avLst/>
+          </a:prstGeom>
+          <a:blipFill dpi="0" rotWithShape="1">
+            <a:blip r:embed="rId3">
+              <a:alphaModFix amt="20000"/>
+              <a:duotone>
+                <a:schemeClr val="accent1">
+                  <a:shade val="45000"/>
+                  <a:satMod val="135000"/>
+                </a:schemeClr>
+                <a:prstClr val="white"/>
+              </a:duotone>
+            </a:blip>
+            <a:srcRect/>
+            <a:tile tx="889000" ty="0" sx="100000" sy="100000" flip="none" algn="tl"/>
+          </a:blipFill>
+          <a:ln>
+            <a:noFill/>
+          </a:ln>
+        </p:spPr>
+        <p:style>
+          <a:lnRef idx="2">
+            <a:schemeClr val="accent1">
+              <a:shade val="50000"/>
+            </a:schemeClr>
+          </a:lnRef>
+          <a:fillRef idx="1">
+            <a:schemeClr val="accent1"/>
+          </a:fillRef>
+          <a:effectRef idx="0">
+            <a:schemeClr val="accent1"/>
+          </a:effectRef>
+          <a:fontRef idx="minor">
+            <a:schemeClr val="lt1"/>
+          </a:fontRef>
+        </p:style>
+        <p:txBody>
+          <a:bodyPr rtlCol="0" anchor="ctr"/>
+          <a:lstStyle/>
+          <a:p>
+            <a:pPr algn="ctr"/>
+            <a:endParaRPr lang="en-US" dirty="0"/>
+          </a:p>
+        </p:txBody>
+      </p:sp>
+      <p:pic>
+        <p:nvPicPr>
+          <p:cNvPr id="7" name="Imagen 6" descr="Logotipo&#10;&#10;Descripción generada automáticamente">
+            <a:extLst>
+              <a:ext uri="{FF2B5EF4-FFF2-40B4-BE49-F238E27FC236}">
+                <a16:creationId xmlns:a16="http://schemas.microsoft.com/office/drawing/2014/main" id="{2E92163B-AFAA-4540-8E92-99AF5C5A0ECF}"/>
+              </a:ext>
+            </a:extLst>
+          </p:cNvPr>
+          <p:cNvPicPr>
+            <a:picLocks noChangeAspect="1"/>
+          </p:cNvPicPr>
+          <p:nvPr/>
+        </p:nvPicPr>
+        <p:blipFill>
+          <a:blip r:embed="rId4">
+            <a:extLst>
+              <a:ext uri="{28A0092B-C50C-407E-A947-70E740481C1C}">
+                <a14:useLocalDpi xmlns:a14="http://schemas.microsoft.com/office/drawing/2010/main" val="0"/>
+              </a:ext>
+            </a:extLst>
+          </a:blip>
+          <a:stretch>
+            <a:fillRect/>
+          </a:stretch>
+        </p:blipFill>
+        <p:spPr>
+          <a:xfrm>
+            <a:off x="11240253" y="68412"/>
+            <a:ext cx="751450" cy="751450"/>
+          </a:xfrm>
+          <a:prstGeom prst="rect">
+            <a:avLst/>
+          </a:prstGeom>
+        </p:spPr>
+      </p:pic>
+      <p:sp>
+        <p:nvSpPr>
+          <p:cNvPr id="15" name="CuadroTexto 14">
+            <a:extLst>
+              <a:ext uri="{FF2B5EF4-FFF2-40B4-BE49-F238E27FC236}">
+                <a16:creationId xmlns:a16="http://schemas.microsoft.com/office/drawing/2014/main" id="{89A56D76-98EE-4597-86E3-672DB61F4CE6}"/>
+              </a:ext>
+            </a:extLst>
+          </p:cNvPr>
+          <p:cNvSpPr txBox="1"/>
+          <p:nvPr/>
+        </p:nvSpPr>
+        <p:spPr>
+          <a:xfrm>
+            <a:off x="6513577" y="1137647"/>
+            <a:ext cx="4765764" cy="646331"/>
+          </a:xfrm>
+          <a:prstGeom prst="rect">
+            <a:avLst/>
+          </a:prstGeom>
+          <a:noFill/>
+        </p:spPr>
+        <p:txBody>
+          <a:bodyPr wrap="square">
+            <a:spAutoFit/>
+          </a:bodyPr>
+          <a:lstStyle/>
+          <a:p>
+            <a:pPr algn="ctr">
+              <a:spcAft>
+                <a:spcPts val="600"/>
+              </a:spcAft>
+            </a:pPr>
+            <a:r>
+              <a:rPr lang="es-EC" b="1" dirty="0">
+                <a:solidFill>
+                  <a:srgbClr val="002060"/>
+                </a:solidFill>
+              </a:rPr>
+              <a:t>Factor de Inflación de Varianza (VIF</a:t>
+            </a:r>
+            <a:r>
+              <a:rPr lang="es-EC" b="1" dirty="0"/>
+              <a:t>)</a:t>
+            </a:r>
+            <a:br>
+              <a:rPr lang="es-EC" b="1" dirty="0"/>
+            </a:br>
+            <a:endParaRPr lang="es-EC" b="1" dirty="0"/>
+          </a:p>
+        </p:txBody>
+      </p:sp>
+      <p:graphicFrame>
+        <p:nvGraphicFramePr>
+          <p:cNvPr id="6" name="Diagrama 5">
+            <a:extLst>
+              <a:ext uri="{FF2B5EF4-FFF2-40B4-BE49-F238E27FC236}">
+                <a16:creationId xmlns:a16="http://schemas.microsoft.com/office/drawing/2014/main" id="{F79413C2-8180-4897-AB44-88F2A5F663E2}"/>
+              </a:ext>
+            </a:extLst>
+          </p:cNvPr>
+          <p:cNvGraphicFramePr/>
+          <p:nvPr>
+            <p:extLst>
+              <p:ext uri="{D42A27DB-BD31-4B8C-83A1-F6EECF244321}">
+                <p14:modId xmlns:p14="http://schemas.microsoft.com/office/powerpoint/2010/main" val="432857377"/>
+              </p:ext>
+            </p:extLst>
+          </p:nvPr>
+        </p:nvGraphicFramePr>
+        <p:xfrm>
+          <a:off x="629014" y="2151185"/>
+          <a:ext cx="4948813" cy="2555630"/>
+        </p:xfrm>
+        <a:graphic>
+          <a:graphicData uri="http://schemas.openxmlformats.org/drawingml/2006/diagram">
+            <dgm:relIds xmlns:dgm="http://schemas.openxmlformats.org/drawingml/2006/diagram" xmlns:r="http://schemas.openxmlformats.org/officeDocument/2006/relationships" r:dm="rId5" r:lo="rId6" r:qs="rId7" r:cs="rId8"/>
+          </a:graphicData>
+        </a:graphic>
+      </p:graphicFrame>
+      <mc:AlternateContent xmlns:mc="http://schemas.openxmlformats.org/markup-compatibility/2006">
+        <mc:Choice xmlns:a14="http://schemas.microsoft.com/office/drawing/2010/main" Requires="a14">
+          <p:sp>
+            <p:nvSpPr>
+              <p:cNvPr id="8" name="CuadroTexto 7">
+                <a:extLst>
+                  <a:ext uri="{FF2B5EF4-FFF2-40B4-BE49-F238E27FC236}">
+                    <a16:creationId xmlns:a16="http://schemas.microsoft.com/office/drawing/2014/main" id="{BCAD9FC0-519C-44A1-A270-1F180F635A0B}"/>
+                  </a:ext>
+                </a:extLst>
+              </p:cNvPr>
+              <p:cNvSpPr txBox="1"/>
+              <p:nvPr/>
+            </p:nvSpPr>
+            <p:spPr>
+              <a:xfrm>
+                <a:off x="7691505" y="1614759"/>
+                <a:ext cx="2105638" cy="613663"/>
+              </a:xfrm>
+              <a:prstGeom prst="rect">
+                <a:avLst/>
+              </a:prstGeom>
+              <a:noFill/>
+            </p:spPr>
+            <p:txBody>
+              <a:bodyPr wrap="square" lIns="0" tIns="0" rIns="0" bIns="0" rtlCol="0">
+                <a:spAutoFit/>
+              </a:bodyPr>
+              <a:lstStyle/>
+              <a:p>
+                <a14:m>
+                  <m:oMathPara xmlns:m="http://schemas.openxmlformats.org/officeDocument/2006/math">
+                    <m:oMathParaPr>
+                      <m:jc m:val="centerGroup"/>
+                    </m:oMathParaPr>
+                    <m:oMath xmlns:m="http://schemas.openxmlformats.org/officeDocument/2006/math">
+                      <m:r>
+                        <a:rPr lang="es-EC" b="0" i="1" smtClean="0">
+                          <a:latin typeface="Cambria Math" panose="02040503050406030204" pitchFamily="18" charset="0"/>
+                        </a:rPr>
+                        <m:t>𝑉𝐼𝐹</m:t>
+                      </m:r>
+                      <m:r>
+                        <a:rPr lang="es-EC" b="0" i="1" smtClean="0">
+                          <a:latin typeface="Cambria Math" panose="02040503050406030204" pitchFamily="18" charset="0"/>
+                        </a:rPr>
+                        <m:t>=</m:t>
+                      </m:r>
+                      <m:f>
+                        <m:fPr>
+                          <m:ctrlPr>
+                            <a:rPr lang="es-EC" b="0" i="1" smtClean="0">
+                              <a:latin typeface="Cambria Math" panose="02040503050406030204" pitchFamily="18" charset="0"/>
+                            </a:rPr>
+                          </m:ctrlPr>
+                        </m:fPr>
+                        <m:num>
+                          <m:r>
+                            <a:rPr lang="es-EC" b="0" i="1" smtClean="0">
+                              <a:latin typeface="Cambria Math" panose="02040503050406030204" pitchFamily="18" charset="0"/>
+                            </a:rPr>
+                            <m:t>1</m:t>
+                          </m:r>
+                        </m:num>
+                        <m:den>
+                          <m:r>
+                            <a:rPr lang="es-EC" b="0" i="1" smtClean="0">
+                              <a:latin typeface="Cambria Math" panose="02040503050406030204" pitchFamily="18" charset="0"/>
+                            </a:rPr>
+                            <m:t>1−</m:t>
+                          </m:r>
+                          <m:sSubSup>
+                            <m:sSubSupPr>
+                              <m:ctrlPr>
+                                <a:rPr lang="es-EC" b="0" i="1" smtClean="0">
+                                  <a:latin typeface="Cambria Math" panose="02040503050406030204" pitchFamily="18" charset="0"/>
+                                </a:rPr>
+                              </m:ctrlPr>
+                            </m:sSubSupPr>
+                            <m:e>
+                              <m:r>
+                                <a:rPr lang="es-EC" b="0" i="1" smtClean="0">
+                                  <a:latin typeface="Cambria Math" panose="02040503050406030204" pitchFamily="18" charset="0"/>
+                                </a:rPr>
+                                <m:t>𝑅</m:t>
+                              </m:r>
+                            </m:e>
+                            <m:sub>
+                              <m:r>
+                                <a:rPr lang="es-EC" b="0" i="1" smtClean="0">
+                                  <a:latin typeface="Cambria Math" panose="02040503050406030204" pitchFamily="18" charset="0"/>
+                                </a:rPr>
+                                <m:t>𝑘</m:t>
+                              </m:r>
+                            </m:sub>
+                            <m:sup>
+                              <m:r>
+                                <a:rPr lang="es-EC" b="0" i="1" smtClean="0">
+                                  <a:latin typeface="Cambria Math" panose="02040503050406030204" pitchFamily="18" charset="0"/>
+                                </a:rPr>
+                                <m:t>2</m:t>
+                              </m:r>
+                            </m:sup>
+                          </m:sSubSup>
+                        </m:den>
+                      </m:f>
+                    </m:oMath>
+                  </m:oMathPara>
+                </a14:m>
+                <a:endParaRPr lang="es-EC" dirty="0"/>
+              </a:p>
+            </p:txBody>
+          </p:sp>
+        </mc:Choice>
+        <mc:Fallback>
+          <p:sp>
+            <p:nvSpPr>
+              <p:cNvPr id="8" name="CuadroTexto 7">
+                <a:extLst>
+                  <a:ext uri="{FF2B5EF4-FFF2-40B4-BE49-F238E27FC236}">
+                    <a16:creationId xmlns:a16="http://schemas.microsoft.com/office/drawing/2014/main" id="{BCAD9FC0-519C-44A1-A270-1F180F635A0B}"/>
+                  </a:ext>
+                </a:extLst>
+              </p:cNvPr>
+              <p:cNvSpPr txBox="1">
+                <a:spLocks noRot="1" noChangeAspect="1" noMove="1" noResize="1" noEditPoints="1" noAdjustHandles="1" noChangeArrowheads="1" noChangeShapeType="1" noTextEdit="1"/>
+              </p:cNvSpPr>
+              <p:nvPr/>
+            </p:nvSpPr>
+            <p:spPr>
+              <a:xfrm>
+                <a:off x="7691505" y="1614759"/>
+                <a:ext cx="2105638" cy="613663"/>
+              </a:xfrm>
+              <a:prstGeom prst="rect">
+                <a:avLst/>
+              </a:prstGeom>
+              <a:blipFill>
+                <a:blip r:embed="rId10"/>
+                <a:stretch>
+                  <a:fillRect/>
+                </a:stretch>
+              </a:blipFill>
+            </p:spPr>
+            <p:txBody>
+              <a:bodyPr/>
+              <a:lstStyle/>
+              <a:p>
+                <a:r>
+                  <a:rPr lang="es-EC">
+                    <a:noFill/>
+                  </a:rPr>
+                  <a:t> </a:t>
+                </a:r>
+              </a:p>
+            </p:txBody>
+          </p:sp>
+        </mc:Fallback>
+      </mc:AlternateContent>
+      <mc:AlternateContent xmlns:mc="http://schemas.openxmlformats.org/markup-compatibility/2006">
+        <mc:Choice xmlns:a14="http://schemas.microsoft.com/office/drawing/2010/main" Requires="a14">
+          <p:sp>
+            <p:nvSpPr>
+              <p:cNvPr id="21" name="CuadroTexto 20">
+                <a:extLst>
+                  <a:ext uri="{FF2B5EF4-FFF2-40B4-BE49-F238E27FC236}">
+                    <a16:creationId xmlns:a16="http://schemas.microsoft.com/office/drawing/2014/main" id="{3CB6A8CF-BC95-4D25-8527-448354ECD996}"/>
+                  </a:ext>
+                </a:extLst>
+              </p:cNvPr>
+              <p:cNvSpPr txBox="1"/>
+              <p:nvPr/>
+            </p:nvSpPr>
+            <p:spPr>
+              <a:xfrm>
+                <a:off x="6088585" y="2610492"/>
+                <a:ext cx="5589609" cy="2873287"/>
+              </a:xfrm>
+              <a:prstGeom prst="rect">
+                <a:avLst/>
+              </a:prstGeom>
+              <a:noFill/>
+            </p:spPr>
+            <p:txBody>
+              <a:bodyPr wrap="square">
+                <a:spAutoFit/>
+              </a:bodyPr>
+              <a:lstStyle/>
+              <a:p>
+                <a:r>
+                  <a:rPr lang="es-EC" b="0" i="0" dirty="0">
+                    <a:solidFill>
+                      <a:schemeClr val="tx1"/>
+                    </a:solidFill>
+                    <a:effectLst/>
+                    <a:latin typeface="Helvetica Neue"/>
+                  </a:rPr>
+                  <a:t>siendo </a:t>
+                </a:r>
+                <a:r>
+                  <a:rPr lang="es-EC" b="0" dirty="0">
+                    <a:solidFill>
+                      <a:schemeClr val="tx1"/>
+                    </a:solidFill>
+                  </a:rPr>
+                  <a:t> </a:t>
+                </a:r>
+                <a14:m>
+                  <m:oMath xmlns:m="http://schemas.openxmlformats.org/officeDocument/2006/math">
+                    <m:sSubSup>
+                      <m:sSubSupPr>
+                        <m:ctrlPr>
+                          <a:rPr lang="es-EC" i="1" smtClean="0">
+                            <a:solidFill>
+                              <a:schemeClr val="tx1"/>
+                            </a:solidFill>
+                            <a:latin typeface="Cambria Math" panose="02040503050406030204" pitchFamily="18" charset="0"/>
+                          </a:rPr>
+                        </m:ctrlPr>
+                      </m:sSubSupPr>
+                      <m:e>
+                        <m:r>
+                          <a:rPr lang="es-EC" b="0" i="1" smtClean="0">
+                            <a:solidFill>
+                              <a:schemeClr val="tx1"/>
+                            </a:solidFill>
+                            <a:latin typeface="Cambria Math" panose="02040503050406030204" pitchFamily="18" charset="0"/>
+                          </a:rPr>
+                          <m:t>𝑅</m:t>
+                        </m:r>
+                      </m:e>
+                      <m:sub>
+                        <m:r>
+                          <a:rPr lang="es-EC" b="0" i="1" smtClean="0">
+                            <a:solidFill>
+                              <a:schemeClr val="tx1"/>
+                            </a:solidFill>
+                            <a:latin typeface="Cambria Math" panose="02040503050406030204" pitchFamily="18" charset="0"/>
+                          </a:rPr>
+                          <m:t>𝑘</m:t>
+                        </m:r>
+                      </m:sub>
+                      <m:sup>
+                        <m:r>
+                          <a:rPr lang="es-EC" b="0" i="1" smtClean="0">
+                            <a:solidFill>
+                              <a:schemeClr val="tx1"/>
+                            </a:solidFill>
+                            <a:latin typeface="Cambria Math" panose="02040503050406030204" pitchFamily="18" charset="0"/>
+                          </a:rPr>
+                          <m:t>2</m:t>
+                        </m:r>
+                      </m:sup>
+                    </m:sSubSup>
+                    <m:r>
+                      <a:rPr lang="es-EC" b="0" i="1" smtClean="0">
+                        <a:solidFill>
+                          <a:schemeClr val="tx1"/>
+                        </a:solidFill>
+                        <a:latin typeface="Cambria Math" panose="02040503050406030204" pitchFamily="18" charset="0"/>
+                      </a:rPr>
+                      <m:t> </m:t>
+                    </m:r>
+                  </m:oMath>
+                </a14:m>
+                <a:r>
+                  <a:rPr lang="es-EC" b="0" i="0" dirty="0">
+                    <a:solidFill>
+                      <a:schemeClr val="tx1"/>
+                    </a:solidFill>
+                    <a:effectLst/>
+                    <a:latin typeface="Helvetica Neue"/>
+                  </a:rPr>
+                  <a:t>el coeficiente de determinación de la regresión auxiliar de la variable </a:t>
+                </a:r>
+                <a14:m>
+                  <m:oMath xmlns:m="http://schemas.openxmlformats.org/officeDocument/2006/math">
+                    <m:sSub>
+                      <m:sSubPr>
+                        <m:ctrlPr>
+                          <a:rPr lang="es-EC" b="0" i="1" smtClean="0">
+                            <a:solidFill>
+                              <a:schemeClr val="tx1"/>
+                            </a:solidFill>
+                            <a:effectLst/>
+                            <a:latin typeface="Cambria Math" panose="02040503050406030204" pitchFamily="18" charset="0"/>
+                          </a:rPr>
+                        </m:ctrlPr>
+                      </m:sSubPr>
+                      <m:e>
+                        <m:r>
+                          <a:rPr lang="es-EC" b="0" i="1" smtClean="0">
+                            <a:solidFill>
+                              <a:schemeClr val="tx1"/>
+                            </a:solidFill>
+                            <a:effectLst/>
+                            <a:latin typeface="Cambria Math" panose="02040503050406030204" pitchFamily="18" charset="0"/>
+                          </a:rPr>
+                          <m:t>𝑋</m:t>
+                        </m:r>
+                      </m:e>
+                      <m:sub>
+                        <m:r>
+                          <a:rPr lang="es-EC" b="0" i="1" smtClean="0">
+                            <a:solidFill>
+                              <a:schemeClr val="tx1"/>
+                            </a:solidFill>
+                            <a:effectLst/>
+                            <a:latin typeface="Cambria Math" panose="02040503050406030204" pitchFamily="18" charset="0"/>
+                          </a:rPr>
+                          <m:t>𝑘</m:t>
+                        </m:r>
+                      </m:sub>
+                    </m:sSub>
+                  </m:oMath>
+                </a14:m>
+                <a:r>
+                  <a:rPr lang="es-EC" b="0" i="0" dirty="0">
+                    <a:solidFill>
+                      <a:schemeClr val="tx1"/>
+                    </a:solidFill>
+                    <a:effectLst/>
+                    <a:latin typeface="Helvetica Neue"/>
+                  </a:rPr>
+                  <a:t> sobre el resto de las variables explicativas. El VIF toma valores entre 1 e </a:t>
+                </a:r>
+                <a:r>
+                  <a:rPr lang="es-EC" dirty="0">
+                    <a:solidFill>
+                      <a:schemeClr val="tx1"/>
+                    </a:solidFill>
+                    <a:latin typeface="MJXc-TeX-main-R"/>
+                  </a:rPr>
+                  <a:t>∞</a:t>
+                </a:r>
+                <a:r>
+                  <a:rPr lang="es-EC" b="0" i="0" dirty="0">
+                    <a:solidFill>
+                      <a:schemeClr val="tx1"/>
+                    </a:solidFill>
+                    <a:effectLst/>
+                    <a:latin typeface="Helvetica Neue"/>
+                  </a:rPr>
+                  <a:t>.</a:t>
+                </a:r>
+              </a:p>
+              <a:p>
+                <a:endParaRPr lang="es-EC" dirty="0">
+                  <a:solidFill>
+                    <a:schemeClr val="tx1"/>
+                  </a:solidFill>
+                  <a:latin typeface="Helvetica Neue"/>
+                </a:endParaRPr>
+              </a:p>
+              <a:p>
+                <a:r>
+                  <a:rPr lang="es-EC" b="0" i="0" dirty="0">
+                    <a:solidFill>
+                      <a:schemeClr val="tx1"/>
+                    </a:solidFill>
+                    <a:effectLst/>
+                    <a:latin typeface="Helvetica Neue"/>
+                  </a:rPr>
+                  <a:t>La experiencia indica que si cualquiera de los VIF es mayor que 5 o 10, es indicio de que los coeficientes asociados de regresión están mal estimados debido a la multicolinealidad (Montgomery, </a:t>
+                </a:r>
+                <a:r>
+                  <a:rPr lang="es-EC" dirty="0">
+                    <a:solidFill>
+                      <a:schemeClr val="tx1"/>
+                    </a:solidFill>
+                    <a:latin typeface="Helvetica Neue"/>
+                  </a:rPr>
+                  <a:t>2006</a:t>
+                </a:r>
+                <a:r>
+                  <a:rPr lang="es-EC" b="0" i="0" dirty="0">
+                    <a:solidFill>
+                      <a:schemeClr val="tx1"/>
+                    </a:solidFill>
+                    <a:effectLst/>
+                    <a:latin typeface="Helvetica Neue"/>
+                  </a:rPr>
+                  <a:t>).</a:t>
+                </a:r>
+                <a:endParaRPr lang="es-EC" dirty="0">
+                  <a:solidFill>
+                    <a:schemeClr val="tx1"/>
+                  </a:solidFill>
+                </a:endParaRPr>
+              </a:p>
+              <a:p>
+                <a:endParaRPr lang="es-EC" dirty="0">
+                  <a:solidFill>
+                    <a:schemeClr val="tx1"/>
+                  </a:solidFill>
+                </a:endParaRPr>
+              </a:p>
+            </p:txBody>
+          </p:sp>
+        </mc:Choice>
+        <mc:Fallback>
+          <p:sp>
+            <p:nvSpPr>
+              <p:cNvPr id="21" name="CuadroTexto 20">
+                <a:extLst>
+                  <a:ext uri="{FF2B5EF4-FFF2-40B4-BE49-F238E27FC236}">
+                    <a16:creationId xmlns:a16="http://schemas.microsoft.com/office/drawing/2014/main" id="{3CB6A8CF-BC95-4D25-8527-448354ECD996}"/>
+                  </a:ext>
+                </a:extLst>
+              </p:cNvPr>
+              <p:cNvSpPr txBox="1">
+                <a:spLocks noRot="1" noChangeAspect="1" noMove="1" noResize="1" noEditPoints="1" noAdjustHandles="1" noChangeArrowheads="1" noChangeShapeType="1" noTextEdit="1"/>
+              </p:cNvSpPr>
+              <p:nvPr/>
+            </p:nvSpPr>
+            <p:spPr>
+              <a:xfrm>
+                <a:off x="6088585" y="2610492"/>
+                <a:ext cx="5589609" cy="2873287"/>
+              </a:xfrm>
+              <a:prstGeom prst="rect">
+                <a:avLst/>
+              </a:prstGeom>
+              <a:blipFill>
+                <a:blip r:embed="rId11"/>
+                <a:stretch>
+                  <a:fillRect l="-981" t="-636" r="-654"/>
+                </a:stretch>
+              </a:blipFill>
+            </p:spPr>
+            <p:txBody>
+              <a:bodyPr/>
+              <a:lstStyle/>
+              <a:p>
+                <a:r>
+                  <a:rPr lang="es-EC">
+                    <a:noFill/>
+                  </a:rPr>
+                  <a:t> </a:t>
+                </a:r>
+              </a:p>
+            </p:txBody>
+          </p:sp>
+        </mc:Fallback>
+      </mc:AlternateContent>
+      <p:sp>
+        <p:nvSpPr>
+          <p:cNvPr id="11" name="CuadroTexto 10">
+            <a:extLst>
+              <a:ext uri="{FF2B5EF4-FFF2-40B4-BE49-F238E27FC236}">
+                <a16:creationId xmlns:a16="http://schemas.microsoft.com/office/drawing/2014/main" id="{5A81ABC1-D307-4B6C-BC39-16849E37821D}"/>
+              </a:ext>
+            </a:extLst>
+          </p:cNvPr>
+          <p:cNvSpPr txBox="1"/>
+          <p:nvPr/>
+        </p:nvSpPr>
+        <p:spPr>
+          <a:xfrm>
+            <a:off x="629014" y="1329750"/>
+            <a:ext cx="4765764" cy="369332"/>
+          </a:xfrm>
+          <a:prstGeom prst="rect">
+            <a:avLst/>
+          </a:prstGeom>
+          <a:noFill/>
+        </p:spPr>
+        <p:txBody>
+          <a:bodyPr wrap="square">
+            <a:spAutoFit/>
+          </a:bodyPr>
+          <a:lstStyle/>
+          <a:p>
+            <a:pPr algn="ctr">
+              <a:spcAft>
+                <a:spcPts val="600"/>
+              </a:spcAft>
+            </a:pPr>
+            <a:r>
+              <a:rPr lang="es-EC" b="1" dirty="0">
+                <a:solidFill>
+                  <a:srgbClr val="002060"/>
+                </a:solidFill>
+              </a:rPr>
+              <a:t>¿Cómo detectarla?</a:t>
+            </a:r>
+            <a:endParaRPr lang="es-EC" b="1" dirty="0"/>
+          </a:p>
+        </p:txBody>
+      </p:sp>
+    </p:spTree>
+    <p:extLst>
+      <p:ext uri="{BB962C8B-B14F-4D97-AF65-F5344CB8AC3E}">
+        <p14:creationId xmlns:p14="http://schemas.microsoft.com/office/powerpoint/2010/main" val="3074148171"/>
       </p:ext>
     </p:extLst>
   </p:cSld>
